--- a/Spring Security.pptx
+++ b/Spring Security.pptx
@@ -1,6 +1,6 @@
 
 <file path=ppt/presentation.xml><?xml version="1.0" encoding="utf-8"?>
-<p:presentation xmlns:a="http://schemas.openxmlformats.org/drawingml/2006/main" xmlns:r="http://schemas.openxmlformats.org/officeDocument/2006/relationships" xmlns:p="http://schemas.openxmlformats.org/presentationml/2006/main" saveSubsetFonts="1">
+<p:presentation xmlns:a="http://schemas.openxmlformats.org/drawingml/2006/main" xmlns:r="http://schemas.openxmlformats.org/officeDocument/2006/relationships" xmlns:p="http://schemas.openxmlformats.org/presentationml/2006/main">
   <p:sldMasterIdLst>
     <p:sldMasterId id="2147483648" r:id="rId1"/>
   </p:sldMasterIdLst>
@@ -23,8 +23,18 @@
     <p:sldId id="324" r:id="rId18"/>
     <p:sldId id="323" r:id="rId19"/>
     <p:sldId id="306" r:id="rId20"/>
-    <p:sldId id="307" r:id="rId21"/>
-    <p:sldId id="260" r:id="rId22"/>
+    <p:sldId id="331" r:id="rId21"/>
+    <p:sldId id="332" r:id="rId22"/>
+    <p:sldId id="333" r:id="rId23"/>
+    <p:sldId id="307" r:id="rId24"/>
+    <p:sldId id="341" r:id="rId25"/>
+    <p:sldId id="336" r:id="rId26"/>
+    <p:sldId id="337" r:id="rId27"/>
+    <p:sldId id="338" r:id="rId28"/>
+    <p:sldId id="339" r:id="rId29"/>
+    <p:sldId id="340" r:id="rId30"/>
+    <p:sldId id="335" r:id="rId31"/>
+    <p:sldId id="260" r:id="rId32"/>
   </p:sldIdLst>
   <p:sldSz cx="9144000" cy="6858000" type="screen4x3"/>
   <p:notesSz cx="6858000" cy="9144000"/>
@@ -2832,7 +2842,7 @@
         <a:spcBef>
           <a:spcPct val="20000"/>
         </a:spcBef>
-        <a:buFont typeface="Arial" pitchFamily="34" charset="0"/>
+        <a:buFont typeface="Arial" panose="020B0604020202020204" pitchFamily="34" charset="0"/>
         <a:buChar char="•"/>
         <a:defRPr sz="3200" kern="1200">
           <a:solidFill>
@@ -2847,7 +2857,7 @@
         <a:spcBef>
           <a:spcPct val="20000"/>
         </a:spcBef>
-        <a:buFont typeface="Arial" pitchFamily="34" charset="0"/>
+        <a:buFont typeface="Arial" panose="020B0604020202020204" pitchFamily="34" charset="0"/>
         <a:buChar char="–"/>
         <a:defRPr sz="2800" kern="1200">
           <a:solidFill>
@@ -2862,7 +2872,7 @@
         <a:spcBef>
           <a:spcPct val="20000"/>
         </a:spcBef>
-        <a:buFont typeface="Arial" pitchFamily="34" charset="0"/>
+        <a:buFont typeface="Arial" panose="020B0604020202020204" pitchFamily="34" charset="0"/>
         <a:buChar char="•"/>
         <a:defRPr sz="2400" kern="1200">
           <a:solidFill>
@@ -2877,7 +2887,7 @@
         <a:spcBef>
           <a:spcPct val="20000"/>
         </a:spcBef>
-        <a:buFont typeface="Arial" pitchFamily="34" charset="0"/>
+        <a:buFont typeface="Arial" panose="020B0604020202020204" pitchFamily="34" charset="0"/>
         <a:buChar char="–"/>
         <a:defRPr sz="2000" kern="1200">
           <a:solidFill>
@@ -2892,7 +2902,7 @@
         <a:spcBef>
           <a:spcPct val="20000"/>
         </a:spcBef>
-        <a:buFont typeface="Arial" pitchFamily="34" charset="0"/>
+        <a:buFont typeface="Arial" panose="020B0604020202020204" pitchFamily="34" charset="0"/>
         <a:buChar char="»"/>
         <a:defRPr sz="2000" kern="1200">
           <a:solidFill>
@@ -2907,7 +2917,7 @@
         <a:spcBef>
           <a:spcPct val="20000"/>
         </a:spcBef>
-        <a:buFont typeface="Arial" pitchFamily="34" charset="0"/>
+        <a:buFont typeface="Arial" panose="020B0604020202020204" pitchFamily="34" charset="0"/>
         <a:buChar char="•"/>
         <a:defRPr sz="2000" kern="1200">
           <a:solidFill>
@@ -2922,7 +2932,7 @@
         <a:spcBef>
           <a:spcPct val="20000"/>
         </a:spcBef>
-        <a:buFont typeface="Arial" pitchFamily="34" charset="0"/>
+        <a:buFont typeface="Arial" panose="020B0604020202020204" pitchFamily="34" charset="0"/>
         <a:buChar char="•"/>
         <a:defRPr sz="2000" kern="1200">
           <a:solidFill>
@@ -2937,7 +2947,7 @@
         <a:spcBef>
           <a:spcPct val="20000"/>
         </a:spcBef>
-        <a:buFont typeface="Arial" pitchFamily="34" charset="0"/>
+        <a:buFont typeface="Arial" panose="020B0604020202020204" pitchFamily="34" charset="0"/>
         <a:buChar char="•"/>
         <a:defRPr sz="2000" kern="1200">
           <a:solidFill>
@@ -2952,7 +2962,7 @@
         <a:spcBef>
           <a:spcPct val="20000"/>
         </a:spcBef>
-        <a:buFont typeface="Arial" pitchFamily="34" charset="0"/>
+        <a:buFont typeface="Arial" panose="020B0604020202020204" pitchFamily="34" charset="0"/>
         <a:buChar char="•"/>
         <a:defRPr sz="2000" kern="1200">
           <a:solidFill>
@@ -3199,7 +3209,7 @@
               <a:solidFill>
                 <a:srgbClr val="C4261D"/>
               </a:solidFill>
-              <a:sym typeface="Arial" pitchFamily="34" charset="0"/>
+              <a:sym typeface="Arial" panose="020B0604020202020204" pitchFamily="34" charset="0"/>
             </a:endParaRPr>
           </a:p>
         </p:txBody>
@@ -3309,7 +3319,7 @@
               <a:solidFill>
                 <a:srgbClr val="C4261D"/>
               </a:solidFill>
-              <a:sym typeface="Arial" pitchFamily="34" charset="0"/>
+              <a:sym typeface="Arial" panose="020B0604020202020204" pitchFamily="34" charset="0"/>
             </a:endParaRPr>
           </a:p>
         </p:txBody>
@@ -3673,7 +3683,7 @@
                 <a:solidFill>
                   <a:srgbClr val="C4261D"/>
                 </a:solidFill>
-                <a:sym typeface="Arial" pitchFamily="34" charset="0"/>
+                <a:sym typeface="Arial" panose="020B0604020202020204" pitchFamily="34" charset="0"/>
               </a:endParaRPr>
             </a:p>
           </p:txBody>
@@ -3882,7 +3892,7 @@
                 <a:solidFill>
                   <a:srgbClr val="C4261D"/>
                 </a:solidFill>
-                <a:sym typeface="Arial" pitchFamily="34" charset="0"/>
+                <a:sym typeface="Arial" panose="020B0604020202020204" pitchFamily="34" charset="0"/>
               </a:endParaRPr>
             </a:p>
           </p:txBody>
@@ -3983,7 +3993,7 @@
                 <a:solidFill>
                   <a:srgbClr val="C4261D"/>
                 </a:solidFill>
-                <a:sym typeface="Arial" pitchFamily="34" charset="0"/>
+                <a:sym typeface="Arial" panose="020B0604020202020204" pitchFamily="34" charset="0"/>
               </a:endParaRPr>
             </a:p>
           </p:txBody>
@@ -4084,7 +4094,7 @@
                 <a:solidFill>
                   <a:srgbClr val="C4261D"/>
                 </a:solidFill>
-                <a:sym typeface="Arial" pitchFamily="34" charset="0"/>
+                <a:sym typeface="Arial" panose="020B0604020202020204" pitchFamily="34" charset="0"/>
               </a:endParaRPr>
             </a:p>
           </p:txBody>
@@ -4185,7 +4195,7 @@
                 <a:solidFill>
                   <a:srgbClr val="C4261D"/>
                 </a:solidFill>
-                <a:sym typeface="Arial" pitchFamily="34" charset="0"/>
+                <a:sym typeface="Arial" panose="020B0604020202020204" pitchFamily="34" charset="0"/>
               </a:endParaRPr>
             </a:p>
           </p:txBody>
@@ -4286,7 +4296,7 @@
                 <a:solidFill>
                   <a:srgbClr val="C4261D"/>
                 </a:solidFill>
-                <a:sym typeface="Arial" pitchFamily="34" charset="0"/>
+                <a:sym typeface="Arial" panose="020B0604020202020204" pitchFamily="34" charset="0"/>
               </a:endParaRPr>
             </a:p>
           </p:txBody>
@@ -5644,7 +5654,7 @@
               <a:solidFill>
                 <a:srgbClr val="C4261D"/>
               </a:solidFill>
-              <a:sym typeface="Arial" pitchFamily="34" charset="0"/>
+              <a:sym typeface="Arial" panose="020B0604020202020204" pitchFamily="34" charset="0"/>
             </a:endParaRPr>
           </a:p>
         </p:txBody>
@@ -5714,7 +5724,7 @@
               <a:solidFill>
                 <a:srgbClr val="C4261D"/>
               </a:solidFill>
-              <a:sym typeface="Arial" pitchFamily="34" charset="0"/>
+              <a:sym typeface="Arial" panose="020B0604020202020204" pitchFamily="34" charset="0"/>
             </a:endParaRPr>
           </a:p>
         </p:txBody>
@@ -5784,7 +5794,7 @@
               <a:solidFill>
                 <a:srgbClr val="C4261D"/>
               </a:solidFill>
-              <a:sym typeface="Arial" pitchFamily="34" charset="0"/>
+              <a:sym typeface="Arial" panose="020B0604020202020204" pitchFamily="34" charset="0"/>
             </a:endParaRPr>
           </a:p>
         </p:txBody>
@@ -6303,7 +6313,7 @@
               <a:solidFill>
                 <a:srgbClr val="C4261D"/>
               </a:solidFill>
-              <a:sym typeface="Arial" pitchFamily="34" charset="0"/>
+              <a:sym typeface="Arial" panose="020B0604020202020204" pitchFamily="34" charset="0"/>
             </a:endParaRPr>
           </a:p>
         </p:txBody>
@@ -6373,7 +6383,7 @@
               <a:solidFill>
                 <a:srgbClr val="C4261D"/>
               </a:solidFill>
-              <a:sym typeface="Arial" pitchFamily="34" charset="0"/>
+              <a:sym typeface="Arial" panose="020B0604020202020204" pitchFamily="34" charset="0"/>
             </a:endParaRPr>
           </a:p>
         </p:txBody>
@@ -6443,7 +6453,7 @@
               <a:solidFill>
                 <a:srgbClr val="C4261D"/>
               </a:solidFill>
-              <a:sym typeface="Arial" pitchFamily="34" charset="0"/>
+              <a:sym typeface="Arial" panose="020B0604020202020204" pitchFamily="34" charset="0"/>
             </a:endParaRPr>
           </a:p>
         </p:txBody>
@@ -6841,18 +6851,7 @@
                 <a:ea typeface="微软雅黑" pitchFamily="34" charset="-122"/>
                 <a:sym typeface="+mn-ea"/>
               </a:rPr>
-              <a:t>实现</a:t>
-            </a:r>
-            <a:r>
-              <a:rPr lang="zh-CN" sz="4400" dirty="0" smtClean="0">
-                <a:solidFill>
-                  <a:srgbClr val="FFFFFF"/>
-                </a:solidFill>
-                <a:latin typeface="微软雅黑" pitchFamily="34" charset="-122"/>
-                <a:ea typeface="微软雅黑" pitchFamily="34" charset="-122"/>
-                <a:sym typeface="+mn-ea"/>
-              </a:rPr>
-              <a:t>后端动态授权</a:t>
+              <a:t>实现后端动态授权</a:t>
             </a:r>
             <a:endParaRPr lang="zh-CN" sz="4400" dirty="0">
               <a:solidFill>
@@ -6936,7 +6935,7 @@
               <a:solidFill>
                 <a:srgbClr val="C4261D"/>
               </a:solidFill>
-              <a:sym typeface="Arial" pitchFamily="34" charset="0"/>
+              <a:sym typeface="Arial" panose="020B0604020202020204" pitchFamily="34" charset="0"/>
             </a:endParaRPr>
           </a:p>
         </p:txBody>
@@ -7006,7 +7005,7 @@
               <a:solidFill>
                 <a:srgbClr val="C4261D"/>
               </a:solidFill>
-              <a:sym typeface="Arial" pitchFamily="34" charset="0"/>
+              <a:sym typeface="Arial" panose="020B0604020202020204" pitchFamily="34" charset="0"/>
             </a:endParaRPr>
           </a:p>
         </p:txBody>
@@ -7076,7 +7075,7 @@
               <a:solidFill>
                 <a:srgbClr val="C4261D"/>
               </a:solidFill>
-              <a:sym typeface="Arial" pitchFamily="34" charset="0"/>
+              <a:sym typeface="Arial" panose="020B0604020202020204" pitchFamily="34" charset="0"/>
             </a:endParaRPr>
           </a:p>
         </p:txBody>
@@ -7269,292 +7268,53 @@
       </p:grpSpPr>
       <p:sp>
         <p:nvSpPr>
-          <p:cNvPr id="36" name="TextBox 108"/>
-          <p:cNvSpPr>
-            <a:spLocks noChangeArrowheads="1"/>
-          </p:cNvSpPr>
+          <p:cNvPr id="2" name="文本框 1"/>
+          <p:cNvSpPr txBox="1"/>
           <p:nvPr/>
         </p:nvSpPr>
-        <p:spPr bwMode="auto">
+        <p:spPr>
           <a:xfrm>
-            <a:off x="2267744" y="2679060"/>
-            <a:ext cx="4824536" cy="681355"/>
+            <a:off x="755650" y="1485265"/>
+            <a:ext cx="7884160" cy="2306955"/>
           </a:xfrm>
           <a:prstGeom prst="rect">
             <a:avLst/>
           </a:prstGeom>
-          <a:solidFill>
-            <a:srgbClr val="DC5E00"/>
-          </a:solidFill>
-          <a:ln w="9525">
-            <a:noFill/>
-            <a:miter lim="800000"/>
-          </a:ln>
+          <a:noFill/>
         </p:spPr>
         <p:txBody>
-          <a:bodyPr wrap="square" lIns="90170" tIns="46990" rIns="90170" bIns="46990">
+          <a:bodyPr wrap="square" rtlCol="0" anchor="t">
             <a:spAutoFit/>
           </a:bodyPr>
-          <a:lstStyle/>
-          <a:p>
-            <a:pPr algn="ctr"/>
+          <a:p>
+            <a:pPr indent="457200" fontAlgn="auto">
+              <a:lnSpc>
+                <a:spcPct val="150000"/>
+              </a:lnSpc>
+            </a:pPr>
             <a:r>
-              <a:rPr lang="zh-CN" sz="3600" dirty="0">
-                <a:solidFill>
-                  <a:srgbClr val="FFFFFF"/>
-                </a:solidFill>
-                <a:latin typeface="微软雅黑" pitchFamily="34" charset="-122"/>
-                <a:ea typeface="微软雅黑" pitchFamily="34" charset="-122"/>
-                <a:sym typeface="+mn-ea"/>
-              </a:rPr>
-              <a:t>前端</a:t>
+              <a:rPr lang="zh-CN" altLang="en-US" sz="1600"/>
+              <a:t>spring security默认的权限配置确只会在启动工程的时候初始化一次url权限配置。但是实际情况我们项目的权限会随时动态的更改，这样我们就需要重新启动项目以便新配置的权限生效。这样的处理显然不合理。当然spring是具有非常好的拓展性，我们就抓主spring的这个特性，模仿默认的认证方式来拓展我们需要的认证规则。</a:t>
+            </a:r>
+            <a:endParaRPr lang="zh-CN" altLang="en-US" sz="1600"/>
+          </a:p>
+          <a:p>
+            <a:pPr indent="457200" fontAlgn="auto">
+              <a:lnSpc>
+                <a:spcPct val="150000"/>
+              </a:lnSpc>
+            </a:pPr>
+            <a:r>
+              <a:rPr lang="zh-CN" altLang="en-US" sz="1600"/>
+              <a:t>在spring security的官方文档的Spring Security FAQ里有这么一个问题解答</a:t>
             </a:r>
             <a:r>
-              <a:rPr lang="en-US" altLang="zh-CN" sz="3600" dirty="0">
-                <a:solidFill>
-                  <a:srgbClr val="FFFFFF"/>
-                </a:solidFill>
-                <a:latin typeface="微软雅黑" pitchFamily="34" charset="-122"/>
-                <a:ea typeface="微软雅黑" pitchFamily="34" charset="-122"/>
-                <a:sym typeface="+mn-ea"/>
+              <a:rPr lang="zh-CN" altLang="en-US" sz="1600">
+                <a:hlinkClick r:id="rId1" tooltip="" action="ppaction://hlinkfile"/>
               </a:rPr>
-              <a:t>401\403</a:t>
+              <a:t>44.4.6. How do I define the secured URLs within an application dynamically?</a:t>
             </a:r>
-            <a:r>
-              <a:rPr lang="zh-CN" altLang="en-US" sz="3600" dirty="0">
-                <a:solidFill>
-                  <a:srgbClr val="FFFFFF"/>
-                </a:solidFill>
-                <a:latin typeface="微软雅黑" pitchFamily="34" charset="-122"/>
-                <a:ea typeface="微软雅黑" pitchFamily="34" charset="-122"/>
-                <a:sym typeface="+mn-ea"/>
-              </a:rPr>
-              <a:t>过滤</a:t>
-            </a:r>
-            <a:endParaRPr lang="zh-CN" sz="3600" dirty="0">
-              <a:solidFill>
-                <a:srgbClr val="FFFFFF"/>
-              </a:solidFill>
-              <a:latin typeface="微软雅黑" pitchFamily="34" charset="-122"/>
-              <a:ea typeface="微软雅黑" pitchFamily="34" charset="-122"/>
-            </a:endParaRPr>
-          </a:p>
-        </p:txBody>
-      </p:sp>
-      <p:sp>
-        <p:nvSpPr>
-          <p:cNvPr id="39" name="Freeform 6"/>
-          <p:cNvSpPr>
-            <a:spLocks noChangeArrowheads="1"/>
-          </p:cNvSpPr>
-          <p:nvPr/>
-        </p:nvSpPr>
-        <p:spPr bwMode="auto">
-          <a:xfrm flipH="1">
-            <a:off x="9525" y="2165350"/>
-            <a:ext cx="1458905" cy="2252741"/>
-          </a:xfrm>
-          <a:custGeom>
-            <a:avLst/>
-            <a:gdLst>
-              <a:gd name="T0" fmla="*/ 0 w 1636805"/>
-              <a:gd name="T1" fmla="*/ 0 h 2527151"/>
-              <a:gd name="T2" fmla="*/ 0 60000 65536"/>
-              <a:gd name="T3" fmla="*/ 0 w 1636805"/>
-              <a:gd name="T4" fmla="*/ 0 h 2527151"/>
-              <a:gd name="T5" fmla="*/ 1636805 w 1636805"/>
-              <a:gd name="T6" fmla="*/ 2527151 h 2527151"/>
-            </a:gdLst>
-            <a:ahLst/>
-            <a:cxnLst>
-              <a:cxn ang="T2">
-                <a:pos x="T0" y="T1"/>
-              </a:cxn>
-            </a:cxnLst>
-            <a:rect l="T3" t="T4" r="T5" b="T6"/>
-            <a:pathLst>
-              <a:path w="1636805" h="2527151">
-                <a:moveTo>
-                  <a:pt x="1636805" y="0"/>
-                </a:moveTo>
-                <a:lnTo>
-                  <a:pt x="157161" y="0"/>
-                </a:lnTo>
-                <a:cubicBezTo>
-                  <a:pt x="479113" y="297673"/>
-                  <a:pt x="680524" y="725002"/>
-                  <a:pt x="680524" y="1199898"/>
-                </a:cubicBezTo>
-                <a:cubicBezTo>
-                  <a:pt x="680524" y="1746911"/>
-                  <a:pt x="411976" y="2231780"/>
-                  <a:pt x="0" y="2527151"/>
-                </a:cubicBezTo>
-                <a:lnTo>
-                  <a:pt x="1636805" y="2527151"/>
-                </a:lnTo>
-                <a:close/>
-              </a:path>
-            </a:pathLst>
-          </a:custGeom>
-          <a:solidFill>
-            <a:srgbClr val="FF9900"/>
-          </a:solidFill>
-          <a:ln w="9525" cmpd="sng">
-            <a:noFill/>
-            <a:miter lim="800000"/>
-          </a:ln>
-        </p:spPr>
-        <p:txBody>
-          <a:bodyPr lIns="90170" tIns="46990" rIns="90170" bIns="46990"/>
-          <a:lstStyle/>
-          <a:p>
-            <a:endParaRPr lang="zh-CN" altLang="zh-CN">
-              <a:solidFill>
-                <a:srgbClr val="C4261D"/>
-              </a:solidFill>
-              <a:sym typeface="Arial" pitchFamily="34" charset="0"/>
-            </a:endParaRPr>
-          </a:p>
-        </p:txBody>
-      </p:sp>
-      <p:sp>
-        <p:nvSpPr>
-          <p:cNvPr id="46" name="Freeform 6"/>
-          <p:cNvSpPr>
-            <a:spLocks noChangeArrowheads="1"/>
-          </p:cNvSpPr>
-          <p:nvPr/>
-        </p:nvSpPr>
-        <p:spPr bwMode="auto">
-          <a:xfrm flipH="1">
-            <a:off x="8534693" y="2165350"/>
-            <a:ext cx="609307" cy="2252741"/>
-          </a:xfrm>
-          <a:custGeom>
-            <a:avLst/>
-            <a:gdLst>
-              <a:gd name="T0" fmla="*/ 0 w 621232"/>
-              <a:gd name="T1" fmla="*/ 0 h 2527151"/>
-              <a:gd name="T2" fmla="*/ 0 60000 65536"/>
-              <a:gd name="T3" fmla="*/ 0 w 621232"/>
-              <a:gd name="T4" fmla="*/ 0 h 2527151"/>
-              <a:gd name="T5" fmla="*/ 621232 w 621232"/>
-              <a:gd name="T6" fmla="*/ 2527151 h 2527151"/>
-            </a:gdLst>
-            <a:ahLst/>
-            <a:cxnLst>
-              <a:cxn ang="T2">
-                <a:pos x="T0" y="T1"/>
-              </a:cxn>
-            </a:cxnLst>
-            <a:rect l="T3" t="T4" r="T5" b="T6"/>
-            <a:pathLst>
-              <a:path w="621232" h="2527151">
-                <a:moveTo>
-                  <a:pt x="621232" y="0"/>
-                </a:moveTo>
-                <a:lnTo>
-                  <a:pt x="0" y="0"/>
-                </a:lnTo>
-                <a:lnTo>
-                  <a:pt x="0" y="2527151"/>
-                </a:lnTo>
-                <a:lnTo>
-                  <a:pt x="621232" y="2527151"/>
-                </a:lnTo>
-                <a:close/>
-              </a:path>
-            </a:pathLst>
-          </a:custGeom>
-          <a:solidFill>
-            <a:srgbClr val="FF9900"/>
-          </a:solidFill>
-          <a:ln w="9525" cmpd="sng">
-            <a:noFill/>
-            <a:miter lim="800000"/>
-          </a:ln>
-        </p:spPr>
-        <p:txBody>
-          <a:bodyPr lIns="90170" tIns="46990" rIns="90170" bIns="46990"/>
-          <a:lstStyle/>
-          <a:p>
-            <a:endParaRPr lang="zh-CN" altLang="zh-CN">
-              <a:solidFill>
-                <a:srgbClr val="C4261D"/>
-              </a:solidFill>
-              <a:sym typeface="Arial" pitchFamily="34" charset="0"/>
-            </a:endParaRPr>
-          </a:p>
-        </p:txBody>
-      </p:sp>
-      <p:sp>
-        <p:nvSpPr>
-          <p:cNvPr id="52" name="Freeform 6"/>
-          <p:cNvSpPr>
-            <a:spLocks noChangeArrowheads="1"/>
-          </p:cNvSpPr>
-          <p:nvPr/>
-        </p:nvSpPr>
-        <p:spPr bwMode="auto">
-          <a:xfrm flipH="1">
-            <a:off x="0" y="2165350"/>
-            <a:ext cx="229236" cy="2252741"/>
-          </a:xfrm>
-          <a:custGeom>
-            <a:avLst/>
-            <a:gdLst>
-              <a:gd name="T0" fmla="*/ 0 w 621232"/>
-              <a:gd name="T1" fmla="*/ 0 h 2527151"/>
-              <a:gd name="T2" fmla="*/ 0 60000 65536"/>
-              <a:gd name="T3" fmla="*/ 0 w 621232"/>
-              <a:gd name="T4" fmla="*/ 0 h 2527151"/>
-              <a:gd name="T5" fmla="*/ 621232 w 621232"/>
-              <a:gd name="T6" fmla="*/ 2527151 h 2527151"/>
-            </a:gdLst>
-            <a:ahLst/>
-            <a:cxnLst>
-              <a:cxn ang="T2">
-                <a:pos x="T0" y="T1"/>
-              </a:cxn>
-            </a:cxnLst>
-            <a:rect l="T3" t="T4" r="T5" b="T6"/>
-            <a:pathLst>
-              <a:path w="621232" h="2527151">
-                <a:moveTo>
-                  <a:pt x="621232" y="0"/>
-                </a:moveTo>
-                <a:lnTo>
-                  <a:pt x="0" y="0"/>
-                </a:lnTo>
-                <a:lnTo>
-                  <a:pt x="0" y="2527151"/>
-                </a:lnTo>
-                <a:lnTo>
-                  <a:pt x="621232" y="2527151"/>
-                </a:lnTo>
-                <a:close/>
-              </a:path>
-            </a:pathLst>
-          </a:custGeom>
-          <a:solidFill>
-            <a:srgbClr val="FF6600"/>
-          </a:solidFill>
-          <a:ln w="9525" cmpd="sng">
-            <a:noFill/>
-            <a:miter lim="800000"/>
-          </a:ln>
-        </p:spPr>
-        <p:txBody>
-          <a:bodyPr lIns="90170" tIns="46990" rIns="90170" bIns="46990"/>
-          <a:lstStyle/>
-          <a:p>
-            <a:endParaRPr lang="zh-CN" altLang="zh-CN">
-              <a:solidFill>
-                <a:srgbClr val="C4261D"/>
-              </a:solidFill>
-              <a:sym typeface="Arial" pitchFamily="34" charset="0"/>
-            </a:endParaRPr>
+            <a:endParaRPr lang="zh-CN" altLang="en-US" sz="1600"/>
           </a:p>
         </p:txBody>
       </p:sp>
@@ -7566,163 +7326,9 @@
   <p:timing>
     <p:tnLst>
       <p:par>
-        <p:cTn id="1" dur="indefinite" restart="never" nodeType="tmRoot">
-          <p:childTnLst>
-            <p:seq concurrent="1" nextAc="seek">
-              <p:cTn id="2" dur="indefinite" nodeType="mainSeq">
-                <p:childTnLst>
-                  <p:par>
-                    <p:cTn id="3" fill="hold">
-                      <p:stCondLst>
-                        <p:cond delay="indefinite"/>
-                        <p:cond evt="onBegin" delay="0">
-                          <p:tn val="2"/>
-                        </p:cond>
-                      </p:stCondLst>
-                      <p:childTnLst>
-                        <p:par>
-                          <p:cTn id="4" fill="hold">
-                            <p:stCondLst>
-                              <p:cond delay="0"/>
-                            </p:stCondLst>
-                            <p:childTnLst>
-                              <p:par>
-                                <p:cTn id="5" presetID="22" presetClass="entr" presetSubtype="8" fill="hold" grpId="0" nodeType="afterEffect">
-                                  <p:stCondLst>
-                                    <p:cond delay="0"/>
-                                  </p:stCondLst>
-                                  <p:childTnLst>
-                                    <p:set>
-                                      <p:cBhvr>
-                                        <p:cTn id="6" dur="1" fill="hold">
-                                          <p:stCondLst>
-                                            <p:cond delay="0"/>
-                                          </p:stCondLst>
-                                        </p:cTn>
-                                        <p:tgtEl>
-                                          <p:spTgt spid="39"/>
-                                        </p:tgtEl>
-                                        <p:attrNameLst>
-                                          <p:attrName>style.visibility</p:attrName>
-                                        </p:attrNameLst>
-                                      </p:cBhvr>
-                                      <p:to>
-                                        <p:strVal val="visible"/>
-                                      </p:to>
-                                    </p:set>
-                                    <p:animEffect>
-                                      <p:cBhvr>
-                                        <p:cTn id="7" dur="600"/>
-                                        <p:tgtEl>
-                                          <p:spTgt spid="39"/>
-                                        </p:tgtEl>
-                                      </p:cBhvr>
-                                    </p:animEffect>
-                                  </p:childTnLst>
-                                </p:cTn>
-                              </p:par>
-                              <p:par>
-                                <p:cTn id="8" presetID="22" presetClass="entr" presetSubtype="8" fill="hold" grpId="0" nodeType="withEffect">
-                                  <p:stCondLst>
-                                    <p:cond delay="0"/>
-                                  </p:stCondLst>
-                                  <p:childTnLst>
-                                    <p:set>
-                                      <p:cBhvr>
-                                        <p:cTn id="9" dur="1" fill="hold">
-                                          <p:stCondLst>
-                                            <p:cond delay="0"/>
-                                          </p:stCondLst>
-                                        </p:cTn>
-                                        <p:tgtEl>
-                                          <p:spTgt spid="46"/>
-                                        </p:tgtEl>
-                                        <p:attrNameLst>
-                                          <p:attrName>style.visibility</p:attrName>
-                                        </p:attrNameLst>
-                                      </p:cBhvr>
-                                      <p:to>
-                                        <p:strVal val="visible"/>
-                                      </p:to>
-                                    </p:set>
-                                    <p:animEffect>
-                                      <p:cBhvr>
-                                        <p:cTn id="10" dur="500"/>
-                                        <p:tgtEl>
-                                          <p:spTgt spid="46"/>
-                                        </p:tgtEl>
-                                      </p:cBhvr>
-                                    </p:animEffect>
-                                  </p:childTnLst>
-                                </p:cTn>
-                              </p:par>
-                              <p:par>
-                                <p:cTn id="11" presetID="22" presetClass="entr" presetSubtype="8" fill="hold" grpId="0" nodeType="withEffect">
-                                  <p:stCondLst>
-                                    <p:cond delay="0"/>
-                                  </p:stCondLst>
-                                  <p:childTnLst>
-                                    <p:set>
-                                      <p:cBhvr>
-                                        <p:cTn id="12" dur="1" fill="hold">
-                                          <p:stCondLst>
-                                            <p:cond delay="0"/>
-                                          </p:stCondLst>
-                                        </p:cTn>
-                                        <p:tgtEl>
-                                          <p:spTgt spid="36"/>
-                                        </p:tgtEl>
-                                        <p:attrNameLst>
-                                          <p:attrName>style.visibility</p:attrName>
-                                        </p:attrNameLst>
-                                      </p:cBhvr>
-                                      <p:to>
-                                        <p:strVal val="visible"/>
-                                      </p:to>
-                                    </p:set>
-                                    <p:animEffect>
-                                      <p:cBhvr>
-                                        <p:cTn id="13" dur="500"/>
-                                        <p:tgtEl>
-                                          <p:spTgt spid="36"/>
-                                        </p:tgtEl>
-                                      </p:cBhvr>
-                                    </p:animEffect>
-                                  </p:childTnLst>
-                                </p:cTn>
-                              </p:par>
-                            </p:childTnLst>
-                          </p:cTn>
-                        </p:par>
-                      </p:childTnLst>
-                    </p:cTn>
-                  </p:par>
-                </p:childTnLst>
-              </p:cTn>
-              <p:prevCondLst>
-                <p:cond evt="onPrev" delay="0">
-                  <p:tgtEl>
-                    <p:sldTgt/>
-                  </p:tgtEl>
-                </p:cond>
-              </p:prevCondLst>
-              <p:nextCondLst>
-                <p:cond evt="onNext" delay="0">
-                  <p:tgtEl>
-                    <p:sldTgt/>
-                  </p:tgtEl>
-                </p:cond>
-              </p:nextCondLst>
-            </p:seq>
-          </p:childTnLst>
-        </p:cTn>
+        <p:cTn id="1" dur="indefinite" restart="never" nodeType="tmRoot"/>
       </p:par>
     </p:tnLst>
-    <p:bldLst>
-      <p:bldP spid="36" grpId="0" bldLvl="0" animBg="1" autoUpdateAnimBg="0"/>
-      <p:bldP spid="39" grpId="0" bldLvl="0" animBg="1" autoUpdateAnimBg="0"/>
-      <p:bldP spid="46" grpId="0" bldLvl="0" animBg="1" autoUpdateAnimBg="0"/>
-    </p:bldLst>
   </p:timing>
 </p:sld>
 </file>
@@ -7822,7 +7428,7 @@
               <a:solidFill>
                 <a:srgbClr val="C4261D"/>
               </a:solidFill>
-              <a:sym typeface="Arial" pitchFamily="34" charset="0"/>
+              <a:sym typeface="Arial" panose="020B0604020202020204" pitchFamily="34" charset="0"/>
             </a:endParaRPr>
           </a:p>
         </p:txBody>
@@ -7990,7 +7596,7 @@
                 <a:solidFill>
                   <a:srgbClr val="C4261D"/>
                 </a:solidFill>
-                <a:sym typeface="Arial" pitchFamily="34" charset="0"/>
+                <a:sym typeface="Arial" panose="020B0604020202020204" pitchFamily="34" charset="0"/>
               </a:endParaRPr>
             </a:p>
           </p:txBody>
@@ -8240,7 +7846,7 @@
                 <a:solidFill>
                   <a:srgbClr val="C4261D"/>
                 </a:solidFill>
-                <a:sym typeface="Arial" pitchFamily="34" charset="0"/>
+                <a:sym typeface="Arial" panose="020B0604020202020204" pitchFamily="34" charset="0"/>
               </a:endParaRPr>
             </a:p>
           </p:txBody>
@@ -8278,7 +7884,7 @@
               <a:solidFill>
                 <a:srgbClr val="C4261D"/>
               </a:solidFill>
-              <a:sym typeface="Arial" pitchFamily="34" charset="0"/>
+              <a:sym typeface="Arial" panose="020B0604020202020204" pitchFamily="34" charset="0"/>
             </a:endParaRPr>
           </a:p>
         </p:txBody>
@@ -8496,7 +8102,7 @@
                 <a:solidFill>
                   <a:srgbClr val="C4261D"/>
                 </a:solidFill>
-                <a:sym typeface="Arial" pitchFamily="34" charset="0"/>
+                <a:sym typeface="Arial" panose="020B0604020202020204" pitchFamily="34" charset="0"/>
               </a:endParaRPr>
             </a:p>
           </p:txBody>
@@ -8746,7 +8352,7 @@
                 <a:solidFill>
                   <a:srgbClr val="C4261D"/>
                 </a:solidFill>
-                <a:sym typeface="Arial" pitchFamily="34" charset="0"/>
+                <a:sym typeface="Arial" panose="020B0604020202020204" pitchFamily="34" charset="0"/>
               </a:endParaRPr>
             </a:p>
           </p:txBody>
@@ -8784,7 +8390,7 @@
               <a:solidFill>
                 <a:srgbClr val="C4261D"/>
               </a:solidFill>
-              <a:sym typeface="Arial" pitchFamily="34" charset="0"/>
+              <a:sym typeface="Arial" panose="020B0604020202020204" pitchFamily="34" charset="0"/>
             </a:endParaRPr>
           </a:p>
         </p:txBody>
@@ -9002,7 +8608,7 @@
                 <a:solidFill>
                   <a:srgbClr val="C4261D"/>
                 </a:solidFill>
-                <a:sym typeface="Arial" pitchFamily="34" charset="0"/>
+                <a:sym typeface="Arial" panose="020B0604020202020204" pitchFamily="34" charset="0"/>
               </a:endParaRPr>
             </a:p>
           </p:txBody>
@@ -9252,7 +8858,7 @@
                 <a:solidFill>
                   <a:srgbClr val="C4261D"/>
                 </a:solidFill>
-                <a:sym typeface="Arial" pitchFamily="34" charset="0"/>
+                <a:sym typeface="Arial" panose="020B0604020202020204" pitchFamily="34" charset="0"/>
               </a:endParaRPr>
             </a:p>
           </p:txBody>
@@ -9290,7 +8896,7 @@
               <a:solidFill>
                 <a:srgbClr val="C4261D"/>
               </a:solidFill>
-              <a:sym typeface="Arial" pitchFamily="34" charset="0"/>
+              <a:sym typeface="Arial" panose="020B0604020202020204" pitchFamily="34" charset="0"/>
             </a:endParaRPr>
           </a:p>
         </p:txBody>
@@ -9417,7 +9023,7 @@
               <a:solidFill>
                 <a:srgbClr val="C4261D"/>
               </a:solidFill>
-              <a:sym typeface="Arial" pitchFamily="34" charset="0"/>
+              <a:sym typeface="Arial" panose="020B0604020202020204" pitchFamily="34" charset="0"/>
             </a:endParaRPr>
           </a:p>
         </p:txBody>
@@ -9487,7 +9093,7 @@
               <a:solidFill>
                 <a:srgbClr val="C4261D"/>
               </a:solidFill>
-              <a:sym typeface="Arial" pitchFamily="34" charset="0"/>
+              <a:sym typeface="Arial" panose="020B0604020202020204" pitchFamily="34" charset="0"/>
             </a:endParaRPr>
           </a:p>
         </p:txBody>
@@ -9538,7 +9144,7 @@
                 <a:solidFill>
                   <a:srgbClr val="C4261D"/>
                 </a:solidFill>
-                <a:sym typeface="Arial" pitchFamily="34" charset="0"/>
+                <a:sym typeface="Arial" panose="020B0604020202020204" pitchFamily="34" charset="0"/>
               </a:endParaRPr>
             </a:p>
           </p:txBody>
@@ -9578,7 +9184,7 @@
                 <a:solidFill>
                   <a:srgbClr val="C4261D"/>
                 </a:solidFill>
-                <a:sym typeface="Arial" pitchFamily="34" charset="0"/>
+                <a:sym typeface="Arial" panose="020B0604020202020204" pitchFamily="34" charset="0"/>
               </a:endParaRPr>
             </a:p>
           </p:txBody>
@@ -10398,7 +10004,7 @@
               <a:solidFill>
                 <a:srgbClr val="C4261D"/>
               </a:solidFill>
-              <a:sym typeface="Arial" pitchFamily="34" charset="0"/>
+              <a:sym typeface="Arial" panose="020B0604020202020204" pitchFamily="34" charset="0"/>
             </a:endParaRPr>
           </a:p>
         </p:txBody>
@@ -10569,7 +10175,7 @@
               <a:solidFill>
                 <a:srgbClr val="C4261D"/>
               </a:solidFill>
-              <a:sym typeface="Arial" pitchFamily="34" charset="0"/>
+              <a:sym typeface="Arial" panose="020B0604020202020204" pitchFamily="34" charset="0"/>
             </a:endParaRPr>
           </a:p>
         </p:txBody>
@@ -10737,7 +10343,7 @@
                 <a:solidFill>
                   <a:srgbClr val="C4261D"/>
                 </a:solidFill>
-                <a:sym typeface="Arial" pitchFamily="34" charset="0"/>
+                <a:sym typeface="Arial" panose="020B0604020202020204" pitchFamily="34" charset="0"/>
               </a:endParaRPr>
             </a:p>
           </p:txBody>
@@ -10987,7 +10593,7 @@
                 <a:solidFill>
                   <a:srgbClr val="C4261D"/>
                 </a:solidFill>
-                <a:sym typeface="Arial" pitchFamily="34" charset="0"/>
+                <a:sym typeface="Arial" panose="020B0604020202020204" pitchFamily="34" charset="0"/>
               </a:endParaRPr>
             </a:p>
           </p:txBody>
@@ -11025,7 +10631,7 @@
               <a:solidFill>
                 <a:srgbClr val="C4261D"/>
               </a:solidFill>
-              <a:sym typeface="Arial" pitchFamily="34" charset="0"/>
+              <a:sym typeface="Arial" panose="020B0604020202020204" pitchFamily="34" charset="0"/>
             </a:endParaRPr>
           </a:p>
         </p:txBody>
@@ -12671,7 +12277,199 @@
       </p:grpSpPr>
       <p:sp>
         <p:nvSpPr>
-          <p:cNvPr id="7" name="Freeform 6"/>
+          <p:cNvPr id="3" name="文本框 2"/>
+          <p:cNvSpPr txBox="1"/>
+          <p:nvPr/>
+        </p:nvSpPr>
+        <p:spPr>
+          <a:xfrm>
+            <a:off x="1146175" y="1582420"/>
+            <a:ext cx="7097395" cy="1198880"/>
+          </a:xfrm>
+          <a:prstGeom prst="rect">
+            <a:avLst/>
+          </a:prstGeom>
+          <a:noFill/>
+        </p:spPr>
+        <p:txBody>
+          <a:bodyPr wrap="square" rtlCol="0" anchor="t">
+            <a:spAutoFit/>
+          </a:bodyPr>
+          <a:p>
+            <a:pPr indent="457200" algn="l">
+              <a:lnSpc>
+                <a:spcPct val="150000"/>
+              </a:lnSpc>
+              <a:buNone/>
+            </a:pPr>
+            <a:r>
+              <a:rPr lang="zh-CN" altLang="en-US" sz="1600"/>
+              <a:t>权限资源 SecurityMetadataSource要实现动态的权限验证，当然要先有对应的访问权限资源了。Spring Security是通过SecurityMetadataSource来加载访问时所需要的具体权限，所以第一步需要实现SecurityMetadataSource。</a:t>
+            </a:r>
+            <a:endParaRPr lang="zh-CN" altLang="en-US" sz="1600"/>
+          </a:p>
+        </p:txBody>
+      </p:sp>
+    </p:spTree>
+  </p:cSld>
+  <p:clrMapOvr>
+    <a:masterClrMapping/>
+  </p:clrMapOvr>
+  <p:timing>
+    <p:tnLst>
+      <p:par>
+        <p:cTn id="1" dur="indefinite" restart="never" nodeType="tmRoot"/>
+      </p:par>
+    </p:tnLst>
+  </p:timing>
+</p:sld>
+</file>
+
+<file path=ppt/slides/slide21.xml><?xml version="1.0" encoding="utf-8"?>
+<p:sld xmlns:a="http://schemas.openxmlformats.org/drawingml/2006/main" xmlns:r="http://schemas.openxmlformats.org/officeDocument/2006/relationships" xmlns:p="http://schemas.openxmlformats.org/presentationml/2006/main">
+  <p:cSld>
+    <p:spTree>
+      <p:nvGrpSpPr>
+        <p:cNvPr id="1" name=""/>
+        <p:cNvGrpSpPr/>
+        <p:nvPr/>
+      </p:nvGrpSpPr>
+      <p:grpSpPr/>
+      <p:sp>
+        <p:nvSpPr>
+          <p:cNvPr id="3" name="内容占位符 2"/>
+          <p:cNvSpPr>
+            <a:spLocks noGrp="1"/>
+          </p:cNvSpPr>
+          <p:nvPr>
+            <p:ph idx="1"/>
+          </p:nvPr>
+        </p:nvSpPr>
+        <p:spPr/>
+        <p:txBody>
+          <a:bodyPr>
+            <a:normAutofit lnSpcReduction="20000"/>
+          </a:bodyPr>
+          <a:p>
+            <a:pPr marL="0" indent="457200" algn="l">
+              <a:lnSpc>
+                <a:spcPct val="150000"/>
+              </a:lnSpc>
+              <a:buNone/>
+            </a:pPr>
+            <a:r>
+              <a:rPr lang="zh-CN" altLang="en-US" sz="1600"/>
+              <a:t>权限决策 AccessDecisionManager</a:t>
+            </a:r>
+            <a:endParaRPr lang="zh-CN" altLang="en-US" sz="1600"/>
+          </a:p>
+          <a:p>
+            <a:pPr marL="0" indent="457200" algn="l">
+              <a:lnSpc>
+                <a:spcPct val="150000"/>
+              </a:lnSpc>
+              <a:buNone/>
+            </a:pPr>
+            <a:r>
+              <a:rPr lang="zh-CN" altLang="en-US" sz="1600"/>
+              <a:t>有了权限资源，知道了当前访问的url需要的具体权限，接下来就是决策当前的访问是否能通过权限验证了。</a:t>
+            </a:r>
+            <a:endParaRPr lang="zh-CN" altLang="en-US" sz="1600"/>
+          </a:p>
+          <a:p>
+            <a:pPr marL="0" indent="457200" algn="l">
+              <a:lnSpc>
+                <a:spcPct val="150000"/>
+              </a:lnSpc>
+              <a:buNone/>
+            </a:pPr>
+            <a:r>
+              <a:rPr lang="zh-CN" altLang="en-US" sz="1600"/>
+              <a:t>这需要通过实现自定义的AccessDecisionManager来实现。Spring Security内置的几个AccessDecisionManager就不讲了，在web项目中基本用不到。</a:t>
+            </a:r>
+            <a:endParaRPr lang="zh-CN" altLang="en-US" sz="1600"/>
+          </a:p>
+        </p:txBody>
+      </p:sp>
+    </p:spTree>
+  </p:cSld>
+  <p:clrMapOvr>
+    <a:masterClrMapping/>
+  </p:clrMapOvr>
+</p:sld>
+</file>
+
+<file path=ppt/slides/slide22.xml><?xml version="1.0" encoding="utf-8"?>
+<p:sld xmlns:a="http://schemas.openxmlformats.org/drawingml/2006/main" xmlns:r="http://schemas.openxmlformats.org/officeDocument/2006/relationships" xmlns:p="http://schemas.openxmlformats.org/presentationml/2006/main">
+  <p:cSld>
+    <p:spTree>
+      <p:nvGrpSpPr>
+        <p:cNvPr id="1" name=""/>
+        <p:cNvGrpSpPr/>
+        <p:nvPr/>
+      </p:nvGrpSpPr>
+      <p:grpSpPr>
+        <a:xfrm>
+          <a:off x="0" y="0"/>
+          <a:ext cx="0" cy="0"/>
+          <a:chOff x="0" y="0"/>
+          <a:chExt cx="0" cy="0"/>
+        </a:xfrm>
+      </p:grpSpPr>
+      <p:sp>
+        <p:nvSpPr>
+          <p:cNvPr id="36" name="TextBox 108"/>
+          <p:cNvSpPr>
+            <a:spLocks noChangeArrowheads="1"/>
+          </p:cNvSpPr>
+          <p:nvPr/>
+        </p:nvSpPr>
+        <p:spPr bwMode="auto">
+          <a:xfrm>
+            <a:off x="2267744" y="2679060"/>
+            <a:ext cx="4824536" cy="647700"/>
+          </a:xfrm>
+          <a:prstGeom prst="rect">
+            <a:avLst/>
+          </a:prstGeom>
+          <a:solidFill>
+            <a:srgbClr val="DC5E00"/>
+          </a:solidFill>
+          <a:ln w="9525">
+            <a:noFill/>
+            <a:miter lim="800000"/>
+          </a:ln>
+        </p:spPr>
+        <p:txBody>
+          <a:bodyPr wrap="square" lIns="90170" tIns="46990" rIns="90170" bIns="46990">
+            <a:spAutoFit/>
+          </a:bodyPr>
+          <a:lstStyle/>
+          <a:p>
+            <a:pPr algn="ctr"/>
+            <a:r>
+              <a:rPr lang="zh-CN" sz="3600" dirty="0">
+                <a:solidFill>
+                  <a:srgbClr val="FFFFFF"/>
+                </a:solidFill>
+                <a:latin typeface="微软雅黑" pitchFamily="34" charset="-122"/>
+                <a:ea typeface="微软雅黑" pitchFamily="34" charset="-122"/>
+              </a:rPr>
+              <a:t>第三方登录</a:t>
+            </a:r>
+            <a:endParaRPr lang="zh-CN" sz="3600" dirty="0">
+              <a:solidFill>
+                <a:srgbClr val="FFFFFF"/>
+              </a:solidFill>
+              <a:latin typeface="微软雅黑" pitchFamily="34" charset="-122"/>
+              <a:ea typeface="微软雅黑" pitchFamily="34" charset="-122"/>
+            </a:endParaRPr>
+          </a:p>
+        </p:txBody>
+      </p:sp>
+      <p:sp>
+        <p:nvSpPr>
+          <p:cNvPr id="39" name="Freeform 6"/>
           <p:cNvSpPr>
             <a:spLocks noChangeArrowheads="1"/>
           </p:cNvSpPr>
@@ -12679,8 +12477,85 @@
         </p:nvSpPr>
         <p:spPr bwMode="auto">
           <a:xfrm flipH="1">
-            <a:off x="257173" y="2165350"/>
-            <a:ext cx="8886825" cy="2055738"/>
+            <a:off x="9525" y="2165350"/>
+            <a:ext cx="1458905" cy="2252741"/>
+          </a:xfrm>
+          <a:custGeom>
+            <a:avLst/>
+            <a:gdLst>
+              <a:gd name="T0" fmla="*/ 0 w 1636805"/>
+              <a:gd name="T1" fmla="*/ 0 h 2527151"/>
+              <a:gd name="T2" fmla="*/ 0 60000 65536"/>
+              <a:gd name="T3" fmla="*/ 0 w 1636805"/>
+              <a:gd name="T4" fmla="*/ 0 h 2527151"/>
+              <a:gd name="T5" fmla="*/ 1636805 w 1636805"/>
+              <a:gd name="T6" fmla="*/ 2527151 h 2527151"/>
+            </a:gdLst>
+            <a:ahLst/>
+            <a:cxnLst>
+              <a:cxn ang="T2">
+                <a:pos x="T0" y="T1"/>
+              </a:cxn>
+            </a:cxnLst>
+            <a:rect l="T3" t="T4" r="T5" b="T6"/>
+            <a:pathLst>
+              <a:path w="1636805" h="2527151">
+                <a:moveTo>
+                  <a:pt x="1636805" y="0"/>
+                </a:moveTo>
+                <a:lnTo>
+                  <a:pt x="157161" y="0"/>
+                </a:lnTo>
+                <a:cubicBezTo>
+                  <a:pt x="479113" y="297673"/>
+                  <a:pt x="680524" y="725002"/>
+                  <a:pt x="680524" y="1199898"/>
+                </a:cubicBezTo>
+                <a:cubicBezTo>
+                  <a:pt x="680524" y="1746911"/>
+                  <a:pt x="411976" y="2231780"/>
+                  <a:pt x="0" y="2527151"/>
+                </a:cubicBezTo>
+                <a:lnTo>
+                  <a:pt x="1636805" y="2527151"/>
+                </a:lnTo>
+                <a:close/>
+              </a:path>
+            </a:pathLst>
+          </a:custGeom>
+          <a:solidFill>
+            <a:srgbClr val="FF9900"/>
+          </a:solidFill>
+          <a:ln w="9525" cmpd="sng">
+            <a:noFill/>
+            <a:miter lim="800000"/>
+          </a:ln>
+        </p:spPr>
+        <p:txBody>
+          <a:bodyPr lIns="90170" tIns="46990" rIns="90170" bIns="46990"/>
+          <a:lstStyle/>
+          <a:p>
+            <a:endParaRPr lang="zh-CN" altLang="zh-CN">
+              <a:solidFill>
+                <a:srgbClr val="C4261D"/>
+              </a:solidFill>
+              <a:sym typeface="Arial" panose="020B0604020202020204" pitchFamily="34" charset="0"/>
+            </a:endParaRPr>
+          </a:p>
+        </p:txBody>
+      </p:sp>
+      <p:sp>
+        <p:nvSpPr>
+          <p:cNvPr id="46" name="Freeform 6"/>
+          <p:cNvSpPr>
+            <a:spLocks noChangeArrowheads="1"/>
+          </p:cNvSpPr>
+          <p:nvPr/>
+        </p:nvSpPr>
+        <p:spPr bwMode="auto">
+          <a:xfrm flipH="1">
+            <a:off x="8534693" y="2165350"/>
+            <a:ext cx="609307" cy="2252741"/>
           </a:xfrm>
           <a:custGeom>
             <a:avLst/>
@@ -12719,7 +12594,7 @@
             </a:pathLst>
           </a:custGeom>
           <a:solidFill>
-            <a:srgbClr val="8BB923"/>
+            <a:srgbClr val="FF9900"/>
           </a:solidFill>
           <a:ln w="9525" cmpd="sng">
             <a:noFill/>
@@ -12730,18 +12605,18 @@
           <a:bodyPr lIns="90170" tIns="46990" rIns="90170" bIns="46990"/>
           <a:lstStyle/>
           <a:p>
-            <a:endParaRPr lang="zh-CN" altLang="zh-CN" dirty="0">
+            <a:endParaRPr lang="zh-CN" altLang="zh-CN">
               <a:solidFill>
                 <a:srgbClr val="C4261D"/>
               </a:solidFill>
-              <a:sym typeface="Arial" pitchFamily="34" charset="0"/>
+              <a:sym typeface="Arial" panose="020B0604020202020204" pitchFamily="34" charset="0"/>
             </a:endParaRPr>
           </a:p>
         </p:txBody>
       </p:sp>
       <p:sp>
         <p:nvSpPr>
-          <p:cNvPr id="8" name="Freeform 6"/>
+          <p:cNvPr id="52" name="Freeform 6"/>
           <p:cNvSpPr>
             <a:spLocks noChangeArrowheads="1"/>
           </p:cNvSpPr>
@@ -12749,8 +12624,8 @@
         </p:nvSpPr>
         <p:spPr bwMode="auto">
           <a:xfrm flipH="1">
-            <a:off x="-1" y="2165350"/>
-            <a:ext cx="257175" cy="2055738"/>
+            <a:off x="0" y="2165350"/>
+            <a:ext cx="229236" cy="2252741"/>
           </a:xfrm>
           <a:custGeom>
             <a:avLst/>
@@ -12789,7 +12664,7 @@
             </a:pathLst>
           </a:custGeom>
           <a:solidFill>
-            <a:srgbClr val="92D050"/>
+            <a:srgbClr val="FF6600"/>
           </a:solidFill>
           <a:ln w="9525" cmpd="sng">
             <a:noFill/>
@@ -12804,49 +12679,7 @@
               <a:solidFill>
                 <a:srgbClr val="C4261D"/>
               </a:solidFill>
-              <a:sym typeface="Arial" pitchFamily="34" charset="0"/>
-            </a:endParaRPr>
-          </a:p>
-        </p:txBody>
-      </p:sp>
-      <p:sp>
-        <p:nvSpPr>
-          <p:cNvPr id="9" name="TextBox 8"/>
-          <p:cNvSpPr txBox="1"/>
-          <p:nvPr/>
-        </p:nvSpPr>
-        <p:spPr>
-          <a:xfrm>
-            <a:off x="2699792" y="2588701"/>
-            <a:ext cx="3877985" cy="1200329"/>
-          </a:xfrm>
-          <a:prstGeom prst="rect">
-            <a:avLst/>
-          </a:prstGeom>
-          <a:noFill/>
-        </p:spPr>
-        <p:txBody>
-          <a:bodyPr wrap="none" rtlCol="0">
-            <a:spAutoFit/>
-          </a:bodyPr>
-          <a:lstStyle/>
-          <a:p>
-            <a:r>
-              <a:rPr lang="zh-CN" altLang="en-US" sz="7200" b="1" dirty="0" smtClean="0">
-                <a:solidFill>
-                  <a:srgbClr val="FFFFFF"/>
-                </a:solidFill>
-                <a:latin typeface="微软雅黑" pitchFamily="34" charset="-122"/>
-                <a:ea typeface="微软雅黑" pitchFamily="34" charset="-122"/>
-              </a:rPr>
-              <a:t>谢谢观赏</a:t>
-            </a:r>
-            <a:endParaRPr lang="zh-CN" altLang="en-US" sz="7200" b="1" dirty="0">
-              <a:solidFill>
-                <a:srgbClr val="FFFFFF"/>
-              </a:solidFill>
-              <a:latin typeface="微软雅黑" pitchFamily="34" charset="-122"/>
-              <a:ea typeface="微软雅黑" pitchFamily="34" charset="-122"/>
+              <a:sym typeface="Arial" panose="020B0604020202020204" pitchFamily="34" charset="0"/>
             </a:endParaRPr>
           </a:p>
         </p:txBody>
@@ -12880,7 +12713,7 @@
                             </p:stCondLst>
                             <p:childTnLst>
                               <p:par>
-                                <p:cTn id="5" presetID="22" presetClass="entr" presetSubtype="8" fill="hold" grpId="0" nodeType="withEffect">
+                                <p:cTn id="5" presetID="22" presetClass="entr" presetSubtype="8" fill="hold" grpId="0" nodeType="afterEffect">
                                   <p:stCondLst>
                                     <p:cond delay="0"/>
                                   </p:stCondLst>
@@ -12893,7 +12726,7 @@
                                           </p:stCondLst>
                                         </p:cTn>
                                         <p:tgtEl>
-                                          <p:spTgt spid="7"/>
+                                          <p:spTgt spid="39"/>
                                         </p:tgtEl>
                                         <p:attrNameLst>
                                           <p:attrName>style.visibility</p:attrName>
@@ -12905,9 +12738,79 @@
                                     </p:set>
                                     <p:animEffect>
                                       <p:cBhvr>
-                                        <p:cTn id="7" dur="500"/>
+                                        <p:cTn id="7" dur="600"/>
                                         <p:tgtEl>
-                                          <p:spTgt spid="7"/>
+                                          <p:spTgt spid="39"/>
+                                        </p:tgtEl>
+                                      </p:cBhvr>
+                                    </p:animEffect>
+                                  </p:childTnLst>
+                                </p:cTn>
+                              </p:par>
+                              <p:par>
+                                <p:cTn id="8" presetID="22" presetClass="entr" presetSubtype="8" fill="hold" grpId="0" nodeType="withEffect">
+                                  <p:stCondLst>
+                                    <p:cond delay="0"/>
+                                  </p:stCondLst>
+                                  <p:childTnLst>
+                                    <p:set>
+                                      <p:cBhvr>
+                                        <p:cTn id="9" dur="1" fill="hold">
+                                          <p:stCondLst>
+                                            <p:cond delay="0"/>
+                                          </p:stCondLst>
+                                        </p:cTn>
+                                        <p:tgtEl>
+                                          <p:spTgt spid="46"/>
+                                        </p:tgtEl>
+                                        <p:attrNameLst>
+                                          <p:attrName>style.visibility</p:attrName>
+                                        </p:attrNameLst>
+                                      </p:cBhvr>
+                                      <p:to>
+                                        <p:strVal val="visible"/>
+                                      </p:to>
+                                    </p:set>
+                                    <p:animEffect>
+                                      <p:cBhvr>
+                                        <p:cTn id="10" dur="500"/>
+                                        <p:tgtEl>
+                                          <p:spTgt spid="46"/>
+                                        </p:tgtEl>
+                                      </p:cBhvr>
+                                    </p:animEffect>
+                                  </p:childTnLst>
+                                </p:cTn>
+                              </p:par>
+                              <p:par>
+                                <p:cTn id="11" presetID="22" presetClass="entr" presetSubtype="8" fill="hold" grpId="0" nodeType="withEffect">
+                                  <p:stCondLst>
+                                    <p:cond delay="0"/>
+                                  </p:stCondLst>
+                                  <p:childTnLst>
+                                    <p:set>
+                                      <p:cBhvr>
+                                        <p:cTn id="12" dur="1" fill="hold">
+                                          <p:stCondLst>
+                                            <p:cond delay="0"/>
+                                          </p:stCondLst>
+                                        </p:cTn>
+                                        <p:tgtEl>
+                                          <p:spTgt spid="36"/>
+                                        </p:tgtEl>
+                                        <p:attrNameLst>
+                                          <p:attrName>style.visibility</p:attrName>
+                                        </p:attrNameLst>
+                                      </p:cBhvr>
+                                      <p:to>
+                                        <p:strVal val="visible"/>
+                                      </p:to>
+                                    </p:set>
+                                    <p:animEffect>
+                                      <p:cBhvr>
+                                        <p:cTn id="13" dur="500"/>
+                                        <p:tgtEl>
+                                          <p:spTgt spid="36"/>
                                         </p:tgtEl>
                                       </p:cBhvr>
                                     </p:animEffect>
@@ -12942,7 +12845,866 @@
       </p:par>
     </p:tnLst>
     <p:bldLst>
-      <p:bldP spid="7" grpId="0" bldLvl="0" animBg="1" autoUpdateAnimBg="0"/>
+      <p:bldP spid="36" grpId="0" bldLvl="0" animBg="1" autoUpdateAnimBg="0"/>
+      <p:bldP spid="39" grpId="0" bldLvl="0" animBg="1" autoUpdateAnimBg="0"/>
+      <p:bldP spid="46" grpId="0" bldLvl="0" animBg="1" autoUpdateAnimBg="0"/>
+    </p:bldLst>
+  </p:timing>
+</p:sld>
+</file>
+
+<file path=ppt/slides/slide23.xml><?xml version="1.0" encoding="utf-8"?>
+<p:sld xmlns:a="http://schemas.openxmlformats.org/drawingml/2006/main" xmlns:r="http://schemas.openxmlformats.org/officeDocument/2006/relationships" xmlns:p="http://schemas.openxmlformats.org/presentationml/2006/main">
+  <p:cSld>
+    <p:spTree>
+      <p:nvGrpSpPr>
+        <p:cNvPr id="1" name=""/>
+        <p:cNvGrpSpPr/>
+        <p:nvPr/>
+      </p:nvGrpSpPr>
+      <p:grpSpPr/>
+      <p:sp>
+        <p:nvSpPr>
+          <p:cNvPr id="2" name="标题 1"/>
+          <p:cNvSpPr>
+            <a:spLocks noGrp="1"/>
+          </p:cNvSpPr>
+          <p:nvPr>
+            <p:ph type="title"/>
+          </p:nvPr>
+        </p:nvSpPr>
+        <p:spPr/>
+        <p:txBody>
+          <a:bodyPr/>
+          <a:p>
+            <a:endParaRPr lang="zh-CN" altLang="en-US"/>
+          </a:p>
+        </p:txBody>
+      </p:sp>
+      <p:pic>
+        <p:nvPicPr>
+          <p:cNvPr id="4" name="内容占位符 3" descr="OAuth2-Sequence"/>
+          <p:cNvPicPr>
+            <a:picLocks noChangeAspect="1"/>
+          </p:cNvPicPr>
+          <p:nvPr>
+            <p:ph idx="1"/>
+          </p:nvPr>
+        </p:nvPicPr>
+        <p:blipFill>
+          <a:blip r:embed="rId1"/>
+          <a:stretch>
+            <a:fillRect/>
+          </a:stretch>
+        </p:blipFill>
+        <p:spPr>
+          <a:xfrm>
+            <a:off x="2195830" y="1600200"/>
+            <a:ext cx="4751705" cy="4526280"/>
+          </a:xfrm>
+          <a:prstGeom prst="rect">
+            <a:avLst/>
+          </a:prstGeom>
+        </p:spPr>
+      </p:pic>
+    </p:spTree>
+  </p:cSld>
+  <p:clrMapOvr>
+    <a:masterClrMapping/>
+  </p:clrMapOvr>
+</p:sld>
+</file>
+
+<file path=ppt/slides/slide24.xml><?xml version="1.0" encoding="utf-8"?>
+<p:sld xmlns:a="http://schemas.openxmlformats.org/drawingml/2006/main" xmlns:r="http://schemas.openxmlformats.org/officeDocument/2006/relationships" xmlns:p="http://schemas.openxmlformats.org/presentationml/2006/main">
+  <p:cSld>
+    <p:spTree>
+      <p:nvGrpSpPr>
+        <p:cNvPr id="1" name=""/>
+        <p:cNvGrpSpPr/>
+        <p:nvPr/>
+      </p:nvGrpSpPr>
+      <p:grpSpPr/>
+      <p:sp>
+        <p:nvSpPr>
+          <p:cNvPr id="2" name="标题 1"/>
+          <p:cNvSpPr>
+            <a:spLocks noGrp="1"/>
+          </p:cNvSpPr>
+          <p:nvPr>
+            <p:ph type="title"/>
+          </p:nvPr>
+        </p:nvSpPr>
+        <p:spPr/>
+        <p:txBody>
+          <a:bodyPr/>
+          <a:p>
+            <a:endParaRPr lang="zh-CN" altLang="en-US"/>
+          </a:p>
+        </p:txBody>
+      </p:sp>
+      <p:sp>
+        <p:nvSpPr>
+          <p:cNvPr id="3" name="内容占位符 2"/>
+          <p:cNvSpPr>
+            <a:spLocks noGrp="1"/>
+          </p:cNvSpPr>
+          <p:nvPr>
+            <p:ph idx="1"/>
+          </p:nvPr>
+        </p:nvSpPr>
+        <p:spPr/>
+        <p:txBody>
+          <a:bodyPr/>
+          <a:p>
+            <a:r>
+              <a:rPr lang="zh-CN" altLang="en-US"/>
+              <a:t>SpringSocial是基于SpringSecurity框架的，他其实就是往SpringSecurity的过滤器链中添加了自己的过滤器，并使其生效，所以，SpringSecurity的基本原理在SpringSocial中也适用，只不过他SpringSocial中有一些特定的实现</a:t>
+            </a:r>
+            <a:endParaRPr lang="zh-CN" altLang="en-US"/>
+          </a:p>
+        </p:txBody>
+      </p:sp>
+    </p:spTree>
+  </p:cSld>
+  <p:clrMapOvr>
+    <a:masterClrMapping/>
+  </p:clrMapOvr>
+</p:sld>
+</file>
+
+<file path=ppt/slides/slide25.xml><?xml version="1.0" encoding="utf-8"?>
+<p:sld xmlns:a="http://schemas.openxmlformats.org/drawingml/2006/main" xmlns:r="http://schemas.openxmlformats.org/officeDocument/2006/relationships" xmlns:p="http://schemas.openxmlformats.org/presentationml/2006/main">
+  <p:cSld>
+    <p:spTree>
+      <p:nvGrpSpPr>
+        <p:cNvPr id="1" name=""/>
+        <p:cNvGrpSpPr/>
+        <p:nvPr/>
+      </p:nvGrpSpPr>
+      <p:grpSpPr/>
+      <p:sp>
+        <p:nvSpPr>
+          <p:cNvPr id="2" name="标题 1"/>
+          <p:cNvSpPr>
+            <a:spLocks noGrp="1"/>
+          </p:cNvSpPr>
+          <p:nvPr>
+            <p:ph type="title"/>
+          </p:nvPr>
+        </p:nvSpPr>
+        <p:spPr/>
+        <p:txBody>
+          <a:bodyPr/>
+          <a:p>
+            <a:endParaRPr lang="zh-CN" altLang="en-US"/>
+          </a:p>
+        </p:txBody>
+      </p:sp>
+      <p:sp>
+        <p:nvSpPr>
+          <p:cNvPr id="3" name="内容占位符 2"/>
+          <p:cNvSpPr>
+            <a:spLocks noGrp="1"/>
+          </p:cNvSpPr>
+          <p:nvPr>
+            <p:ph idx="1"/>
+          </p:nvPr>
+        </p:nvSpPr>
+        <p:spPr/>
+        <p:txBody>
+          <a:bodyPr/>
+          <a:p>
+            <a:r>
+              <a:rPr lang="zh-CN" altLang="en-US"/>
+              <a:t>Connection ：为统一管理各式各样的第三方用户信息,SpringSocial使用Connection接口用来存储用户第三方用户信息的标准的数据结构，他是由ConnectionFacotory的工厂方法创建的</a:t>
+            </a:r>
+            <a:endParaRPr lang="zh-CN" altLang="en-US"/>
+          </a:p>
+        </p:txBody>
+      </p:sp>
+    </p:spTree>
+  </p:cSld>
+  <p:clrMapOvr>
+    <a:masterClrMapping/>
+  </p:clrMapOvr>
+</p:sld>
+</file>
+
+<file path=ppt/slides/slide26.xml><?xml version="1.0" encoding="utf-8"?>
+<p:sld xmlns:a="http://schemas.openxmlformats.org/drawingml/2006/main" xmlns:r="http://schemas.openxmlformats.org/officeDocument/2006/relationships" xmlns:p="http://schemas.openxmlformats.org/presentationml/2006/main">
+  <p:cSld>
+    <p:spTree>
+      <p:nvGrpSpPr>
+        <p:cNvPr id="1" name=""/>
+        <p:cNvGrpSpPr/>
+        <p:nvPr/>
+      </p:nvGrpSpPr>
+      <p:grpSpPr/>
+      <p:sp>
+        <p:nvSpPr>
+          <p:cNvPr id="2" name="标题 1"/>
+          <p:cNvSpPr>
+            <a:spLocks noGrp="1"/>
+          </p:cNvSpPr>
+          <p:nvPr>
+            <p:ph type="title"/>
+          </p:nvPr>
+        </p:nvSpPr>
+        <p:spPr/>
+        <p:txBody>
+          <a:bodyPr/>
+          <a:p>
+            <a:endParaRPr lang="zh-CN" altLang="en-US"/>
+          </a:p>
+        </p:txBody>
+      </p:sp>
+      <p:sp>
+        <p:nvSpPr>
+          <p:cNvPr id="3" name="内容占位符 2"/>
+          <p:cNvSpPr>
+            <a:spLocks noGrp="1"/>
+          </p:cNvSpPr>
+          <p:nvPr>
+            <p:ph idx="1"/>
+          </p:nvPr>
+        </p:nvSpPr>
+        <p:spPr/>
+        <p:txBody>
+          <a:bodyPr/>
+          <a:p>
+            <a:r>
+              <a:rPr lang="zh-CN" altLang="en-US"/>
+              <a:t>ConnectionFacotory：提供工厂方法用来创建Connection对象，需提供两个核心组件</a:t>
+            </a:r>
+            <a:endParaRPr lang="zh-CN" altLang="en-US"/>
+          </a:p>
+        </p:txBody>
+      </p:sp>
+    </p:spTree>
+  </p:cSld>
+  <p:clrMapOvr>
+    <a:masterClrMapping/>
+  </p:clrMapOvr>
+</p:sld>
+</file>
+
+<file path=ppt/slides/slide27.xml><?xml version="1.0" encoding="utf-8"?>
+<p:sld xmlns:a="http://schemas.openxmlformats.org/drawingml/2006/main" xmlns:r="http://schemas.openxmlformats.org/officeDocument/2006/relationships" xmlns:p="http://schemas.openxmlformats.org/presentationml/2006/main">
+  <p:cSld>
+    <p:spTree>
+      <p:nvGrpSpPr>
+        <p:cNvPr id="1" name=""/>
+        <p:cNvGrpSpPr/>
+        <p:nvPr/>
+      </p:nvGrpSpPr>
+      <p:grpSpPr/>
+      <p:sp>
+        <p:nvSpPr>
+          <p:cNvPr id="2" name="标题 1"/>
+          <p:cNvSpPr>
+            <a:spLocks noGrp="1"/>
+          </p:cNvSpPr>
+          <p:nvPr>
+            <p:ph type="title"/>
+          </p:nvPr>
+        </p:nvSpPr>
+        <p:spPr/>
+        <p:txBody>
+          <a:bodyPr/>
+          <a:p>
+            <a:endParaRPr lang="zh-CN" altLang="en-US"/>
+          </a:p>
+        </p:txBody>
+      </p:sp>
+      <p:sp>
+        <p:nvSpPr>
+          <p:cNvPr id="3" name="内容占位符 2"/>
+          <p:cNvSpPr>
+            <a:spLocks noGrp="1"/>
+          </p:cNvSpPr>
+          <p:nvPr>
+            <p:ph idx="1"/>
+          </p:nvPr>
+        </p:nvSpPr>
+        <p:spPr/>
+        <p:txBody>
+          <a:bodyPr>
+            <a:normAutofit fontScale="60000"/>
+          </a:bodyPr>
+          <a:p>
+            <a:r>
+              <a:rPr lang="zh-CN" altLang="en-US"/>
+              <a:t>ServiceProvider 用来获取第三方用户信息 ，每种登录方式都要提供该登录方式特有的ServiceProvider的实现，需要提供两个组件 </a:t>
+            </a:r>
+            <a:endParaRPr lang="zh-CN" altLang="en-US"/>
+          </a:p>
+          <a:p>
+            <a:endParaRPr lang="zh-CN" altLang="en-US"/>
+          </a:p>
+          <a:p>
+            <a:r>
+              <a:rPr lang="zh-CN" altLang="en-US"/>
+              <a:t>      （一）、Oauth2Template  用来走整个Oauth流程获取accessToken,SpringSocial封装accessToken的对象为AccessGrant ,他封装了Oauth2协议请求令牌时的标准的返回如令牌，刷新令牌，超时时间等。对Oauth2协议不太了解的可以先去了解Oauth2的基本概念，这里不做赘述。</a:t>
+            </a:r>
+            <a:endParaRPr lang="zh-CN" altLang="en-US"/>
+          </a:p>
+          <a:p>
+            <a:endParaRPr lang="zh-CN" altLang="en-US"/>
+          </a:p>
+          <a:p>
+            <a:r>
+              <a:rPr lang="zh-CN" altLang="en-US"/>
+              <a:t>         (二)、  Api ：拿Oauth2Template获得的accessToken,和一些必备参数,如openId（用户在服务提供商的id,在QQ登录中需要通过accessToken去获取，而微信在返回accessToken时就返回用户在微信的openId了）等去第三方应用获取用户信息。需要根据不同的登录方式提供自己的Api并实现获取用户信息的接口。</a:t>
+            </a:r>
+            <a:endParaRPr lang="zh-CN" altLang="en-US"/>
+          </a:p>
+          <a:p>
+            <a:endParaRPr lang="zh-CN" altLang="en-US"/>
+          </a:p>
+        </p:txBody>
+      </p:sp>
+    </p:spTree>
+  </p:cSld>
+  <p:clrMapOvr>
+    <a:masterClrMapping/>
+  </p:clrMapOvr>
+</p:sld>
+</file>
+
+<file path=ppt/slides/slide28.xml><?xml version="1.0" encoding="utf-8"?>
+<p:sld xmlns:a="http://schemas.openxmlformats.org/drawingml/2006/main" xmlns:r="http://schemas.openxmlformats.org/officeDocument/2006/relationships" xmlns:p="http://schemas.openxmlformats.org/presentationml/2006/main">
+  <p:cSld>
+    <p:spTree>
+      <p:nvGrpSpPr>
+        <p:cNvPr id="1" name=""/>
+        <p:cNvGrpSpPr/>
+        <p:nvPr/>
+      </p:nvGrpSpPr>
+      <p:grpSpPr/>
+      <p:sp>
+        <p:nvSpPr>
+          <p:cNvPr id="2" name="标题 1"/>
+          <p:cNvSpPr>
+            <a:spLocks noGrp="1"/>
+          </p:cNvSpPr>
+          <p:nvPr>
+            <p:ph type="title"/>
+          </p:nvPr>
+        </p:nvSpPr>
+        <p:spPr/>
+        <p:txBody>
+          <a:bodyPr/>
+          <a:p>
+            <a:endParaRPr lang="zh-CN" altLang="en-US"/>
+          </a:p>
+        </p:txBody>
+      </p:sp>
+      <p:sp>
+        <p:nvSpPr>
+          <p:cNvPr id="3" name="内容占位符 2"/>
+          <p:cNvSpPr>
+            <a:spLocks noGrp="1"/>
+          </p:cNvSpPr>
+          <p:nvPr>
+            <p:ph idx="1"/>
+          </p:nvPr>
+        </p:nvSpPr>
+        <p:spPr/>
+        <p:txBody>
+          <a:bodyPr/>
+          <a:p>
+            <a:r>
+              <a:rPr lang="zh-CN" altLang="en-US"/>
+              <a:t> ApiAdater ：用来将Api接口获得的用户信息适配成标准的第三方信息Connection对象</a:t>
+            </a:r>
+            <a:endParaRPr lang="zh-CN" altLang="en-US"/>
+          </a:p>
+          <a:p>
+            <a:endParaRPr lang="zh-CN" altLang="en-US"/>
+          </a:p>
+        </p:txBody>
+      </p:sp>
+    </p:spTree>
+  </p:cSld>
+  <p:clrMapOvr>
+    <a:masterClrMapping/>
+  </p:clrMapOvr>
+</p:sld>
+</file>
+
+<file path=ppt/slides/slide29.xml><?xml version="1.0" encoding="utf-8"?>
+<p:sld xmlns:a="http://schemas.openxmlformats.org/drawingml/2006/main" xmlns:r="http://schemas.openxmlformats.org/officeDocument/2006/relationships" xmlns:p="http://schemas.openxmlformats.org/presentationml/2006/main">
+  <p:cSld>
+    <p:spTree>
+      <p:nvGrpSpPr>
+        <p:cNvPr id="1" name=""/>
+        <p:cNvGrpSpPr/>
+        <p:nvPr/>
+      </p:nvGrpSpPr>
+      <p:grpSpPr>
+        <a:xfrm>
+          <a:off x="0" y="0"/>
+          <a:ext cx="0" cy="0"/>
+          <a:chOff x="0" y="0"/>
+          <a:chExt cx="0" cy="0"/>
+        </a:xfrm>
+      </p:grpSpPr>
+      <p:sp>
+        <p:nvSpPr>
+          <p:cNvPr id="36" name="TextBox 108"/>
+          <p:cNvSpPr>
+            <a:spLocks noChangeArrowheads="1"/>
+          </p:cNvSpPr>
+          <p:nvPr/>
+        </p:nvSpPr>
+        <p:spPr bwMode="auto">
+          <a:xfrm>
+            <a:off x="2267744" y="2679060"/>
+            <a:ext cx="4824536" cy="681355"/>
+          </a:xfrm>
+          <a:prstGeom prst="rect">
+            <a:avLst/>
+          </a:prstGeom>
+          <a:solidFill>
+            <a:srgbClr val="DC5E00"/>
+          </a:solidFill>
+          <a:ln w="9525">
+            <a:noFill/>
+            <a:miter lim="800000"/>
+          </a:ln>
+        </p:spPr>
+        <p:txBody>
+          <a:bodyPr wrap="square" lIns="90170" tIns="46990" rIns="90170" bIns="46990">
+            <a:spAutoFit/>
+          </a:bodyPr>
+          <a:lstStyle/>
+          <a:p>
+            <a:pPr algn="ctr"/>
+            <a:r>
+              <a:rPr lang="zh-CN" sz="3600" dirty="0">
+                <a:solidFill>
+                  <a:srgbClr val="FFFFFF"/>
+                </a:solidFill>
+                <a:latin typeface="微软雅黑" pitchFamily="34" charset="-122"/>
+                <a:ea typeface="微软雅黑" pitchFamily="34" charset="-122"/>
+                <a:sym typeface="+mn-ea"/>
+              </a:rPr>
+              <a:t>前端</a:t>
+            </a:r>
+            <a:r>
+              <a:rPr lang="en-US" altLang="zh-CN" sz="3600" dirty="0">
+                <a:solidFill>
+                  <a:srgbClr val="FFFFFF"/>
+                </a:solidFill>
+                <a:latin typeface="微软雅黑" pitchFamily="34" charset="-122"/>
+                <a:ea typeface="微软雅黑" pitchFamily="34" charset="-122"/>
+                <a:sym typeface="+mn-ea"/>
+              </a:rPr>
+              <a:t>401\403</a:t>
+            </a:r>
+            <a:r>
+              <a:rPr lang="zh-CN" altLang="en-US" sz="3600" dirty="0">
+                <a:solidFill>
+                  <a:srgbClr val="FFFFFF"/>
+                </a:solidFill>
+                <a:latin typeface="微软雅黑" pitchFamily="34" charset="-122"/>
+                <a:ea typeface="微软雅黑" pitchFamily="34" charset="-122"/>
+                <a:sym typeface="+mn-ea"/>
+              </a:rPr>
+              <a:t>过滤</a:t>
+            </a:r>
+            <a:endParaRPr lang="zh-CN" sz="3600" dirty="0">
+              <a:solidFill>
+                <a:srgbClr val="FFFFFF"/>
+              </a:solidFill>
+              <a:latin typeface="微软雅黑" pitchFamily="34" charset="-122"/>
+              <a:ea typeface="微软雅黑" pitchFamily="34" charset="-122"/>
+            </a:endParaRPr>
+          </a:p>
+        </p:txBody>
+      </p:sp>
+      <p:sp>
+        <p:nvSpPr>
+          <p:cNvPr id="39" name="Freeform 6"/>
+          <p:cNvSpPr>
+            <a:spLocks noChangeArrowheads="1"/>
+          </p:cNvSpPr>
+          <p:nvPr/>
+        </p:nvSpPr>
+        <p:spPr bwMode="auto">
+          <a:xfrm flipH="1">
+            <a:off x="9525" y="2165350"/>
+            <a:ext cx="1458905" cy="2252741"/>
+          </a:xfrm>
+          <a:custGeom>
+            <a:avLst/>
+            <a:gdLst>
+              <a:gd name="T0" fmla="*/ 0 w 1636805"/>
+              <a:gd name="T1" fmla="*/ 0 h 2527151"/>
+              <a:gd name="T2" fmla="*/ 0 60000 65536"/>
+              <a:gd name="T3" fmla="*/ 0 w 1636805"/>
+              <a:gd name="T4" fmla="*/ 0 h 2527151"/>
+              <a:gd name="T5" fmla="*/ 1636805 w 1636805"/>
+              <a:gd name="T6" fmla="*/ 2527151 h 2527151"/>
+            </a:gdLst>
+            <a:ahLst/>
+            <a:cxnLst>
+              <a:cxn ang="T2">
+                <a:pos x="T0" y="T1"/>
+              </a:cxn>
+            </a:cxnLst>
+            <a:rect l="T3" t="T4" r="T5" b="T6"/>
+            <a:pathLst>
+              <a:path w="1636805" h="2527151">
+                <a:moveTo>
+                  <a:pt x="1636805" y="0"/>
+                </a:moveTo>
+                <a:lnTo>
+                  <a:pt x="157161" y="0"/>
+                </a:lnTo>
+                <a:cubicBezTo>
+                  <a:pt x="479113" y="297673"/>
+                  <a:pt x="680524" y="725002"/>
+                  <a:pt x="680524" y="1199898"/>
+                </a:cubicBezTo>
+                <a:cubicBezTo>
+                  <a:pt x="680524" y="1746911"/>
+                  <a:pt x="411976" y="2231780"/>
+                  <a:pt x="0" y="2527151"/>
+                </a:cubicBezTo>
+                <a:lnTo>
+                  <a:pt x="1636805" y="2527151"/>
+                </a:lnTo>
+                <a:close/>
+              </a:path>
+            </a:pathLst>
+          </a:custGeom>
+          <a:solidFill>
+            <a:srgbClr val="FF9900"/>
+          </a:solidFill>
+          <a:ln w="9525" cmpd="sng">
+            <a:noFill/>
+            <a:miter lim="800000"/>
+          </a:ln>
+        </p:spPr>
+        <p:txBody>
+          <a:bodyPr lIns="90170" tIns="46990" rIns="90170" bIns="46990"/>
+          <a:lstStyle/>
+          <a:p>
+            <a:endParaRPr lang="zh-CN" altLang="zh-CN">
+              <a:solidFill>
+                <a:srgbClr val="C4261D"/>
+              </a:solidFill>
+              <a:sym typeface="Arial" panose="020B0604020202020204" pitchFamily="34" charset="0"/>
+            </a:endParaRPr>
+          </a:p>
+        </p:txBody>
+      </p:sp>
+      <p:sp>
+        <p:nvSpPr>
+          <p:cNvPr id="46" name="Freeform 6"/>
+          <p:cNvSpPr>
+            <a:spLocks noChangeArrowheads="1"/>
+          </p:cNvSpPr>
+          <p:nvPr/>
+        </p:nvSpPr>
+        <p:spPr bwMode="auto">
+          <a:xfrm flipH="1">
+            <a:off x="8534693" y="2165350"/>
+            <a:ext cx="609307" cy="2252741"/>
+          </a:xfrm>
+          <a:custGeom>
+            <a:avLst/>
+            <a:gdLst>
+              <a:gd name="T0" fmla="*/ 0 w 621232"/>
+              <a:gd name="T1" fmla="*/ 0 h 2527151"/>
+              <a:gd name="T2" fmla="*/ 0 60000 65536"/>
+              <a:gd name="T3" fmla="*/ 0 w 621232"/>
+              <a:gd name="T4" fmla="*/ 0 h 2527151"/>
+              <a:gd name="T5" fmla="*/ 621232 w 621232"/>
+              <a:gd name="T6" fmla="*/ 2527151 h 2527151"/>
+            </a:gdLst>
+            <a:ahLst/>
+            <a:cxnLst>
+              <a:cxn ang="T2">
+                <a:pos x="T0" y="T1"/>
+              </a:cxn>
+            </a:cxnLst>
+            <a:rect l="T3" t="T4" r="T5" b="T6"/>
+            <a:pathLst>
+              <a:path w="621232" h="2527151">
+                <a:moveTo>
+                  <a:pt x="621232" y="0"/>
+                </a:moveTo>
+                <a:lnTo>
+                  <a:pt x="0" y="0"/>
+                </a:lnTo>
+                <a:lnTo>
+                  <a:pt x="0" y="2527151"/>
+                </a:lnTo>
+                <a:lnTo>
+                  <a:pt x="621232" y="2527151"/>
+                </a:lnTo>
+                <a:close/>
+              </a:path>
+            </a:pathLst>
+          </a:custGeom>
+          <a:solidFill>
+            <a:srgbClr val="FF9900"/>
+          </a:solidFill>
+          <a:ln w="9525" cmpd="sng">
+            <a:noFill/>
+            <a:miter lim="800000"/>
+          </a:ln>
+        </p:spPr>
+        <p:txBody>
+          <a:bodyPr lIns="90170" tIns="46990" rIns="90170" bIns="46990"/>
+          <a:lstStyle/>
+          <a:p>
+            <a:endParaRPr lang="zh-CN" altLang="zh-CN">
+              <a:solidFill>
+                <a:srgbClr val="C4261D"/>
+              </a:solidFill>
+              <a:sym typeface="Arial" panose="020B0604020202020204" pitchFamily="34" charset="0"/>
+            </a:endParaRPr>
+          </a:p>
+        </p:txBody>
+      </p:sp>
+      <p:sp>
+        <p:nvSpPr>
+          <p:cNvPr id="52" name="Freeform 6"/>
+          <p:cNvSpPr>
+            <a:spLocks noChangeArrowheads="1"/>
+          </p:cNvSpPr>
+          <p:nvPr/>
+        </p:nvSpPr>
+        <p:spPr bwMode="auto">
+          <a:xfrm flipH="1">
+            <a:off x="0" y="2165350"/>
+            <a:ext cx="229236" cy="2252741"/>
+          </a:xfrm>
+          <a:custGeom>
+            <a:avLst/>
+            <a:gdLst>
+              <a:gd name="T0" fmla="*/ 0 w 621232"/>
+              <a:gd name="T1" fmla="*/ 0 h 2527151"/>
+              <a:gd name="T2" fmla="*/ 0 60000 65536"/>
+              <a:gd name="T3" fmla="*/ 0 w 621232"/>
+              <a:gd name="T4" fmla="*/ 0 h 2527151"/>
+              <a:gd name="T5" fmla="*/ 621232 w 621232"/>
+              <a:gd name="T6" fmla="*/ 2527151 h 2527151"/>
+            </a:gdLst>
+            <a:ahLst/>
+            <a:cxnLst>
+              <a:cxn ang="T2">
+                <a:pos x="T0" y="T1"/>
+              </a:cxn>
+            </a:cxnLst>
+            <a:rect l="T3" t="T4" r="T5" b="T6"/>
+            <a:pathLst>
+              <a:path w="621232" h="2527151">
+                <a:moveTo>
+                  <a:pt x="621232" y="0"/>
+                </a:moveTo>
+                <a:lnTo>
+                  <a:pt x="0" y="0"/>
+                </a:lnTo>
+                <a:lnTo>
+                  <a:pt x="0" y="2527151"/>
+                </a:lnTo>
+                <a:lnTo>
+                  <a:pt x="621232" y="2527151"/>
+                </a:lnTo>
+                <a:close/>
+              </a:path>
+            </a:pathLst>
+          </a:custGeom>
+          <a:solidFill>
+            <a:srgbClr val="FF6600"/>
+          </a:solidFill>
+          <a:ln w="9525" cmpd="sng">
+            <a:noFill/>
+            <a:miter lim="800000"/>
+          </a:ln>
+        </p:spPr>
+        <p:txBody>
+          <a:bodyPr lIns="90170" tIns="46990" rIns="90170" bIns="46990"/>
+          <a:lstStyle/>
+          <a:p>
+            <a:endParaRPr lang="zh-CN" altLang="zh-CN">
+              <a:solidFill>
+                <a:srgbClr val="C4261D"/>
+              </a:solidFill>
+              <a:sym typeface="Arial" panose="020B0604020202020204" pitchFamily="34" charset="0"/>
+            </a:endParaRPr>
+          </a:p>
+        </p:txBody>
+      </p:sp>
+    </p:spTree>
+  </p:cSld>
+  <p:clrMapOvr>
+    <a:masterClrMapping/>
+  </p:clrMapOvr>
+  <p:timing>
+    <p:tnLst>
+      <p:par>
+        <p:cTn id="1" dur="indefinite" restart="never" nodeType="tmRoot">
+          <p:childTnLst>
+            <p:seq concurrent="1" nextAc="seek">
+              <p:cTn id="2" dur="indefinite" nodeType="mainSeq">
+                <p:childTnLst>
+                  <p:par>
+                    <p:cTn id="3" fill="hold">
+                      <p:stCondLst>
+                        <p:cond delay="indefinite"/>
+                        <p:cond evt="onBegin" delay="0">
+                          <p:tn val="2"/>
+                        </p:cond>
+                      </p:stCondLst>
+                      <p:childTnLst>
+                        <p:par>
+                          <p:cTn id="4" fill="hold">
+                            <p:stCondLst>
+                              <p:cond delay="0"/>
+                            </p:stCondLst>
+                            <p:childTnLst>
+                              <p:par>
+                                <p:cTn id="5" presetID="22" presetClass="entr" presetSubtype="8" fill="hold" grpId="0" nodeType="afterEffect">
+                                  <p:stCondLst>
+                                    <p:cond delay="0"/>
+                                  </p:stCondLst>
+                                  <p:childTnLst>
+                                    <p:set>
+                                      <p:cBhvr>
+                                        <p:cTn id="6" dur="1" fill="hold">
+                                          <p:stCondLst>
+                                            <p:cond delay="0"/>
+                                          </p:stCondLst>
+                                        </p:cTn>
+                                        <p:tgtEl>
+                                          <p:spTgt spid="39"/>
+                                        </p:tgtEl>
+                                        <p:attrNameLst>
+                                          <p:attrName>style.visibility</p:attrName>
+                                        </p:attrNameLst>
+                                      </p:cBhvr>
+                                      <p:to>
+                                        <p:strVal val="visible"/>
+                                      </p:to>
+                                    </p:set>
+                                    <p:animEffect>
+                                      <p:cBhvr>
+                                        <p:cTn id="7" dur="600"/>
+                                        <p:tgtEl>
+                                          <p:spTgt spid="39"/>
+                                        </p:tgtEl>
+                                      </p:cBhvr>
+                                    </p:animEffect>
+                                  </p:childTnLst>
+                                </p:cTn>
+                              </p:par>
+                              <p:par>
+                                <p:cTn id="8" presetID="22" presetClass="entr" presetSubtype="8" fill="hold" grpId="0" nodeType="withEffect">
+                                  <p:stCondLst>
+                                    <p:cond delay="0"/>
+                                  </p:stCondLst>
+                                  <p:childTnLst>
+                                    <p:set>
+                                      <p:cBhvr>
+                                        <p:cTn id="9" dur="1" fill="hold">
+                                          <p:stCondLst>
+                                            <p:cond delay="0"/>
+                                          </p:stCondLst>
+                                        </p:cTn>
+                                        <p:tgtEl>
+                                          <p:spTgt spid="46"/>
+                                        </p:tgtEl>
+                                        <p:attrNameLst>
+                                          <p:attrName>style.visibility</p:attrName>
+                                        </p:attrNameLst>
+                                      </p:cBhvr>
+                                      <p:to>
+                                        <p:strVal val="visible"/>
+                                      </p:to>
+                                    </p:set>
+                                    <p:animEffect>
+                                      <p:cBhvr>
+                                        <p:cTn id="10" dur="500"/>
+                                        <p:tgtEl>
+                                          <p:spTgt spid="46"/>
+                                        </p:tgtEl>
+                                      </p:cBhvr>
+                                    </p:animEffect>
+                                  </p:childTnLst>
+                                </p:cTn>
+                              </p:par>
+                              <p:par>
+                                <p:cTn id="11" presetID="22" presetClass="entr" presetSubtype="8" fill="hold" grpId="0" nodeType="withEffect">
+                                  <p:stCondLst>
+                                    <p:cond delay="0"/>
+                                  </p:stCondLst>
+                                  <p:childTnLst>
+                                    <p:set>
+                                      <p:cBhvr>
+                                        <p:cTn id="12" dur="1" fill="hold">
+                                          <p:stCondLst>
+                                            <p:cond delay="0"/>
+                                          </p:stCondLst>
+                                        </p:cTn>
+                                        <p:tgtEl>
+                                          <p:spTgt spid="36"/>
+                                        </p:tgtEl>
+                                        <p:attrNameLst>
+                                          <p:attrName>style.visibility</p:attrName>
+                                        </p:attrNameLst>
+                                      </p:cBhvr>
+                                      <p:to>
+                                        <p:strVal val="visible"/>
+                                      </p:to>
+                                    </p:set>
+                                    <p:animEffect>
+                                      <p:cBhvr>
+                                        <p:cTn id="13" dur="500"/>
+                                        <p:tgtEl>
+                                          <p:spTgt spid="36"/>
+                                        </p:tgtEl>
+                                      </p:cBhvr>
+                                    </p:animEffect>
+                                  </p:childTnLst>
+                                </p:cTn>
+                              </p:par>
+                            </p:childTnLst>
+                          </p:cTn>
+                        </p:par>
+                      </p:childTnLst>
+                    </p:cTn>
+                  </p:par>
+                </p:childTnLst>
+              </p:cTn>
+              <p:prevCondLst>
+                <p:cond evt="onPrev" delay="0">
+                  <p:tgtEl>
+                    <p:sldTgt/>
+                  </p:tgtEl>
+                </p:cond>
+              </p:prevCondLst>
+              <p:nextCondLst>
+                <p:cond evt="onNext" delay="0">
+                  <p:tgtEl>
+                    <p:sldTgt/>
+                  </p:tgtEl>
+                </p:cond>
+              </p:nextCondLst>
+            </p:seq>
+          </p:childTnLst>
+        </p:cTn>
+      </p:par>
+    </p:tnLst>
+    <p:bldLst>
+      <p:bldP spid="36" grpId="0" bldLvl="0" animBg="1" autoUpdateAnimBg="0"/>
+      <p:bldP spid="39" grpId="0" bldLvl="0" animBg="1" autoUpdateAnimBg="0"/>
+      <p:bldP spid="46" grpId="0" bldLvl="0" animBg="1" autoUpdateAnimBg="0"/>
     </p:bldLst>
   </p:timing>
 </p:sld>
@@ -13043,7 +13805,7 @@
               <a:solidFill>
                 <a:srgbClr val="C4261D"/>
               </a:solidFill>
-              <a:sym typeface="Arial" pitchFamily="34" charset="0"/>
+              <a:sym typeface="Arial" panose="020B0604020202020204" pitchFamily="34" charset="0"/>
             </a:endParaRPr>
           </a:p>
         </p:txBody>
@@ -13211,7 +13973,7 @@
                 <a:solidFill>
                   <a:srgbClr val="C4261D"/>
                 </a:solidFill>
-                <a:sym typeface="Arial" pitchFamily="34" charset="0"/>
+                <a:sym typeface="Arial" panose="020B0604020202020204" pitchFamily="34" charset="0"/>
               </a:endParaRPr>
             </a:p>
           </p:txBody>
@@ -13461,7 +14223,7 @@
                 <a:solidFill>
                   <a:srgbClr val="C4261D"/>
                 </a:solidFill>
-                <a:sym typeface="Arial" pitchFamily="34" charset="0"/>
+                <a:sym typeface="Arial" panose="020B0604020202020204" pitchFamily="34" charset="0"/>
               </a:endParaRPr>
             </a:p>
           </p:txBody>
@@ -13499,7 +14261,7 @@
               <a:solidFill>
                 <a:srgbClr val="C4261D"/>
               </a:solidFill>
-              <a:sym typeface="Arial" pitchFamily="34" charset="0"/>
+              <a:sym typeface="Arial" panose="020B0604020202020204" pitchFamily="34" charset="0"/>
             </a:endParaRPr>
           </a:p>
         </p:txBody>
@@ -13717,7 +14479,7 @@
                 <a:solidFill>
                   <a:srgbClr val="C4261D"/>
                 </a:solidFill>
-                <a:sym typeface="Arial" pitchFamily="34" charset="0"/>
+                <a:sym typeface="Arial" panose="020B0604020202020204" pitchFamily="34" charset="0"/>
               </a:endParaRPr>
             </a:p>
           </p:txBody>
@@ -13967,7 +14729,7 @@
                 <a:solidFill>
                   <a:srgbClr val="C4261D"/>
                 </a:solidFill>
-                <a:sym typeface="Arial" pitchFamily="34" charset="0"/>
+                <a:sym typeface="Arial" panose="020B0604020202020204" pitchFamily="34" charset="0"/>
               </a:endParaRPr>
             </a:p>
           </p:txBody>
@@ -14005,7 +14767,7 @@
               <a:solidFill>
                 <a:srgbClr val="C4261D"/>
               </a:solidFill>
-              <a:sym typeface="Arial" pitchFamily="34" charset="0"/>
+              <a:sym typeface="Arial" panose="020B0604020202020204" pitchFamily="34" charset="0"/>
             </a:endParaRPr>
           </a:p>
         </p:txBody>
@@ -14223,7 +14985,7 @@
                 <a:solidFill>
                   <a:srgbClr val="C4261D"/>
                 </a:solidFill>
-                <a:sym typeface="Arial" pitchFamily="34" charset="0"/>
+                <a:sym typeface="Arial" panose="020B0604020202020204" pitchFamily="34" charset="0"/>
               </a:endParaRPr>
             </a:p>
           </p:txBody>
@@ -14473,7 +15235,7 @@
                 <a:solidFill>
                   <a:srgbClr val="C4261D"/>
                 </a:solidFill>
-                <a:sym typeface="Arial" pitchFamily="34" charset="0"/>
+                <a:sym typeface="Arial" panose="020B0604020202020204" pitchFamily="34" charset="0"/>
               </a:endParaRPr>
             </a:p>
           </p:txBody>
@@ -14511,7 +15273,7 @@
               <a:solidFill>
                 <a:srgbClr val="C4261D"/>
               </a:solidFill>
-              <a:sym typeface="Arial" pitchFamily="34" charset="0"/>
+              <a:sym typeface="Arial" panose="020B0604020202020204" pitchFamily="34" charset="0"/>
             </a:endParaRPr>
           </a:p>
         </p:txBody>
@@ -14638,7 +15400,7 @@
               <a:solidFill>
                 <a:srgbClr val="C4261D"/>
               </a:solidFill>
-              <a:sym typeface="Arial" pitchFamily="34" charset="0"/>
+              <a:sym typeface="Arial" panose="020B0604020202020204" pitchFamily="34" charset="0"/>
             </a:endParaRPr>
           </a:p>
         </p:txBody>
@@ -14708,7 +15470,7 @@
               <a:solidFill>
                 <a:srgbClr val="C4261D"/>
               </a:solidFill>
-              <a:sym typeface="Arial" pitchFamily="34" charset="0"/>
+              <a:sym typeface="Arial" panose="020B0604020202020204" pitchFamily="34" charset="0"/>
             </a:endParaRPr>
           </a:p>
         </p:txBody>
@@ -14759,7 +15521,7 @@
                 <a:solidFill>
                   <a:srgbClr val="C4261D"/>
                 </a:solidFill>
-                <a:sym typeface="Arial" pitchFamily="34" charset="0"/>
+                <a:sym typeface="Arial" panose="020B0604020202020204" pitchFamily="34" charset="0"/>
               </a:endParaRPr>
             </a:p>
           </p:txBody>
@@ -14799,7 +15561,7 @@
                 <a:solidFill>
                   <a:srgbClr val="C4261D"/>
                 </a:solidFill>
-                <a:sym typeface="Arial" pitchFamily="34" charset="0"/>
+                <a:sym typeface="Arial" panose="020B0604020202020204" pitchFamily="34" charset="0"/>
               </a:endParaRPr>
             </a:p>
           </p:txBody>
@@ -15619,7 +16381,7 @@
               <a:solidFill>
                 <a:srgbClr val="C4261D"/>
               </a:solidFill>
-              <a:sym typeface="Arial" pitchFamily="34" charset="0"/>
+              <a:sym typeface="Arial" panose="020B0604020202020204" pitchFamily="34" charset="0"/>
             </a:endParaRPr>
           </a:p>
         </p:txBody>
@@ -15790,7 +16552,7 @@
               <a:solidFill>
                 <a:srgbClr val="C4261D"/>
               </a:solidFill>
-              <a:sym typeface="Arial" pitchFamily="34" charset="0"/>
+              <a:sym typeface="Arial" panose="020B0604020202020204" pitchFamily="34" charset="0"/>
             </a:endParaRPr>
           </a:p>
         </p:txBody>
@@ -15958,7 +16720,7 @@
                 <a:solidFill>
                   <a:srgbClr val="C4261D"/>
                 </a:solidFill>
-                <a:sym typeface="Arial" pitchFamily="34" charset="0"/>
+                <a:sym typeface="Arial" panose="020B0604020202020204" pitchFamily="34" charset="0"/>
               </a:endParaRPr>
             </a:p>
           </p:txBody>
@@ -16208,7 +16970,7 @@
                 <a:solidFill>
                   <a:srgbClr val="C4261D"/>
                 </a:solidFill>
-                <a:sym typeface="Arial" pitchFamily="34" charset="0"/>
+                <a:sym typeface="Arial" panose="020B0604020202020204" pitchFamily="34" charset="0"/>
               </a:endParaRPr>
             </a:p>
           </p:txBody>
@@ -16246,7 +17008,7 @@
               <a:solidFill>
                 <a:srgbClr val="C4261D"/>
               </a:solidFill>
-              <a:sym typeface="Arial" pitchFamily="34" charset="0"/>
+              <a:sym typeface="Arial" panose="020B0604020202020204" pitchFamily="34" charset="0"/>
             </a:endParaRPr>
           </a:p>
         </p:txBody>
@@ -17904,6 +18666,302 @@
 </p:sld>
 </file>
 
+<file path=ppt/slides/slide30.xml><?xml version="1.0" encoding="utf-8"?>
+<p:sld xmlns:a="http://schemas.openxmlformats.org/drawingml/2006/main" xmlns:r="http://schemas.openxmlformats.org/officeDocument/2006/relationships" xmlns:p="http://schemas.openxmlformats.org/presentationml/2006/main">
+  <p:cSld>
+    <p:spTree>
+      <p:nvGrpSpPr>
+        <p:cNvPr id="1" name=""/>
+        <p:cNvGrpSpPr/>
+        <p:nvPr/>
+      </p:nvGrpSpPr>
+      <p:grpSpPr>
+        <a:xfrm>
+          <a:off x="0" y="0"/>
+          <a:ext cx="0" cy="0"/>
+          <a:chOff x="0" y="0"/>
+          <a:chExt cx="0" cy="0"/>
+        </a:xfrm>
+      </p:grpSpPr>
+      <p:sp>
+        <p:nvSpPr>
+          <p:cNvPr id="7" name="Freeform 6"/>
+          <p:cNvSpPr>
+            <a:spLocks noChangeArrowheads="1"/>
+          </p:cNvSpPr>
+          <p:nvPr/>
+        </p:nvSpPr>
+        <p:spPr bwMode="auto">
+          <a:xfrm flipH="1">
+            <a:off x="257173" y="2165350"/>
+            <a:ext cx="8886825" cy="2055738"/>
+          </a:xfrm>
+          <a:custGeom>
+            <a:avLst/>
+            <a:gdLst>
+              <a:gd name="T0" fmla="*/ 0 w 621232"/>
+              <a:gd name="T1" fmla="*/ 0 h 2527151"/>
+              <a:gd name="T2" fmla="*/ 0 60000 65536"/>
+              <a:gd name="T3" fmla="*/ 0 w 621232"/>
+              <a:gd name="T4" fmla="*/ 0 h 2527151"/>
+              <a:gd name="T5" fmla="*/ 621232 w 621232"/>
+              <a:gd name="T6" fmla="*/ 2527151 h 2527151"/>
+            </a:gdLst>
+            <a:ahLst/>
+            <a:cxnLst>
+              <a:cxn ang="T2">
+                <a:pos x="T0" y="T1"/>
+              </a:cxn>
+            </a:cxnLst>
+            <a:rect l="T3" t="T4" r="T5" b="T6"/>
+            <a:pathLst>
+              <a:path w="621232" h="2527151">
+                <a:moveTo>
+                  <a:pt x="621232" y="0"/>
+                </a:moveTo>
+                <a:lnTo>
+                  <a:pt x="0" y="0"/>
+                </a:lnTo>
+                <a:lnTo>
+                  <a:pt x="0" y="2527151"/>
+                </a:lnTo>
+                <a:lnTo>
+                  <a:pt x="621232" y="2527151"/>
+                </a:lnTo>
+                <a:close/>
+              </a:path>
+            </a:pathLst>
+          </a:custGeom>
+          <a:solidFill>
+            <a:srgbClr val="8BB923"/>
+          </a:solidFill>
+          <a:ln w="9525" cmpd="sng">
+            <a:noFill/>
+            <a:miter lim="800000"/>
+          </a:ln>
+        </p:spPr>
+        <p:txBody>
+          <a:bodyPr lIns="90170" tIns="46990" rIns="90170" bIns="46990"/>
+          <a:lstStyle/>
+          <a:p>
+            <a:endParaRPr lang="zh-CN" altLang="zh-CN" dirty="0">
+              <a:solidFill>
+                <a:srgbClr val="C4261D"/>
+              </a:solidFill>
+              <a:sym typeface="Arial" panose="020B0604020202020204" pitchFamily="34" charset="0"/>
+            </a:endParaRPr>
+          </a:p>
+        </p:txBody>
+      </p:sp>
+      <p:sp>
+        <p:nvSpPr>
+          <p:cNvPr id="8" name="Freeform 6"/>
+          <p:cNvSpPr>
+            <a:spLocks noChangeArrowheads="1"/>
+          </p:cNvSpPr>
+          <p:nvPr/>
+        </p:nvSpPr>
+        <p:spPr bwMode="auto">
+          <a:xfrm flipH="1">
+            <a:off x="-1" y="2165350"/>
+            <a:ext cx="257175" cy="2055738"/>
+          </a:xfrm>
+          <a:custGeom>
+            <a:avLst/>
+            <a:gdLst>
+              <a:gd name="T0" fmla="*/ 0 w 621232"/>
+              <a:gd name="T1" fmla="*/ 0 h 2527151"/>
+              <a:gd name="T2" fmla="*/ 0 60000 65536"/>
+              <a:gd name="T3" fmla="*/ 0 w 621232"/>
+              <a:gd name="T4" fmla="*/ 0 h 2527151"/>
+              <a:gd name="T5" fmla="*/ 621232 w 621232"/>
+              <a:gd name="T6" fmla="*/ 2527151 h 2527151"/>
+            </a:gdLst>
+            <a:ahLst/>
+            <a:cxnLst>
+              <a:cxn ang="T2">
+                <a:pos x="T0" y="T1"/>
+              </a:cxn>
+            </a:cxnLst>
+            <a:rect l="T3" t="T4" r="T5" b="T6"/>
+            <a:pathLst>
+              <a:path w="621232" h="2527151">
+                <a:moveTo>
+                  <a:pt x="621232" y="0"/>
+                </a:moveTo>
+                <a:lnTo>
+                  <a:pt x="0" y="0"/>
+                </a:lnTo>
+                <a:lnTo>
+                  <a:pt x="0" y="2527151"/>
+                </a:lnTo>
+                <a:lnTo>
+                  <a:pt x="621232" y="2527151"/>
+                </a:lnTo>
+                <a:close/>
+              </a:path>
+            </a:pathLst>
+          </a:custGeom>
+          <a:solidFill>
+            <a:srgbClr val="92D050"/>
+          </a:solidFill>
+          <a:ln w="9525" cmpd="sng">
+            <a:noFill/>
+            <a:miter lim="800000"/>
+          </a:ln>
+        </p:spPr>
+        <p:txBody>
+          <a:bodyPr lIns="90170" tIns="46990" rIns="90170" bIns="46990"/>
+          <a:lstStyle/>
+          <a:p>
+            <a:endParaRPr lang="zh-CN" altLang="zh-CN">
+              <a:solidFill>
+                <a:srgbClr val="C4261D"/>
+              </a:solidFill>
+              <a:sym typeface="Arial" panose="020B0604020202020204" pitchFamily="34" charset="0"/>
+            </a:endParaRPr>
+          </a:p>
+        </p:txBody>
+      </p:sp>
+      <p:sp>
+        <p:nvSpPr>
+          <p:cNvPr id="9" name="TextBox 8"/>
+          <p:cNvSpPr txBox="1"/>
+          <p:nvPr/>
+        </p:nvSpPr>
+        <p:spPr>
+          <a:xfrm>
+            <a:off x="2699792" y="2588701"/>
+            <a:ext cx="3877985" cy="1200329"/>
+          </a:xfrm>
+          <a:prstGeom prst="rect">
+            <a:avLst/>
+          </a:prstGeom>
+          <a:noFill/>
+        </p:spPr>
+        <p:txBody>
+          <a:bodyPr wrap="none" rtlCol="0">
+            <a:spAutoFit/>
+          </a:bodyPr>
+          <a:lstStyle/>
+          <a:p>
+            <a:r>
+              <a:rPr lang="zh-CN" altLang="en-US" sz="7200" b="1" dirty="0" smtClean="0">
+                <a:solidFill>
+                  <a:srgbClr val="FFFFFF"/>
+                </a:solidFill>
+                <a:latin typeface="微软雅黑" pitchFamily="34" charset="-122"/>
+                <a:ea typeface="微软雅黑" pitchFamily="34" charset="-122"/>
+              </a:rPr>
+              <a:t>谢谢观赏</a:t>
+            </a:r>
+            <a:endParaRPr lang="zh-CN" altLang="en-US" sz="7200" b="1" dirty="0">
+              <a:solidFill>
+                <a:srgbClr val="FFFFFF"/>
+              </a:solidFill>
+              <a:latin typeface="微软雅黑" pitchFamily="34" charset="-122"/>
+              <a:ea typeface="微软雅黑" pitchFamily="34" charset="-122"/>
+            </a:endParaRPr>
+          </a:p>
+        </p:txBody>
+      </p:sp>
+    </p:spTree>
+  </p:cSld>
+  <p:clrMapOvr>
+    <a:masterClrMapping/>
+  </p:clrMapOvr>
+  <p:timing>
+    <p:tnLst>
+      <p:par>
+        <p:cTn id="1" dur="indefinite" restart="never" nodeType="tmRoot">
+          <p:childTnLst>
+            <p:seq concurrent="1" nextAc="seek">
+              <p:cTn id="2" dur="indefinite" nodeType="mainSeq">
+                <p:childTnLst>
+                  <p:par>
+                    <p:cTn id="3" fill="hold">
+                      <p:stCondLst>
+                        <p:cond delay="indefinite"/>
+                        <p:cond evt="onBegin" delay="0">
+                          <p:tn val="2"/>
+                        </p:cond>
+                      </p:stCondLst>
+                      <p:childTnLst>
+                        <p:par>
+                          <p:cTn id="4" fill="hold">
+                            <p:stCondLst>
+                              <p:cond delay="0"/>
+                            </p:stCondLst>
+                            <p:childTnLst>
+                              <p:par>
+                                <p:cTn id="5" presetID="22" presetClass="entr" presetSubtype="8" fill="hold" grpId="0" nodeType="withEffect">
+                                  <p:stCondLst>
+                                    <p:cond delay="0"/>
+                                  </p:stCondLst>
+                                  <p:childTnLst>
+                                    <p:set>
+                                      <p:cBhvr>
+                                        <p:cTn id="6" dur="1" fill="hold">
+                                          <p:stCondLst>
+                                            <p:cond delay="0"/>
+                                          </p:stCondLst>
+                                        </p:cTn>
+                                        <p:tgtEl>
+                                          <p:spTgt spid="7"/>
+                                        </p:tgtEl>
+                                        <p:attrNameLst>
+                                          <p:attrName>style.visibility</p:attrName>
+                                        </p:attrNameLst>
+                                      </p:cBhvr>
+                                      <p:to>
+                                        <p:strVal val="visible"/>
+                                      </p:to>
+                                    </p:set>
+                                    <p:animEffect>
+                                      <p:cBhvr>
+                                        <p:cTn id="7" dur="500"/>
+                                        <p:tgtEl>
+                                          <p:spTgt spid="7"/>
+                                        </p:tgtEl>
+                                      </p:cBhvr>
+                                    </p:animEffect>
+                                  </p:childTnLst>
+                                </p:cTn>
+                              </p:par>
+                            </p:childTnLst>
+                          </p:cTn>
+                        </p:par>
+                      </p:childTnLst>
+                    </p:cTn>
+                  </p:par>
+                </p:childTnLst>
+              </p:cTn>
+              <p:prevCondLst>
+                <p:cond evt="onPrev" delay="0">
+                  <p:tgtEl>
+                    <p:sldTgt/>
+                  </p:tgtEl>
+                </p:cond>
+              </p:prevCondLst>
+              <p:nextCondLst>
+                <p:cond evt="onNext" delay="0">
+                  <p:tgtEl>
+                    <p:sldTgt/>
+                  </p:tgtEl>
+                </p:cond>
+              </p:nextCondLst>
+            </p:seq>
+          </p:childTnLst>
+        </p:cTn>
+      </p:par>
+    </p:tnLst>
+    <p:bldLst>
+      <p:bldP spid="7" grpId="0" bldLvl="0" animBg="1" autoUpdateAnimBg="0"/>
+    </p:bldLst>
+  </p:timing>
+</p:sld>
+</file>
+
 <file path=ppt/slides/slide4.xml><?xml version="1.0" encoding="utf-8"?>
 <p:sld xmlns:a="http://schemas.openxmlformats.org/drawingml/2006/main" xmlns:r="http://schemas.openxmlformats.org/officeDocument/2006/relationships" xmlns:p="http://schemas.openxmlformats.org/presentationml/2006/main">
   <p:cSld>
@@ -18043,7 +19101,7 @@
               <a:solidFill>
                 <a:srgbClr val="C4261D"/>
               </a:solidFill>
-              <a:sym typeface="Arial" pitchFamily="34" charset="0"/>
+              <a:sym typeface="Arial" panose="020B0604020202020204" pitchFamily="34" charset="0"/>
             </a:endParaRPr>
           </a:p>
         </p:txBody>
@@ -18113,7 +19171,7 @@
               <a:solidFill>
                 <a:srgbClr val="C4261D"/>
               </a:solidFill>
-              <a:sym typeface="Arial" pitchFamily="34" charset="0"/>
+              <a:sym typeface="Arial" panose="020B0604020202020204" pitchFamily="34" charset="0"/>
             </a:endParaRPr>
           </a:p>
         </p:txBody>
@@ -18183,7 +19241,7 @@
               <a:solidFill>
                 <a:srgbClr val="C4261D"/>
               </a:solidFill>
-              <a:sym typeface="Arial" pitchFamily="34" charset="0"/>
+              <a:sym typeface="Arial" panose="020B0604020202020204" pitchFamily="34" charset="0"/>
             </a:endParaRPr>
           </a:p>
         </p:txBody>
@@ -19193,8 +20251,6 @@
       </a:bgFillStyleLst>
     </a:fmtScheme>
   </a:themeElements>
-  <a:objectDefaults/>
-  <a:extraClrSchemeLst/>
   <a:extLst>
     <a:ext uri="{05A4C25C-085E-4340-85A3-A5531E510DB2}">
       <thm15:themeFamily xmlns:thm15="http://schemas.microsoft.com/office/thememl/2012/main" name="Office Theme" id="{62F939B6-93AF-4DB8-9C6B-D6C7DFDC589F}" vid="{4A3C46E8-61CC-4603-A589-7422A47A8E4A}"/>

--- a/Spring Security.pptx
+++ b/Spring Security.pptx
@@ -29,12 +29,15 @@
     <p:sldId id="307" r:id="rId24"/>
     <p:sldId id="341" r:id="rId25"/>
     <p:sldId id="336" r:id="rId26"/>
-    <p:sldId id="337" r:id="rId27"/>
-    <p:sldId id="338" r:id="rId28"/>
+    <p:sldId id="349" r:id="rId27"/>
+    <p:sldId id="337" r:id="rId28"/>
     <p:sldId id="339" r:id="rId29"/>
-    <p:sldId id="340" r:id="rId30"/>
+    <p:sldId id="350" r:id="rId30"/>
     <p:sldId id="335" r:id="rId31"/>
-    <p:sldId id="260" r:id="rId32"/>
+    <p:sldId id="355" r:id="rId32"/>
+    <p:sldId id="356" r:id="rId33"/>
+    <p:sldId id="357" r:id="rId34"/>
+    <p:sldId id="260" r:id="rId35"/>
   </p:sldIdLst>
   <p:sldSz cx="9144000" cy="6858000" type="screen4x3"/>
   <p:notesSz cx="6858000" cy="9144000"/>
@@ -2842,7 +2845,7 @@
         <a:spcBef>
           <a:spcPct val="20000"/>
         </a:spcBef>
-        <a:buFont typeface="Arial" panose="020B0604020202020204" pitchFamily="34" charset="0"/>
+        <a:buFont typeface="Arial" pitchFamily="34" charset="0"/>
         <a:buChar char="•"/>
         <a:defRPr sz="3200" kern="1200">
           <a:solidFill>
@@ -2857,7 +2860,7 @@
         <a:spcBef>
           <a:spcPct val="20000"/>
         </a:spcBef>
-        <a:buFont typeface="Arial" panose="020B0604020202020204" pitchFamily="34" charset="0"/>
+        <a:buFont typeface="Arial" pitchFamily="34" charset="0"/>
         <a:buChar char="–"/>
         <a:defRPr sz="2800" kern="1200">
           <a:solidFill>
@@ -2872,7 +2875,7 @@
         <a:spcBef>
           <a:spcPct val="20000"/>
         </a:spcBef>
-        <a:buFont typeface="Arial" panose="020B0604020202020204" pitchFamily="34" charset="0"/>
+        <a:buFont typeface="Arial" pitchFamily="34" charset="0"/>
         <a:buChar char="•"/>
         <a:defRPr sz="2400" kern="1200">
           <a:solidFill>
@@ -2887,7 +2890,7 @@
         <a:spcBef>
           <a:spcPct val="20000"/>
         </a:spcBef>
-        <a:buFont typeface="Arial" panose="020B0604020202020204" pitchFamily="34" charset="0"/>
+        <a:buFont typeface="Arial" pitchFamily="34" charset="0"/>
         <a:buChar char="–"/>
         <a:defRPr sz="2000" kern="1200">
           <a:solidFill>
@@ -2902,7 +2905,7 @@
         <a:spcBef>
           <a:spcPct val="20000"/>
         </a:spcBef>
-        <a:buFont typeface="Arial" panose="020B0604020202020204" pitchFamily="34" charset="0"/>
+        <a:buFont typeface="Arial" pitchFamily="34" charset="0"/>
         <a:buChar char="»"/>
         <a:defRPr sz="2000" kern="1200">
           <a:solidFill>
@@ -2917,7 +2920,7 @@
         <a:spcBef>
           <a:spcPct val="20000"/>
         </a:spcBef>
-        <a:buFont typeface="Arial" panose="020B0604020202020204" pitchFamily="34" charset="0"/>
+        <a:buFont typeface="Arial" pitchFamily="34" charset="0"/>
         <a:buChar char="•"/>
         <a:defRPr sz="2000" kern="1200">
           <a:solidFill>
@@ -2932,7 +2935,7 @@
         <a:spcBef>
           <a:spcPct val="20000"/>
         </a:spcBef>
-        <a:buFont typeface="Arial" panose="020B0604020202020204" pitchFamily="34" charset="0"/>
+        <a:buFont typeface="Arial" pitchFamily="34" charset="0"/>
         <a:buChar char="•"/>
         <a:defRPr sz="2000" kern="1200">
           <a:solidFill>
@@ -2947,7 +2950,7 @@
         <a:spcBef>
           <a:spcPct val="20000"/>
         </a:spcBef>
-        <a:buFont typeface="Arial" panose="020B0604020202020204" pitchFamily="34" charset="0"/>
+        <a:buFont typeface="Arial" pitchFamily="34" charset="0"/>
         <a:buChar char="•"/>
         <a:defRPr sz="2000" kern="1200">
           <a:solidFill>
@@ -2962,7 +2965,7 @@
         <a:spcBef>
           <a:spcPct val="20000"/>
         </a:spcBef>
-        <a:buFont typeface="Arial" panose="020B0604020202020204" pitchFamily="34" charset="0"/>
+        <a:buFont typeface="Arial" pitchFamily="34" charset="0"/>
         <a:buChar char="•"/>
         <a:defRPr sz="2000" kern="1200">
           <a:solidFill>
@@ -3209,7 +3212,7 @@
               <a:solidFill>
                 <a:srgbClr val="C4261D"/>
               </a:solidFill>
-              <a:sym typeface="Arial" panose="020B0604020202020204" pitchFamily="34" charset="0"/>
+              <a:sym typeface="Arial" pitchFamily="34" charset="0"/>
             </a:endParaRPr>
           </a:p>
         </p:txBody>
@@ -3319,7 +3322,7 @@
               <a:solidFill>
                 <a:srgbClr val="C4261D"/>
               </a:solidFill>
-              <a:sym typeface="Arial" panose="020B0604020202020204" pitchFamily="34" charset="0"/>
+              <a:sym typeface="Arial" pitchFamily="34" charset="0"/>
             </a:endParaRPr>
           </a:p>
         </p:txBody>
@@ -3683,7 +3686,7 @@
                 <a:solidFill>
                   <a:srgbClr val="C4261D"/>
                 </a:solidFill>
-                <a:sym typeface="Arial" panose="020B0604020202020204" pitchFamily="34" charset="0"/>
+                <a:sym typeface="Arial" pitchFamily="34" charset="0"/>
               </a:endParaRPr>
             </a:p>
           </p:txBody>
@@ -3892,7 +3895,7 @@
                 <a:solidFill>
                   <a:srgbClr val="C4261D"/>
                 </a:solidFill>
-                <a:sym typeface="Arial" panose="020B0604020202020204" pitchFamily="34" charset="0"/>
+                <a:sym typeface="Arial" pitchFamily="34" charset="0"/>
               </a:endParaRPr>
             </a:p>
           </p:txBody>
@@ -3993,7 +3996,7 @@
                 <a:solidFill>
                   <a:srgbClr val="C4261D"/>
                 </a:solidFill>
-                <a:sym typeface="Arial" panose="020B0604020202020204" pitchFamily="34" charset="0"/>
+                <a:sym typeface="Arial" pitchFamily="34" charset="0"/>
               </a:endParaRPr>
             </a:p>
           </p:txBody>
@@ -4094,7 +4097,7 @@
                 <a:solidFill>
                   <a:srgbClr val="C4261D"/>
                 </a:solidFill>
-                <a:sym typeface="Arial" panose="020B0604020202020204" pitchFamily="34" charset="0"/>
+                <a:sym typeface="Arial" pitchFamily="34" charset="0"/>
               </a:endParaRPr>
             </a:p>
           </p:txBody>
@@ -4195,7 +4198,7 @@
                 <a:solidFill>
                   <a:srgbClr val="C4261D"/>
                 </a:solidFill>
-                <a:sym typeface="Arial" panose="020B0604020202020204" pitchFamily="34" charset="0"/>
+                <a:sym typeface="Arial" pitchFamily="34" charset="0"/>
               </a:endParaRPr>
             </a:p>
           </p:txBody>
@@ -4296,7 +4299,7 @@
                 <a:solidFill>
                   <a:srgbClr val="C4261D"/>
                 </a:solidFill>
-                <a:sym typeface="Arial" panose="020B0604020202020204" pitchFamily="34" charset="0"/>
+                <a:sym typeface="Arial" pitchFamily="34" charset="0"/>
               </a:endParaRPr>
             </a:p>
           </p:txBody>
@@ -5499,15 +5502,156 @@
           </a:p>
         </p:txBody>
       </p:sp>
+      <p:pic>
+        <p:nvPicPr>
+          <p:cNvPr id="3" name="图片 2" descr="spring_security_login"/>
+          <p:cNvPicPr>
+            <a:picLocks noChangeAspect="1"/>
+          </p:cNvPicPr>
+          <p:nvPr/>
+        </p:nvPicPr>
+        <p:blipFill>
+          <a:blip r:embed="rId1"/>
+          <a:stretch>
+            <a:fillRect/>
+          </a:stretch>
+        </p:blipFill>
+        <p:spPr>
+          <a:xfrm>
+            <a:off x="1691640" y="1412875"/>
+            <a:ext cx="5485765" cy="4594225"/>
+          </a:xfrm>
+          <a:prstGeom prst="rect">
+            <a:avLst/>
+          </a:prstGeom>
+        </p:spPr>
+      </p:pic>
     </p:spTree>
   </p:cSld>
   <p:clrMapOvr>
     <a:masterClrMapping/>
   </p:clrMapOvr>
+  <p:transition>
+    <p:dissolve/>
+  </p:transition>
   <p:timing>
     <p:tnLst>
       <p:par>
-        <p:cTn id="1" dur="indefinite" restart="never" nodeType="tmRoot"/>
+        <p:cTn id="1" dur="indefinite" restart="never" nodeType="tmRoot">
+          <p:childTnLst>
+            <p:seq concurrent="1" nextAc="seek">
+              <p:cTn id="2" dur="indefinite" nodeType="mainSeq">
+                <p:childTnLst>
+                  <p:par>
+                    <p:cTn id="3" fill="hold">
+                      <p:stCondLst>
+                        <p:cond delay="indefinite"/>
+                      </p:stCondLst>
+                      <p:childTnLst>
+                        <p:par>
+                          <p:cTn id="4" fill="hold">
+                            <p:stCondLst>
+                              <p:cond delay="0"/>
+                            </p:stCondLst>
+                            <p:childTnLst>
+                              <p:par>
+                                <p:cTn id="5" presetID="2" presetClass="entr" presetSubtype="4" fill="hold" nodeType="clickEffect">
+                                  <p:stCondLst>
+                                    <p:cond delay="0"/>
+                                  </p:stCondLst>
+                                  <p:childTnLst>
+                                    <p:set>
+                                      <p:cBhvr>
+                                        <p:cTn id="6" dur="1" fill="hold">
+                                          <p:stCondLst>
+                                            <p:cond delay="0"/>
+                                          </p:stCondLst>
+                                        </p:cTn>
+                                        <p:tgtEl>
+                                          <p:spTgt spid="3"/>
+                                        </p:tgtEl>
+                                        <p:attrNameLst>
+                                          <p:attrName>style.visibility</p:attrName>
+                                        </p:attrNameLst>
+                                      </p:cBhvr>
+                                      <p:to>
+                                        <p:strVal val="visible"/>
+                                      </p:to>
+                                    </p:set>
+                                    <p:anim calcmode="lin" valueType="num">
+                                      <p:cBhvr additive="base">
+                                        <p:cTn id="7" dur="500" fill="hold"/>
+                                        <p:tgtEl>
+                                          <p:spTgt spid="3"/>
+                                        </p:tgtEl>
+                                        <p:attrNameLst>
+                                          <p:attrName>ppt_x</p:attrName>
+                                        </p:attrNameLst>
+                                      </p:cBhvr>
+                                      <p:tavLst>
+                                        <p:tav tm="0">
+                                          <p:val>
+                                            <p:strVal val="#ppt_x"/>
+                                          </p:val>
+                                        </p:tav>
+                                        <p:tav tm="100000">
+                                          <p:val>
+                                            <p:strVal val="#ppt_x"/>
+                                          </p:val>
+                                        </p:tav>
+                                      </p:tavLst>
+                                    </p:anim>
+                                    <p:anim calcmode="lin" valueType="num">
+                                      <p:cBhvr additive="base">
+                                        <p:cTn id="8" dur="500" fill="hold"/>
+                                        <p:tgtEl>
+                                          <p:spTgt spid="3"/>
+                                        </p:tgtEl>
+                                        <p:attrNameLst>
+                                          <p:attrName>ppt_y</p:attrName>
+                                        </p:attrNameLst>
+                                      </p:cBhvr>
+                                      <p:tavLst>
+                                        <p:tav tm="0">
+                                          <p:val>
+                                            <p:strVal val="1+#ppt_h/2"/>
+                                          </p:val>
+                                        </p:tav>
+                                        <p:tav tm="100000">
+                                          <p:val>
+                                            <p:strVal val="#ppt_y"/>
+                                          </p:val>
+                                        </p:tav>
+                                      </p:tavLst>
+                                    </p:anim>
+                                  </p:childTnLst>
+                                </p:cTn>
+                              </p:par>
+                            </p:childTnLst>
+                          </p:cTn>
+                        </p:par>
+                      </p:childTnLst>
+                    </p:cTn>
+                  </p:par>
+                </p:childTnLst>
+              </p:cTn>
+              <p:prevCondLst>
+                <p:cond evt="onPrev" delay="0">
+                  <p:tgtEl>
+                    <p:sldTgt/>
+                  </p:tgtEl>
+                </p:cond>
+              </p:prevCondLst>
+              <p:nextCondLst>
+                <p:cond evt="onNext" delay="0">
+                  <p:tgtEl>
+                    <p:sldTgt/>
+                  </p:tgtEl>
+                </p:cond>
+              </p:nextCondLst>
+            </p:seq>
+          </p:childTnLst>
+        </p:cTn>
       </p:par>
     </p:tnLst>
   </p:timing>
@@ -5654,7 +5798,7 @@
               <a:solidFill>
                 <a:srgbClr val="C4261D"/>
               </a:solidFill>
-              <a:sym typeface="Arial" panose="020B0604020202020204" pitchFamily="34" charset="0"/>
+              <a:sym typeface="Arial" pitchFamily="34" charset="0"/>
             </a:endParaRPr>
           </a:p>
         </p:txBody>
@@ -5724,7 +5868,7 @@
               <a:solidFill>
                 <a:srgbClr val="C4261D"/>
               </a:solidFill>
-              <a:sym typeface="Arial" panose="020B0604020202020204" pitchFamily="34" charset="0"/>
+              <a:sym typeface="Arial" pitchFamily="34" charset="0"/>
             </a:endParaRPr>
           </a:p>
         </p:txBody>
@@ -5794,7 +5938,7 @@
               <a:solidFill>
                 <a:srgbClr val="C4261D"/>
               </a:solidFill>
-              <a:sym typeface="Arial" panose="020B0604020202020204" pitchFamily="34" charset="0"/>
+              <a:sym typeface="Arial" pitchFamily="34" charset="0"/>
             </a:endParaRPr>
           </a:p>
         </p:txBody>
@@ -5994,7 +6138,7 @@
         <p:spPr>
           <a:xfrm>
             <a:off x="755650" y="1485265"/>
-            <a:ext cx="7884160" cy="3291840"/>
+            <a:ext cx="7884160" cy="3749040"/>
           </a:xfrm>
           <a:prstGeom prst="rect">
             <a:avLst/>
@@ -6008,7 +6152,7 @@
           <a:p>
             <a:pPr indent="457200" fontAlgn="auto">
               <a:lnSpc>
-                <a:spcPct val="150000"/>
+                <a:spcPct val="200000"/>
               </a:lnSpc>
             </a:pPr>
             <a:r>
@@ -6020,7 +6164,7 @@
           <a:p>
             <a:pPr marL="457200" indent="457200" fontAlgn="auto">
               <a:lnSpc>
-                <a:spcPct val="150000"/>
+                <a:spcPct val="200000"/>
               </a:lnSpc>
               <a:buAutoNum type="arabicPeriod"/>
             </a:pPr>
@@ -6033,7 +6177,7 @@
           <a:p>
             <a:pPr marL="457200" indent="457200" fontAlgn="auto">
               <a:lnSpc>
-                <a:spcPct val="150000"/>
+                <a:spcPct val="200000"/>
               </a:lnSpc>
               <a:buAutoNum type="arabicPeriod"/>
             </a:pPr>
@@ -6046,7 +6190,7 @@
           <a:p>
             <a:pPr marL="457200" indent="457200" fontAlgn="auto">
               <a:lnSpc>
-                <a:spcPct val="150000"/>
+                <a:spcPct val="200000"/>
               </a:lnSpc>
               <a:buAutoNum type="arabicPeriod"/>
             </a:pPr>
@@ -6054,21 +6198,12 @@
               <a:rPr lang="zh-CN" altLang="en-US" sz="2000"/>
               <a:t>认证流程中加入验证码校验</a:t>
             </a:r>
-            <a:endParaRPr lang="zh-CN" altLang="en-US" sz="2000"/>
-          </a:p>
-          <a:p>
-            <a:pPr marL="457200" indent="-457200" fontAlgn="auto">
-              <a:lnSpc>
-                <a:spcPct val="150000"/>
-              </a:lnSpc>
-              <a:buAutoNum type="arabicPeriod"/>
-            </a:pPr>
             <a:endParaRPr lang="en-US" altLang="zh-CN" sz="2000"/>
           </a:p>
           <a:p>
             <a:pPr indent="457200" fontAlgn="auto">
               <a:lnSpc>
-                <a:spcPct val="150000"/>
+                <a:spcPct val="200000"/>
               </a:lnSpc>
             </a:pPr>
             <a:r>
@@ -6120,7 +6255,7 @@
         <p:spPr>
           <a:xfrm>
             <a:off x="755650" y="1485265"/>
-            <a:ext cx="7884160" cy="2834640"/>
+            <a:ext cx="7884160" cy="3749040"/>
           </a:xfrm>
           <a:prstGeom prst="rect">
             <a:avLst/>
@@ -6134,7 +6269,7 @@
           <a:p>
             <a:pPr indent="457200" fontAlgn="auto">
               <a:lnSpc>
-                <a:spcPct val="150000"/>
+                <a:spcPct val="200000"/>
               </a:lnSpc>
             </a:pPr>
             <a:r>
@@ -6146,7 +6281,7 @@
           <a:p>
             <a:pPr indent="457200" fontAlgn="auto">
               <a:lnSpc>
-                <a:spcPct val="150000"/>
+                <a:spcPct val="200000"/>
               </a:lnSpc>
             </a:pPr>
             <a:r>
@@ -6313,7 +6448,7 @@
               <a:solidFill>
                 <a:srgbClr val="C4261D"/>
               </a:solidFill>
-              <a:sym typeface="Arial" panose="020B0604020202020204" pitchFamily="34" charset="0"/>
+              <a:sym typeface="Arial" pitchFamily="34" charset="0"/>
             </a:endParaRPr>
           </a:p>
         </p:txBody>
@@ -6383,7 +6518,7 @@
               <a:solidFill>
                 <a:srgbClr val="C4261D"/>
               </a:solidFill>
-              <a:sym typeface="Arial" panose="020B0604020202020204" pitchFamily="34" charset="0"/>
+              <a:sym typeface="Arial" pitchFamily="34" charset="0"/>
             </a:endParaRPr>
           </a:p>
         </p:txBody>
@@ -6453,7 +6588,7 @@
               <a:solidFill>
                 <a:srgbClr val="C4261D"/>
               </a:solidFill>
-              <a:sym typeface="Arial" panose="020B0604020202020204" pitchFamily="34" charset="0"/>
+              <a:sym typeface="Arial" pitchFamily="34" charset="0"/>
             </a:endParaRPr>
           </a:p>
         </p:txBody>
@@ -6788,7 +6923,121 @@
   <p:timing>
     <p:tnLst>
       <p:par>
-        <p:cTn id="1" dur="indefinite" restart="never" nodeType="tmRoot"/>
+        <p:cTn id="1" dur="indefinite" restart="never" nodeType="tmRoot">
+          <p:childTnLst>
+            <p:seq concurrent="1" nextAc="seek">
+              <p:cTn id="2" dur="indefinite" nodeType="mainSeq">
+                <p:childTnLst>
+                  <p:par>
+                    <p:cTn id="3" fill="hold">
+                      <p:stCondLst>
+                        <p:cond delay="indefinite"/>
+                      </p:stCondLst>
+                      <p:childTnLst>
+                        <p:par>
+                          <p:cTn id="4" fill="hold">
+                            <p:stCondLst>
+                              <p:cond delay="0"/>
+                            </p:stCondLst>
+                            <p:childTnLst>
+                              <p:par>
+                                <p:cTn id="5" presetID="2" presetClass="entr" presetSubtype="4" fill="hold" nodeType="clickEffect">
+                                  <p:stCondLst>
+                                    <p:cond delay="0"/>
+                                  </p:stCondLst>
+                                  <p:childTnLst>
+                                    <p:set>
+                                      <p:cBhvr>
+                                        <p:cTn id="6" dur="1" fill="hold">
+                                          <p:stCondLst>
+                                            <p:cond delay="0"/>
+                                          </p:stCondLst>
+                                        </p:cTn>
+                                        <p:tgtEl>
+                                          <p:spTgt spid="3"/>
+                                        </p:tgtEl>
+                                        <p:attrNameLst>
+                                          <p:attrName>style.visibility</p:attrName>
+                                        </p:attrNameLst>
+                                      </p:cBhvr>
+                                      <p:to>
+                                        <p:strVal val="visible"/>
+                                      </p:to>
+                                    </p:set>
+                                    <p:anim calcmode="lin" valueType="num">
+                                      <p:cBhvr additive="base">
+                                        <p:cTn id="7" dur="500" fill="hold"/>
+                                        <p:tgtEl>
+                                          <p:spTgt spid="3"/>
+                                        </p:tgtEl>
+                                        <p:attrNameLst>
+                                          <p:attrName>ppt_x</p:attrName>
+                                        </p:attrNameLst>
+                                      </p:cBhvr>
+                                      <p:tavLst>
+                                        <p:tav tm="0">
+                                          <p:val>
+                                            <p:strVal val="#ppt_x"/>
+                                          </p:val>
+                                        </p:tav>
+                                        <p:tav tm="100000">
+                                          <p:val>
+                                            <p:strVal val="#ppt_x"/>
+                                          </p:val>
+                                        </p:tav>
+                                      </p:tavLst>
+                                    </p:anim>
+                                    <p:anim calcmode="lin" valueType="num">
+                                      <p:cBhvr additive="base">
+                                        <p:cTn id="8" dur="500" fill="hold"/>
+                                        <p:tgtEl>
+                                          <p:spTgt spid="3"/>
+                                        </p:tgtEl>
+                                        <p:attrNameLst>
+                                          <p:attrName>ppt_y</p:attrName>
+                                        </p:attrNameLst>
+                                      </p:cBhvr>
+                                      <p:tavLst>
+                                        <p:tav tm="0">
+                                          <p:val>
+                                            <p:strVal val="1+#ppt_h/2"/>
+                                          </p:val>
+                                        </p:tav>
+                                        <p:tav tm="100000">
+                                          <p:val>
+                                            <p:strVal val="#ppt_y"/>
+                                          </p:val>
+                                        </p:tav>
+                                      </p:tavLst>
+                                    </p:anim>
+                                  </p:childTnLst>
+                                </p:cTn>
+                              </p:par>
+                            </p:childTnLst>
+                          </p:cTn>
+                        </p:par>
+                      </p:childTnLst>
+                    </p:cTn>
+                  </p:par>
+                </p:childTnLst>
+              </p:cTn>
+              <p:prevCondLst>
+                <p:cond evt="onPrev" delay="0">
+                  <p:tgtEl>
+                    <p:sldTgt/>
+                  </p:tgtEl>
+                </p:cond>
+              </p:prevCondLst>
+              <p:nextCondLst>
+                <p:cond evt="onNext" delay="0">
+                  <p:tgtEl>
+                    <p:sldTgt/>
+                  </p:tgtEl>
+                </p:cond>
+              </p:nextCondLst>
+            </p:seq>
+          </p:childTnLst>
+        </p:cTn>
       </p:par>
     </p:tnLst>
   </p:timing>
@@ -6935,7 +7184,7 @@
               <a:solidFill>
                 <a:srgbClr val="C4261D"/>
               </a:solidFill>
-              <a:sym typeface="Arial" panose="020B0604020202020204" pitchFamily="34" charset="0"/>
+              <a:sym typeface="Arial" pitchFamily="34" charset="0"/>
             </a:endParaRPr>
           </a:p>
         </p:txBody>
@@ -7005,7 +7254,7 @@
               <a:solidFill>
                 <a:srgbClr val="C4261D"/>
               </a:solidFill>
-              <a:sym typeface="Arial" panose="020B0604020202020204" pitchFamily="34" charset="0"/>
+              <a:sym typeface="Arial" pitchFamily="34" charset="0"/>
             </a:endParaRPr>
           </a:p>
         </p:txBody>
@@ -7075,7 +7324,7 @@
               <a:solidFill>
                 <a:srgbClr val="C4261D"/>
               </a:solidFill>
-              <a:sym typeface="Arial" panose="020B0604020202020204" pitchFamily="34" charset="0"/>
+              <a:sym typeface="Arial" pitchFamily="34" charset="0"/>
             </a:endParaRPr>
           </a:p>
         </p:txBody>
@@ -7275,7 +7524,7 @@
         <p:spPr>
           <a:xfrm>
             <a:off x="755650" y="1485265"/>
-            <a:ext cx="7884160" cy="2306955"/>
+            <a:ext cx="7884160" cy="3931920"/>
           </a:xfrm>
           <a:prstGeom prst="rect">
             <a:avLst/>
@@ -7289,32 +7538,57 @@
           <a:p>
             <a:pPr indent="457200" fontAlgn="auto">
               <a:lnSpc>
-                <a:spcPct val="150000"/>
+                <a:spcPct val="200000"/>
               </a:lnSpc>
             </a:pPr>
             <a:r>
-              <a:rPr lang="zh-CN" altLang="en-US" sz="1600"/>
+              <a:rPr lang="zh-CN" altLang="en-US">
+                <a:solidFill>
+                  <a:schemeClr val="tx1"/>
+                </a:solidFill>
+                <a:uFillTx/>
+              </a:rPr>
               <a:t>spring security默认的权限配置确只会在启动工程的时候初始化一次url权限配置。但是实际情况我们项目的权限会随时动态的更改，这样我们就需要重新启动项目以便新配置的权限生效。这样的处理显然不合理。当然spring是具有非常好的拓展性，我们就抓主spring的这个特性，模仿默认的认证方式来拓展我们需要的认证规则。</a:t>
             </a:r>
-            <a:endParaRPr lang="zh-CN" altLang="en-US" sz="1600"/>
+            <a:endParaRPr lang="zh-CN" altLang="en-US">
+              <a:solidFill>
+                <a:schemeClr val="tx1"/>
+              </a:solidFill>
+              <a:uFillTx/>
+            </a:endParaRPr>
           </a:p>
           <a:p>
             <a:pPr indent="457200" fontAlgn="auto">
               <a:lnSpc>
-                <a:spcPct val="150000"/>
+                <a:spcPct val="200000"/>
               </a:lnSpc>
             </a:pPr>
             <a:r>
-              <a:rPr lang="zh-CN" altLang="en-US" sz="1600"/>
+              <a:rPr lang="zh-CN" altLang="en-US">
+                <a:solidFill>
+                  <a:schemeClr val="tx1"/>
+                </a:solidFill>
+                <a:uFillTx/>
+              </a:rPr>
               <a:t>在spring security的官方文档的Spring Security FAQ里有这么一个问题解答</a:t>
             </a:r>
             <a:r>
-              <a:rPr lang="zh-CN" altLang="en-US" sz="1600">
-                <a:hlinkClick r:id="rId1" tooltip="" action="ppaction://hlinkfile"/>
+              <a:rPr lang="zh-CN" altLang="en-US">
+                <a:solidFill>
+                  <a:schemeClr val="tx1"/>
+                </a:solidFill>
+                <a:uFillTx/>
+                <a:hlinkClick r:id="rId1" action="ppaction://hlinkfile"/>
               </a:rPr>
               <a:t>44.4.6. How do I define the secured URLs within an application dynamically?</a:t>
             </a:r>
-            <a:endParaRPr lang="zh-CN" altLang="en-US" sz="1600"/>
+            <a:endParaRPr lang="zh-CN" altLang="en-US">
+              <a:solidFill>
+                <a:schemeClr val="tx1"/>
+              </a:solidFill>
+              <a:uFillTx/>
+              <a:hlinkClick r:id="rId1" action="ppaction://hlinkfile"/>
+            </a:endParaRPr>
           </a:p>
         </p:txBody>
       </p:sp>
@@ -7428,7 +7702,7 @@
               <a:solidFill>
                 <a:srgbClr val="C4261D"/>
               </a:solidFill>
-              <a:sym typeface="Arial" panose="020B0604020202020204" pitchFamily="34" charset="0"/>
+              <a:sym typeface="Arial" pitchFamily="34" charset="0"/>
             </a:endParaRPr>
           </a:p>
         </p:txBody>
@@ -7596,7 +7870,7 @@
                 <a:solidFill>
                   <a:srgbClr val="C4261D"/>
                 </a:solidFill>
-                <a:sym typeface="Arial" panose="020B0604020202020204" pitchFamily="34" charset="0"/>
+                <a:sym typeface="Arial" pitchFamily="34" charset="0"/>
               </a:endParaRPr>
             </a:p>
           </p:txBody>
@@ -7846,7 +8120,7 @@
                 <a:solidFill>
                   <a:srgbClr val="C4261D"/>
                 </a:solidFill>
-                <a:sym typeface="Arial" panose="020B0604020202020204" pitchFamily="34" charset="0"/>
+                <a:sym typeface="Arial" pitchFamily="34" charset="0"/>
               </a:endParaRPr>
             </a:p>
           </p:txBody>
@@ -7884,7 +8158,7 @@
               <a:solidFill>
                 <a:srgbClr val="C4261D"/>
               </a:solidFill>
-              <a:sym typeface="Arial" panose="020B0604020202020204" pitchFamily="34" charset="0"/>
+              <a:sym typeface="Arial" pitchFamily="34" charset="0"/>
             </a:endParaRPr>
           </a:p>
         </p:txBody>
@@ -8102,7 +8376,7 @@
                 <a:solidFill>
                   <a:srgbClr val="C4261D"/>
                 </a:solidFill>
-                <a:sym typeface="Arial" panose="020B0604020202020204" pitchFamily="34" charset="0"/>
+                <a:sym typeface="Arial" pitchFamily="34" charset="0"/>
               </a:endParaRPr>
             </a:p>
           </p:txBody>
@@ -8352,7 +8626,7 @@
                 <a:solidFill>
                   <a:srgbClr val="C4261D"/>
                 </a:solidFill>
-                <a:sym typeface="Arial" panose="020B0604020202020204" pitchFamily="34" charset="0"/>
+                <a:sym typeface="Arial" pitchFamily="34" charset="0"/>
               </a:endParaRPr>
             </a:p>
           </p:txBody>
@@ -8390,7 +8664,7 @@
               <a:solidFill>
                 <a:srgbClr val="C4261D"/>
               </a:solidFill>
-              <a:sym typeface="Arial" panose="020B0604020202020204" pitchFamily="34" charset="0"/>
+              <a:sym typeface="Arial" pitchFamily="34" charset="0"/>
             </a:endParaRPr>
           </a:p>
         </p:txBody>
@@ -8608,7 +8882,7 @@
                 <a:solidFill>
                   <a:srgbClr val="C4261D"/>
                 </a:solidFill>
-                <a:sym typeface="Arial" panose="020B0604020202020204" pitchFamily="34" charset="0"/>
+                <a:sym typeface="Arial" pitchFamily="34" charset="0"/>
               </a:endParaRPr>
             </a:p>
           </p:txBody>
@@ -8858,7 +9132,7 @@
                 <a:solidFill>
                   <a:srgbClr val="C4261D"/>
                 </a:solidFill>
-                <a:sym typeface="Arial" panose="020B0604020202020204" pitchFamily="34" charset="0"/>
+                <a:sym typeface="Arial" pitchFamily="34" charset="0"/>
               </a:endParaRPr>
             </a:p>
           </p:txBody>
@@ -8896,7 +9170,7 @@
               <a:solidFill>
                 <a:srgbClr val="C4261D"/>
               </a:solidFill>
-              <a:sym typeface="Arial" panose="020B0604020202020204" pitchFamily="34" charset="0"/>
+              <a:sym typeface="Arial" pitchFamily="34" charset="0"/>
             </a:endParaRPr>
           </a:p>
         </p:txBody>
@@ -9023,7 +9297,7 @@
               <a:solidFill>
                 <a:srgbClr val="C4261D"/>
               </a:solidFill>
-              <a:sym typeface="Arial" panose="020B0604020202020204" pitchFamily="34" charset="0"/>
+              <a:sym typeface="Arial" pitchFamily="34" charset="0"/>
             </a:endParaRPr>
           </a:p>
         </p:txBody>
@@ -9093,7 +9367,7 @@
               <a:solidFill>
                 <a:srgbClr val="C4261D"/>
               </a:solidFill>
-              <a:sym typeface="Arial" panose="020B0604020202020204" pitchFamily="34" charset="0"/>
+              <a:sym typeface="Arial" pitchFamily="34" charset="0"/>
             </a:endParaRPr>
           </a:p>
         </p:txBody>
@@ -9144,7 +9418,7 @@
                 <a:solidFill>
                   <a:srgbClr val="C4261D"/>
                 </a:solidFill>
-                <a:sym typeface="Arial" panose="020B0604020202020204" pitchFamily="34" charset="0"/>
+                <a:sym typeface="Arial" pitchFamily="34" charset="0"/>
               </a:endParaRPr>
             </a:p>
           </p:txBody>
@@ -9184,7 +9458,7 @@
                 <a:solidFill>
                   <a:srgbClr val="C4261D"/>
                 </a:solidFill>
-                <a:sym typeface="Arial" panose="020B0604020202020204" pitchFamily="34" charset="0"/>
+                <a:sym typeface="Arial" pitchFamily="34" charset="0"/>
               </a:endParaRPr>
             </a:p>
           </p:txBody>
@@ -10004,7 +10278,7 @@
               <a:solidFill>
                 <a:srgbClr val="C4261D"/>
               </a:solidFill>
-              <a:sym typeface="Arial" panose="020B0604020202020204" pitchFamily="34" charset="0"/>
+              <a:sym typeface="Arial" pitchFamily="34" charset="0"/>
             </a:endParaRPr>
           </a:p>
         </p:txBody>
@@ -10175,7 +10449,7 @@
               <a:solidFill>
                 <a:srgbClr val="C4261D"/>
               </a:solidFill>
-              <a:sym typeface="Arial" panose="020B0604020202020204" pitchFamily="34" charset="0"/>
+              <a:sym typeface="Arial" pitchFamily="34" charset="0"/>
             </a:endParaRPr>
           </a:p>
         </p:txBody>
@@ -10343,7 +10617,7 @@
                 <a:solidFill>
                   <a:srgbClr val="C4261D"/>
                 </a:solidFill>
-                <a:sym typeface="Arial" panose="020B0604020202020204" pitchFamily="34" charset="0"/>
+                <a:sym typeface="Arial" pitchFamily="34" charset="0"/>
               </a:endParaRPr>
             </a:p>
           </p:txBody>
@@ -10593,7 +10867,7 @@
                 <a:solidFill>
                   <a:srgbClr val="C4261D"/>
                 </a:solidFill>
-                <a:sym typeface="Arial" panose="020B0604020202020204" pitchFamily="34" charset="0"/>
+                <a:sym typeface="Arial" pitchFamily="34" charset="0"/>
               </a:endParaRPr>
             </a:p>
           </p:txBody>
@@ -10631,7 +10905,7 @@
               <a:solidFill>
                 <a:srgbClr val="C4261D"/>
               </a:solidFill>
-              <a:sym typeface="Arial" panose="020B0604020202020204" pitchFamily="34" charset="0"/>
+              <a:sym typeface="Arial" pitchFamily="34" charset="0"/>
             </a:endParaRPr>
           </a:p>
         </p:txBody>
@@ -12284,7 +12558,7 @@
         <p:spPr>
           <a:xfrm>
             <a:off x="1146175" y="1582420"/>
-            <a:ext cx="7097395" cy="1198880"/>
+            <a:ext cx="7097395" cy="2286000"/>
           </a:xfrm>
           <a:prstGeom prst="rect">
             <a:avLst/>
@@ -12296,17 +12570,27 @@
             <a:spAutoFit/>
           </a:bodyPr>
           <a:p>
-            <a:pPr indent="457200" algn="l">
+            <a:pPr indent="457200" algn="l" fontAlgn="auto">
               <a:lnSpc>
-                <a:spcPct val="150000"/>
+                <a:spcPct val="200000"/>
               </a:lnSpc>
               <a:buNone/>
             </a:pPr>
             <a:r>
-              <a:rPr lang="zh-CN" altLang="en-US" sz="1600"/>
+              <a:rPr lang="zh-CN" altLang="en-US">
+                <a:solidFill>
+                  <a:schemeClr val="tx1"/>
+                </a:solidFill>
+                <a:uFillTx/>
+              </a:rPr>
               <a:t>权限资源 SecurityMetadataSource要实现动态的权限验证，当然要先有对应的访问权限资源了。Spring Security是通过SecurityMetadataSource来加载访问时所需要的具体权限，所以第一步需要实现SecurityMetadataSource。</a:t>
             </a:r>
-            <a:endParaRPr lang="zh-CN" altLang="en-US" sz="1600"/>
+            <a:endParaRPr lang="zh-CN" altLang="en-US">
+              <a:solidFill>
+                <a:schemeClr val="tx1"/>
+              </a:solidFill>
+              <a:uFillTx/>
+            </a:endParaRPr>
           </a:p>
         </p:txBody>
       </p:sp>
@@ -12348,46 +12632,85 @@
         <p:spPr/>
         <p:txBody>
           <a:bodyPr>
-            <a:normAutofit lnSpcReduction="20000"/>
+            <a:normAutofit/>
           </a:bodyPr>
           <a:p>
-            <a:pPr marL="0" indent="457200" algn="l">
+            <a:pPr marL="0" indent="457200" algn="l" fontAlgn="auto">
               <a:lnSpc>
-                <a:spcPct val="150000"/>
+                <a:spcPct val="200000"/>
               </a:lnSpc>
+              <a:spcBef>
+                <a:spcPts val="0"/>
+              </a:spcBef>
               <a:buNone/>
             </a:pPr>
             <a:r>
-              <a:rPr lang="zh-CN" altLang="en-US" sz="1600"/>
+              <a:rPr lang="zh-CN" altLang="en-US" sz="1800">
+                <a:solidFill>
+                  <a:schemeClr val="tx1"/>
+                </a:solidFill>
+                <a:uFillTx/>
+              </a:rPr>
               <a:t>权限决策 AccessDecisionManager</a:t>
             </a:r>
-            <a:endParaRPr lang="zh-CN" altLang="en-US" sz="1600"/>
-          </a:p>
-          <a:p>
-            <a:pPr marL="0" indent="457200" algn="l">
+            <a:endParaRPr lang="zh-CN" altLang="en-US" sz="1800">
+              <a:solidFill>
+                <a:schemeClr val="tx1"/>
+              </a:solidFill>
+              <a:uFillTx/>
+            </a:endParaRPr>
+          </a:p>
+          <a:p>
+            <a:pPr marL="0" indent="457200" algn="l" fontAlgn="auto">
               <a:lnSpc>
-                <a:spcPct val="150000"/>
+                <a:spcPct val="200000"/>
               </a:lnSpc>
+              <a:spcBef>
+                <a:spcPts val="0"/>
+              </a:spcBef>
               <a:buNone/>
             </a:pPr>
             <a:r>
-              <a:rPr lang="zh-CN" altLang="en-US" sz="1600"/>
+              <a:rPr lang="zh-CN" altLang="en-US" sz="1800">
+                <a:solidFill>
+                  <a:schemeClr val="tx1"/>
+                </a:solidFill>
+                <a:uFillTx/>
+              </a:rPr>
               <a:t>有了权限资源，知道了当前访问的url需要的具体权限，接下来就是决策当前的访问是否能通过权限验证了。</a:t>
             </a:r>
-            <a:endParaRPr lang="zh-CN" altLang="en-US" sz="1600"/>
-          </a:p>
-          <a:p>
-            <a:pPr marL="0" indent="457200" algn="l">
+            <a:endParaRPr lang="zh-CN" altLang="en-US" sz="1800">
+              <a:solidFill>
+                <a:schemeClr val="tx1"/>
+              </a:solidFill>
+              <a:uFillTx/>
+            </a:endParaRPr>
+          </a:p>
+          <a:p>
+            <a:pPr marL="0" indent="457200" algn="l" fontAlgn="auto">
               <a:lnSpc>
-                <a:spcPct val="150000"/>
+                <a:spcPct val="200000"/>
               </a:lnSpc>
+              <a:spcBef>
+                <a:spcPts val="0"/>
+              </a:spcBef>
               <a:buNone/>
             </a:pPr>
             <a:r>
-              <a:rPr lang="zh-CN" altLang="en-US" sz="1600"/>
-              <a:t>这需要通过实现自定义的AccessDecisionManager来实现。Spring Security内置的几个AccessDecisionManager就不讲了，在web项目中基本用不到。</a:t>
+              <a:rPr lang="zh-CN" altLang="en-US" sz="1800">
+                <a:solidFill>
+                  <a:schemeClr val="tx1"/>
+                </a:solidFill>
+                <a:uFillTx/>
+              </a:rPr>
+              <a:t>这需要通过实现自定义的AccessDecisionManager来实现。</a:t>
             </a:r>
-            <a:endParaRPr lang="zh-CN" altLang="en-US" sz="1600"/>
+            <a:endParaRPr lang="zh-CN" altLang="en-US" sz="1800">
+              <a:solidFill>
+                <a:schemeClr val="tx1"/>
+              </a:solidFill>
+              <a:uFillTx/>
+            </a:endParaRPr>
           </a:p>
         </p:txBody>
       </p:sp>
@@ -12539,7 +12862,7 @@
               <a:solidFill>
                 <a:srgbClr val="C4261D"/>
               </a:solidFill>
-              <a:sym typeface="Arial" panose="020B0604020202020204" pitchFamily="34" charset="0"/>
+              <a:sym typeface="Arial" pitchFamily="34" charset="0"/>
             </a:endParaRPr>
           </a:p>
         </p:txBody>
@@ -12609,7 +12932,7 @@
               <a:solidFill>
                 <a:srgbClr val="C4261D"/>
               </a:solidFill>
-              <a:sym typeface="Arial" panose="020B0604020202020204" pitchFamily="34" charset="0"/>
+              <a:sym typeface="Arial" pitchFamily="34" charset="0"/>
             </a:endParaRPr>
           </a:p>
         </p:txBody>
@@ -12679,7 +13002,7 @@
               <a:solidFill>
                 <a:srgbClr val="C4261D"/>
               </a:solidFill>
-              <a:sym typeface="Arial" panose="020B0604020202020204" pitchFamily="34" charset="0"/>
+              <a:sym typeface="Arial" pitchFamily="34" charset="0"/>
             </a:endParaRPr>
           </a:p>
         </p:txBody>
@@ -12863,27 +13186,9 @@
         <p:nvPr/>
       </p:nvGrpSpPr>
       <p:grpSpPr/>
-      <p:sp>
-        <p:nvSpPr>
-          <p:cNvPr id="2" name="标题 1"/>
-          <p:cNvSpPr>
-            <a:spLocks noGrp="1"/>
-          </p:cNvSpPr>
-          <p:nvPr>
-            <p:ph type="title"/>
-          </p:nvPr>
-        </p:nvSpPr>
-        <p:spPr/>
-        <p:txBody>
-          <a:bodyPr/>
-          <a:p>
-            <a:endParaRPr lang="zh-CN" altLang="en-US"/>
-          </a:p>
-        </p:txBody>
-      </p:sp>
       <p:pic>
         <p:nvPicPr>
-          <p:cNvPr id="4" name="内容占位符 3" descr="OAuth2-Sequence"/>
+          <p:cNvPr id="5" name="内容占位符 4" descr="2018052712214815"/>
           <p:cNvPicPr>
             <a:picLocks noChangeAspect="1"/>
           </p:cNvPicPr>
@@ -12899,8 +13204,8 @@
         </p:blipFill>
         <p:spPr>
           <a:xfrm>
-            <a:off x="2195830" y="1600200"/>
-            <a:ext cx="4751705" cy="4526280"/>
+            <a:off x="539750" y="1269365"/>
+            <a:ext cx="8229600" cy="3935730"/>
           </a:xfrm>
           <a:prstGeom prst="rect">
             <a:avLst/>
@@ -12927,24 +13232,6 @@
       <p:grpSpPr/>
       <p:sp>
         <p:nvSpPr>
-          <p:cNvPr id="2" name="标题 1"/>
-          <p:cNvSpPr>
-            <a:spLocks noGrp="1"/>
-          </p:cNvSpPr>
-          <p:nvPr>
-            <p:ph type="title"/>
-          </p:nvPr>
-        </p:nvSpPr>
-        <p:spPr/>
-        <p:txBody>
-          <a:bodyPr/>
-          <a:p>
-            <a:endParaRPr lang="zh-CN" altLang="en-US"/>
-          </a:p>
-        </p:txBody>
-      </p:sp>
-      <p:sp>
-        <p:nvSpPr>
           <p:cNvPr id="3" name="内容占位符 2"/>
           <p:cNvSpPr>
             <a:spLocks noGrp="1"/>
@@ -12957,11 +13244,24 @@
         <p:txBody>
           <a:bodyPr/>
           <a:p>
+            <a:pPr marL="0" indent="457200" algn="l" fontAlgn="auto">
+              <a:lnSpc>
+                <a:spcPct val="200000"/>
+              </a:lnSpc>
+              <a:spcBef>
+                <a:spcPts val="0"/>
+              </a:spcBef>
+              <a:buNone/>
+            </a:pPr>
             <a:r>
-              <a:rPr lang="zh-CN" altLang="en-US"/>
+              <a:rPr lang="zh-CN" altLang="en-US" sz="1800">
+                <a:uFillTx/>
+              </a:rPr>
               <a:t>SpringSocial是基于SpringSecurity框架的，他其实就是往SpringSecurity的过滤器链中添加了自己的过滤器，并使其生效，所以，SpringSecurity的基本原理在SpringSocial中也适用，只不过他SpringSocial中有一些特定的实现</a:t>
             </a:r>
-            <a:endParaRPr lang="zh-CN" altLang="en-US"/>
+            <a:endParaRPr lang="zh-CN" altLang="en-US" sz="1800">
+              <a:uFillTx/>
+            </a:endParaRPr>
           </a:p>
         </p:txBody>
       </p:sp>
@@ -12983,42 +13283,58 @@
         <p:nvPr/>
       </p:nvGrpSpPr>
       <p:grpSpPr/>
+      <p:pic>
+        <p:nvPicPr>
+          <p:cNvPr id="4" name="图片 3" descr="2018052712211172"/>
+          <p:cNvPicPr>
+            <a:picLocks noChangeAspect="1"/>
+          </p:cNvPicPr>
+          <p:nvPr/>
+        </p:nvPicPr>
+        <p:blipFill>
+          <a:blip r:embed="rId1"/>
+          <a:stretch>
+            <a:fillRect/>
+          </a:stretch>
+        </p:blipFill>
+        <p:spPr>
+          <a:xfrm>
+            <a:off x="683260" y="405130"/>
+            <a:ext cx="8197850" cy="4069715"/>
+          </a:xfrm>
+          <a:prstGeom prst="rect">
+            <a:avLst/>
+          </a:prstGeom>
+        </p:spPr>
+      </p:pic>
       <p:sp>
         <p:nvSpPr>
-          <p:cNvPr id="2" name="标题 1"/>
-          <p:cNvSpPr>
-            <a:spLocks noGrp="1"/>
-          </p:cNvSpPr>
-          <p:nvPr>
-            <p:ph type="title"/>
-          </p:nvPr>
+          <p:cNvPr id="5" name="文本框 4"/>
+          <p:cNvSpPr txBox="1"/>
+          <p:nvPr/>
         </p:nvSpPr>
-        <p:spPr/>
+        <p:spPr>
+          <a:xfrm>
+            <a:off x="683260" y="4509135"/>
+            <a:ext cx="8120380" cy="1465580"/>
+          </a:xfrm>
+          <a:prstGeom prst="rect">
+            <a:avLst/>
+          </a:prstGeom>
+          <a:noFill/>
+        </p:spPr>
         <p:txBody>
-          <a:bodyPr/>
-          <a:p>
-            <a:endParaRPr lang="zh-CN" altLang="en-US"/>
-          </a:p>
-        </p:txBody>
-      </p:sp>
-      <p:sp>
-        <p:nvSpPr>
-          <p:cNvPr id="3" name="内容占位符 2"/>
-          <p:cNvSpPr>
-            <a:spLocks noGrp="1"/>
-          </p:cNvSpPr>
-          <p:nvPr>
-            <p:ph idx="1"/>
-          </p:nvPr>
-        </p:nvSpPr>
-        <p:spPr/>
-        <p:txBody>
-          <a:bodyPr/>
+          <a:bodyPr wrap="square" rtlCol="0" anchor="t">
+            <a:spAutoFit/>
+          </a:bodyPr>
           <a:p>
             <a:r>
               <a:rPr lang="zh-CN" altLang="en-US"/>
-              <a:t>Connection ：为统一管理各式各样的第三方用户信息,SpringSocial使用Connection接口用来存储用户第三方用户信息的标准的数据结构，他是由ConnectionFacotory的工厂方法创建的</a:t>
+              <a:t>先写API获取用户的实现–&gt;OAuth2Operations–&gt;ServiceProvider–&gt;ApiAdapter和ServiceProvider–&gt;ConnectionFactory(通过调Connection获取用户信息)–&gt;Connection和UsersConnectionRepository(在Spring中配置即可)–&gt;调DBUserConnection(即数据库去拿到用户信息)</a:t>
             </a:r>
+            <a:endParaRPr lang="zh-CN" altLang="en-US"/>
+          </a:p>
+          <a:p>
             <a:endParaRPr lang="zh-CN" altLang="en-US"/>
           </a:p>
         </p:txBody>
@@ -13043,24 +13359,6 @@
       <p:grpSpPr/>
       <p:sp>
         <p:nvSpPr>
-          <p:cNvPr id="2" name="标题 1"/>
-          <p:cNvSpPr>
-            <a:spLocks noGrp="1"/>
-          </p:cNvSpPr>
-          <p:nvPr>
-            <p:ph type="title"/>
-          </p:nvPr>
-        </p:nvSpPr>
-        <p:spPr/>
-        <p:txBody>
-          <a:bodyPr/>
-          <a:p>
-            <a:endParaRPr lang="zh-CN" altLang="en-US"/>
-          </a:p>
-        </p:txBody>
-      </p:sp>
-      <p:sp>
-        <p:nvSpPr>
           <p:cNvPr id="3" name="内容占位符 2"/>
           <p:cNvSpPr>
             <a:spLocks noGrp="1"/>
@@ -13073,11 +13371,84 @@
         <p:txBody>
           <a:bodyPr/>
           <a:p>
+            <a:pPr marL="0" indent="457200" algn="l">
+              <a:lnSpc>
+                <a:spcPct val="200000"/>
+              </a:lnSpc>
+              <a:spcBef>
+                <a:spcPts val="0"/>
+              </a:spcBef>
+              <a:buNone/>
+            </a:pPr>
             <a:r>
-              <a:rPr lang="zh-CN" altLang="en-US"/>
+              <a:rPr lang="zh-CN" altLang="en-US" sz="1800">
+                <a:uFillTx/>
+              </a:rPr>
+              <a:t>Connection ：为统一管理各式各样的第三方用户信息,SpringSocial使用Connection接口用来存储用户第三方用户信息的标准的数据结构，他是由ConnectionFacotory的工厂方法创建的</a:t>
+            </a:r>
+            <a:r>
+              <a:rPr lang="en-US" altLang="zh-CN" sz="1800">
+                <a:uFillTx/>
+              </a:rPr>
+              <a:t>.</a:t>
+            </a:r>
+            <a:endParaRPr lang="en-US" altLang="zh-CN" sz="1800">
+              <a:uFillTx/>
+            </a:endParaRPr>
+          </a:p>
+          <a:p>
+            <a:pPr marL="0" indent="457200" algn="l">
+              <a:lnSpc>
+                <a:spcPct val="200000"/>
+              </a:lnSpc>
+              <a:spcBef>
+                <a:spcPts val="0"/>
+              </a:spcBef>
+              <a:buNone/>
+            </a:pPr>
+            <a:r>
+              <a:rPr lang="zh-CN" altLang="en-US" sz="1800">
+                <a:uFillTx/>
+                <a:sym typeface="+mn-ea"/>
+              </a:rPr>
               <a:t>ConnectionFacotory：提供工厂方法用来创建Connection对象，需提供两个核心组件</a:t>
             </a:r>
-            <a:endParaRPr lang="zh-CN" altLang="en-US"/>
+            <a:r>
+              <a:rPr lang="en-US" altLang="zh-CN" sz="1800">
+                <a:uFillTx/>
+              </a:rPr>
+              <a:t>.</a:t>
+            </a:r>
+            <a:endParaRPr lang="en-US" altLang="zh-CN" sz="1800">
+              <a:uFillTx/>
+            </a:endParaRPr>
+          </a:p>
+          <a:p>
+            <a:pPr marL="0" indent="457200" algn="l">
+              <a:lnSpc>
+                <a:spcPct val="200000"/>
+              </a:lnSpc>
+              <a:spcBef>
+                <a:spcPts val="0"/>
+              </a:spcBef>
+              <a:buNone/>
+            </a:pPr>
+            <a:r>
+              <a:rPr lang="zh-CN" altLang="en-US" sz="1800">
+                <a:sym typeface="+mn-ea"/>
+              </a:rPr>
+              <a:t> </a:t>
+            </a:r>
+            <a:r>
+              <a:rPr lang="zh-CN" altLang="en-US" sz="1800">
+                <a:uFillTx/>
+                <a:sym typeface="+mn-ea"/>
+              </a:rPr>
+              <a:t>ApiAdater ：用来将Api接口获得的用户信息适配成标准的第三方信息Connection对象</a:t>
+            </a:r>
+            <a:endParaRPr lang="en-US" altLang="zh-CN" sz="1800">
+              <a:uFillTx/>
+            </a:endParaRPr>
           </a:p>
         </p:txBody>
       </p:sp>
@@ -13101,24 +13472,6 @@
       <p:grpSpPr/>
       <p:sp>
         <p:nvSpPr>
-          <p:cNvPr id="2" name="标题 1"/>
-          <p:cNvSpPr>
-            <a:spLocks noGrp="1"/>
-          </p:cNvSpPr>
-          <p:nvPr>
-            <p:ph type="title"/>
-          </p:nvPr>
-        </p:nvSpPr>
-        <p:spPr/>
-        <p:txBody>
-          <a:bodyPr/>
-          <a:p>
-            <a:endParaRPr lang="zh-CN" altLang="en-US"/>
-          </a:p>
-        </p:txBody>
-      </p:sp>
-      <p:sp>
-        <p:nvSpPr>
           <p:cNvPr id="3" name="内容占位符 2"/>
           <p:cNvSpPr>
             <a:spLocks noGrp="1"/>
@@ -13130,37 +13483,81 @@
         <p:spPr/>
         <p:txBody>
           <a:bodyPr>
-            <a:normAutofit fontScale="60000"/>
+            <a:normAutofit fontScale="80000"/>
           </a:bodyPr>
           <a:p>
+            <a:pPr marL="0" indent="457200" algn="l">
+              <a:lnSpc>
+                <a:spcPct val="200000"/>
+              </a:lnSpc>
+              <a:spcBef>
+                <a:spcPts val="0"/>
+              </a:spcBef>
+              <a:buNone/>
+            </a:pPr>
             <a:r>
-              <a:rPr lang="zh-CN" altLang="en-US"/>
+              <a:rPr lang="zh-CN" altLang="en-US" sz="1800">
+                <a:uFillTx/>
+              </a:rPr>
               <a:t>ServiceProvider 用来获取第三方用户信息 ，每种登录方式都要提供该登录方式特有的ServiceProvider的实现，需要提供两个组件 </a:t>
             </a:r>
-            <a:endParaRPr lang="zh-CN" altLang="en-US"/>
-          </a:p>
-          <a:p>
-            <a:endParaRPr lang="zh-CN" altLang="en-US"/>
-          </a:p>
-          <a:p>
+            <a:endParaRPr lang="zh-CN" altLang="en-US" sz="1800">
+              <a:uFillTx/>
+            </a:endParaRPr>
+          </a:p>
+          <a:p>
+            <a:pPr marL="0" indent="457200" algn="l">
+              <a:lnSpc>
+                <a:spcPct val="200000"/>
+              </a:lnSpc>
+              <a:spcBef>
+                <a:spcPts val="0"/>
+              </a:spcBef>
+              <a:buNone/>
+            </a:pPr>
             <a:r>
-              <a:rPr lang="zh-CN" altLang="en-US"/>
+              <a:rPr lang="zh-CN" altLang="en-US" sz="1800">
+                <a:uFillTx/>
+              </a:rPr>
               <a:t>      （一）、Oauth2Template  用来走整个Oauth流程获取accessToken,SpringSocial封装accessToken的对象为AccessGrant ,他封装了Oauth2协议请求令牌时的标准的返回如令牌，刷新令牌，超时时间等。对Oauth2协议不太了解的可以先去了解Oauth2的基本概念，这里不做赘述。</a:t>
             </a:r>
-            <a:endParaRPr lang="zh-CN" altLang="en-US"/>
-          </a:p>
-          <a:p>
-            <a:endParaRPr lang="zh-CN" altLang="en-US"/>
-          </a:p>
-          <a:p>
+            <a:endParaRPr lang="zh-CN" altLang="en-US" sz="1800">
+              <a:uFillTx/>
+            </a:endParaRPr>
+          </a:p>
+          <a:p>
+            <a:pPr marL="0" indent="457200" algn="l">
+              <a:lnSpc>
+                <a:spcPct val="200000"/>
+              </a:lnSpc>
+              <a:spcBef>
+                <a:spcPts val="0"/>
+              </a:spcBef>
+              <a:buNone/>
+            </a:pPr>
             <a:r>
-              <a:rPr lang="zh-CN" altLang="en-US"/>
+              <a:rPr lang="zh-CN" altLang="en-US" sz="1800">
+                <a:uFillTx/>
+              </a:rPr>
               <a:t>         (二)、  Api ：拿Oauth2Template获得的accessToken,和一些必备参数,如openId（用户在服务提供商的id,在QQ登录中需要通过accessToken去获取，而微信在返回accessToken时就返回用户在微信的openId了）等去第三方应用获取用户信息。需要根据不同的登录方式提供自己的Api并实现获取用户信息的接口。</a:t>
             </a:r>
-            <a:endParaRPr lang="zh-CN" altLang="en-US"/>
-          </a:p>
-          <a:p>
-            <a:endParaRPr lang="zh-CN" altLang="en-US"/>
+            <a:endParaRPr lang="zh-CN" altLang="en-US" sz="1800">
+              <a:uFillTx/>
+            </a:endParaRPr>
+          </a:p>
+          <a:p>
+            <a:pPr marL="0" indent="457200" algn="l">
+              <a:lnSpc>
+                <a:spcPct val="200000"/>
+              </a:lnSpc>
+              <a:spcBef>
+                <a:spcPts val="0"/>
+              </a:spcBef>
+              <a:buNone/>
+            </a:pPr>
+            <a:endParaRPr lang="zh-CN" altLang="en-US" sz="1800">
+              <a:uFillTx/>
+            </a:endParaRPr>
           </a:p>
         </p:txBody>
       </p:sp>
@@ -13182,49 +13579,30 @@
         <p:nvPr/>
       </p:nvGrpSpPr>
       <p:grpSpPr/>
-      <p:sp>
-        <p:nvSpPr>
-          <p:cNvPr id="2" name="标题 1"/>
-          <p:cNvSpPr>
-            <a:spLocks noGrp="1"/>
-          </p:cNvSpPr>
-          <p:nvPr>
-            <p:ph type="title"/>
-          </p:nvPr>
-        </p:nvSpPr>
-        <p:spPr/>
-        <p:txBody>
-          <a:bodyPr/>
-          <a:p>
-            <a:endParaRPr lang="zh-CN" altLang="en-US"/>
-          </a:p>
-        </p:txBody>
-      </p:sp>
-      <p:sp>
-        <p:nvSpPr>
-          <p:cNvPr id="3" name="内容占位符 2"/>
-          <p:cNvSpPr>
-            <a:spLocks noGrp="1"/>
-          </p:cNvSpPr>
-          <p:nvPr>
-            <p:ph idx="1"/>
-          </p:nvPr>
-        </p:nvSpPr>
-        <p:spPr/>
-        <p:txBody>
-          <a:bodyPr/>
-          <a:p>
-            <a:r>
-              <a:rPr lang="zh-CN" altLang="en-US"/>
-              <a:t> ApiAdater ：用来将Api接口获得的用户信息适配成标准的第三方信息Connection对象</a:t>
-            </a:r>
-            <a:endParaRPr lang="zh-CN" altLang="en-US"/>
-          </a:p>
-          <a:p>
-            <a:endParaRPr lang="zh-CN" altLang="en-US"/>
-          </a:p>
-        </p:txBody>
-      </p:sp>
+      <p:pic>
+        <p:nvPicPr>
+          <p:cNvPr id="5" name="图片 4" descr="2018052712223336"/>
+          <p:cNvPicPr>
+            <a:picLocks noChangeAspect="1"/>
+          </p:cNvPicPr>
+          <p:nvPr/>
+        </p:nvPicPr>
+        <p:blipFill>
+          <a:blip r:embed="rId1"/>
+          <a:stretch>
+            <a:fillRect/>
+          </a:stretch>
+        </p:blipFill>
+        <p:spPr>
+          <a:xfrm>
+            <a:off x="395605" y="1412875"/>
+            <a:ext cx="8332470" cy="4311015"/>
+          </a:xfrm>
+          <a:prstGeom prst="rect">
+            <a:avLst/>
+          </a:prstGeom>
+        </p:spPr>
+      </p:pic>
     </p:spTree>
   </p:cSld>
   <p:clrMapOvr>
@@ -13290,31 +13668,9 @@
                 <a:ea typeface="微软雅黑" pitchFamily="34" charset="-122"/>
                 <a:sym typeface="+mn-ea"/>
               </a:rPr>
-              <a:t>前端</a:t>
+              <a:t>前端认证与权限</a:t>
             </a:r>
-            <a:r>
-              <a:rPr lang="en-US" altLang="zh-CN" sz="3600" dirty="0">
-                <a:solidFill>
-                  <a:srgbClr val="FFFFFF"/>
-                </a:solidFill>
-                <a:latin typeface="微软雅黑" pitchFamily="34" charset="-122"/>
-                <a:ea typeface="微软雅黑" pitchFamily="34" charset="-122"/>
-                <a:sym typeface="+mn-ea"/>
-              </a:rPr>
-              <a:t>401\403</a:t>
-            </a:r>
-            <a:r>
-              <a:rPr lang="zh-CN" altLang="en-US" sz="3600" dirty="0">
-                <a:solidFill>
-                  <a:srgbClr val="FFFFFF"/>
-                </a:solidFill>
-                <a:latin typeface="微软雅黑" pitchFamily="34" charset="-122"/>
-                <a:ea typeface="微软雅黑" pitchFamily="34" charset="-122"/>
-                <a:sym typeface="+mn-ea"/>
-              </a:rPr>
-              <a:t>过滤</a:t>
-            </a:r>
-            <a:endParaRPr lang="zh-CN" sz="3600" dirty="0">
+            <a:endParaRPr lang="en-US" sz="3600" dirty="0">
               <a:solidFill>
                 <a:srgbClr val="FFFFFF"/>
               </a:solidFill>
@@ -13396,7 +13752,7 @@
               <a:solidFill>
                 <a:srgbClr val="C4261D"/>
               </a:solidFill>
-              <a:sym typeface="Arial" panose="020B0604020202020204" pitchFamily="34" charset="0"/>
+              <a:sym typeface="Arial" pitchFamily="34" charset="0"/>
             </a:endParaRPr>
           </a:p>
         </p:txBody>
@@ -13466,7 +13822,7 @@
               <a:solidFill>
                 <a:srgbClr val="C4261D"/>
               </a:solidFill>
-              <a:sym typeface="Arial" panose="020B0604020202020204" pitchFamily="34" charset="0"/>
+              <a:sym typeface="Arial" pitchFamily="34" charset="0"/>
             </a:endParaRPr>
           </a:p>
         </p:txBody>
@@ -13536,7 +13892,7 @@
               <a:solidFill>
                 <a:srgbClr val="C4261D"/>
               </a:solidFill>
-              <a:sym typeface="Arial" panose="020B0604020202020204" pitchFamily="34" charset="0"/>
+              <a:sym typeface="Arial" pitchFamily="34" charset="0"/>
             </a:endParaRPr>
           </a:p>
         </p:txBody>
@@ -13805,7 +14161,7 @@
               <a:solidFill>
                 <a:srgbClr val="C4261D"/>
               </a:solidFill>
-              <a:sym typeface="Arial" panose="020B0604020202020204" pitchFamily="34" charset="0"/>
+              <a:sym typeface="Arial" pitchFamily="34" charset="0"/>
             </a:endParaRPr>
           </a:p>
         </p:txBody>
@@ -13973,7 +14329,7 @@
                 <a:solidFill>
                   <a:srgbClr val="C4261D"/>
                 </a:solidFill>
-                <a:sym typeface="Arial" panose="020B0604020202020204" pitchFamily="34" charset="0"/>
+                <a:sym typeface="Arial" pitchFamily="34" charset="0"/>
               </a:endParaRPr>
             </a:p>
           </p:txBody>
@@ -14223,7 +14579,7 @@
                 <a:solidFill>
                   <a:srgbClr val="C4261D"/>
                 </a:solidFill>
-                <a:sym typeface="Arial" panose="020B0604020202020204" pitchFamily="34" charset="0"/>
+                <a:sym typeface="Arial" pitchFamily="34" charset="0"/>
               </a:endParaRPr>
             </a:p>
           </p:txBody>
@@ -14261,7 +14617,7 @@
               <a:solidFill>
                 <a:srgbClr val="C4261D"/>
               </a:solidFill>
-              <a:sym typeface="Arial" panose="020B0604020202020204" pitchFamily="34" charset="0"/>
+              <a:sym typeface="Arial" pitchFamily="34" charset="0"/>
             </a:endParaRPr>
           </a:p>
         </p:txBody>
@@ -14479,7 +14835,7 @@
                 <a:solidFill>
                   <a:srgbClr val="C4261D"/>
                 </a:solidFill>
-                <a:sym typeface="Arial" panose="020B0604020202020204" pitchFamily="34" charset="0"/>
+                <a:sym typeface="Arial" pitchFamily="34" charset="0"/>
               </a:endParaRPr>
             </a:p>
           </p:txBody>
@@ -14729,7 +15085,7 @@
                 <a:solidFill>
                   <a:srgbClr val="C4261D"/>
                 </a:solidFill>
-                <a:sym typeface="Arial" panose="020B0604020202020204" pitchFamily="34" charset="0"/>
+                <a:sym typeface="Arial" pitchFamily="34" charset="0"/>
               </a:endParaRPr>
             </a:p>
           </p:txBody>
@@ -14767,7 +15123,7 @@
               <a:solidFill>
                 <a:srgbClr val="C4261D"/>
               </a:solidFill>
-              <a:sym typeface="Arial" panose="020B0604020202020204" pitchFamily="34" charset="0"/>
+              <a:sym typeface="Arial" pitchFamily="34" charset="0"/>
             </a:endParaRPr>
           </a:p>
         </p:txBody>
@@ -14985,7 +15341,7 @@
                 <a:solidFill>
                   <a:srgbClr val="C4261D"/>
                 </a:solidFill>
-                <a:sym typeface="Arial" panose="020B0604020202020204" pitchFamily="34" charset="0"/>
+                <a:sym typeface="Arial" pitchFamily="34" charset="0"/>
               </a:endParaRPr>
             </a:p>
           </p:txBody>
@@ -15235,7 +15591,7 @@
                 <a:solidFill>
                   <a:srgbClr val="C4261D"/>
                 </a:solidFill>
-                <a:sym typeface="Arial" panose="020B0604020202020204" pitchFamily="34" charset="0"/>
+                <a:sym typeface="Arial" pitchFamily="34" charset="0"/>
               </a:endParaRPr>
             </a:p>
           </p:txBody>
@@ -15273,7 +15629,7 @@
               <a:solidFill>
                 <a:srgbClr val="C4261D"/>
               </a:solidFill>
-              <a:sym typeface="Arial" panose="020B0604020202020204" pitchFamily="34" charset="0"/>
+              <a:sym typeface="Arial" pitchFamily="34" charset="0"/>
             </a:endParaRPr>
           </a:p>
         </p:txBody>
@@ -15400,7 +15756,7 @@
               <a:solidFill>
                 <a:srgbClr val="C4261D"/>
               </a:solidFill>
-              <a:sym typeface="Arial" panose="020B0604020202020204" pitchFamily="34" charset="0"/>
+              <a:sym typeface="Arial" pitchFamily="34" charset="0"/>
             </a:endParaRPr>
           </a:p>
         </p:txBody>
@@ -15470,7 +15826,7 @@
               <a:solidFill>
                 <a:srgbClr val="C4261D"/>
               </a:solidFill>
-              <a:sym typeface="Arial" panose="020B0604020202020204" pitchFamily="34" charset="0"/>
+              <a:sym typeface="Arial" pitchFamily="34" charset="0"/>
             </a:endParaRPr>
           </a:p>
         </p:txBody>
@@ -15521,7 +15877,7 @@
                 <a:solidFill>
                   <a:srgbClr val="C4261D"/>
                 </a:solidFill>
-                <a:sym typeface="Arial" panose="020B0604020202020204" pitchFamily="34" charset="0"/>
+                <a:sym typeface="Arial" pitchFamily="34" charset="0"/>
               </a:endParaRPr>
             </a:p>
           </p:txBody>
@@ -15561,7 +15917,7 @@
                 <a:solidFill>
                   <a:srgbClr val="C4261D"/>
                 </a:solidFill>
-                <a:sym typeface="Arial" panose="020B0604020202020204" pitchFamily="34" charset="0"/>
+                <a:sym typeface="Arial" pitchFamily="34" charset="0"/>
               </a:endParaRPr>
             </a:p>
           </p:txBody>
@@ -16381,7 +16737,7 @@
               <a:solidFill>
                 <a:srgbClr val="C4261D"/>
               </a:solidFill>
-              <a:sym typeface="Arial" panose="020B0604020202020204" pitchFamily="34" charset="0"/>
+              <a:sym typeface="Arial" pitchFamily="34" charset="0"/>
             </a:endParaRPr>
           </a:p>
         </p:txBody>
@@ -16552,7 +16908,7 @@
               <a:solidFill>
                 <a:srgbClr val="C4261D"/>
               </a:solidFill>
-              <a:sym typeface="Arial" panose="020B0604020202020204" pitchFamily="34" charset="0"/>
+              <a:sym typeface="Arial" pitchFamily="34" charset="0"/>
             </a:endParaRPr>
           </a:p>
         </p:txBody>
@@ -16720,7 +17076,7 @@
                 <a:solidFill>
                   <a:srgbClr val="C4261D"/>
                 </a:solidFill>
-                <a:sym typeface="Arial" panose="020B0604020202020204" pitchFamily="34" charset="0"/>
+                <a:sym typeface="Arial" pitchFamily="34" charset="0"/>
               </a:endParaRPr>
             </a:p>
           </p:txBody>
@@ -16970,7 +17326,7 @@
                 <a:solidFill>
                   <a:srgbClr val="C4261D"/>
                 </a:solidFill>
-                <a:sym typeface="Arial" panose="020B0604020202020204" pitchFamily="34" charset="0"/>
+                <a:sym typeface="Arial" pitchFamily="34" charset="0"/>
               </a:endParaRPr>
             </a:p>
           </p:txBody>
@@ -17008,7 +17364,7 @@
               <a:solidFill>
                 <a:srgbClr val="C4261D"/>
               </a:solidFill>
-              <a:sym typeface="Arial" panose="020B0604020202020204" pitchFamily="34" charset="0"/>
+              <a:sym typeface="Arial" pitchFamily="34" charset="0"/>
             </a:endParaRPr>
           </a:p>
         </p:txBody>
@@ -18675,6 +19031,604 @@
         <p:cNvGrpSpPr/>
         <p:nvPr/>
       </p:nvGrpSpPr>
+      <p:grpSpPr/>
+      <p:sp>
+        <p:nvSpPr>
+          <p:cNvPr id="3" name="内容占位符 2"/>
+          <p:cNvSpPr>
+            <a:spLocks noGrp="1"/>
+          </p:cNvSpPr>
+          <p:nvPr>
+            <p:ph idx="1"/>
+          </p:nvPr>
+        </p:nvSpPr>
+        <p:spPr>
+          <a:xfrm>
+            <a:off x="457200" y="1600200"/>
+            <a:ext cx="8229600" cy="2542540"/>
+          </a:xfrm>
+        </p:spPr>
+        <p:txBody>
+          <a:bodyPr>
+            <a:normAutofit/>
+          </a:bodyPr>
+          <a:p>
+            <a:pPr marL="0" indent="0">
+              <a:buNone/>
+            </a:pPr>
+            <a:r>
+              <a:rPr lang="zh-CN" altLang="en-US"/>
+              <a:t>实现目标</a:t>
+            </a:r>
+            <a:endParaRPr lang="zh-CN" altLang="en-US"/>
+          </a:p>
+          <a:p>
+            <a:pPr marL="514350" indent="514985" fontAlgn="auto">
+              <a:lnSpc>
+                <a:spcPct val="200000"/>
+              </a:lnSpc>
+              <a:spcBef>
+                <a:spcPts val="0"/>
+              </a:spcBef>
+              <a:buAutoNum type="arabicPeriod"/>
+            </a:pPr>
+            <a:r>
+              <a:rPr lang="zh-CN" altLang="en-US" sz="1800">
+                <a:solidFill>
+                  <a:schemeClr val="tx1"/>
+                </a:solidFill>
+                <a:uFillTx/>
+              </a:rPr>
+              <a:t>页面需要登录或授权的得跳转到登录页或者未授权页</a:t>
+            </a:r>
+            <a:endParaRPr lang="zh-CN" altLang="en-US" sz="1800">
+              <a:solidFill>
+                <a:schemeClr val="tx1"/>
+              </a:solidFill>
+              <a:uFillTx/>
+            </a:endParaRPr>
+          </a:p>
+          <a:p>
+            <a:pPr marL="514350" indent="514985" fontAlgn="auto">
+              <a:lnSpc>
+                <a:spcPct val="200000"/>
+              </a:lnSpc>
+              <a:spcBef>
+                <a:spcPts val="0"/>
+              </a:spcBef>
+              <a:buAutoNum type="arabicPeriod"/>
+            </a:pPr>
+            <a:r>
+              <a:rPr lang="zh-CN" altLang="en-US" sz="1800">
+                <a:solidFill>
+                  <a:schemeClr val="tx1"/>
+                </a:solidFill>
+                <a:uFillTx/>
+              </a:rPr>
+              <a:t>根据用户拥有的权限生成前端路由和菜单</a:t>
+            </a:r>
+            <a:endParaRPr lang="zh-CN" altLang="en-US" sz="1800">
+              <a:solidFill>
+                <a:schemeClr val="tx1"/>
+              </a:solidFill>
+              <a:uFillTx/>
+            </a:endParaRPr>
+          </a:p>
+          <a:p>
+            <a:pPr marL="514350" indent="514985" fontAlgn="auto">
+              <a:lnSpc>
+                <a:spcPct val="200000"/>
+              </a:lnSpc>
+              <a:spcBef>
+                <a:spcPts val="0"/>
+              </a:spcBef>
+              <a:buAutoNum type="arabicPeriod"/>
+            </a:pPr>
+            <a:r>
+              <a:rPr lang="zh-CN" altLang="en-US" sz="1800">
+                <a:solidFill>
+                  <a:schemeClr val="tx1"/>
+                </a:solidFill>
+                <a:uFillTx/>
+              </a:rPr>
+              <a:t>利用</a:t>
+            </a:r>
+            <a:r>
+              <a:rPr lang="en-US" altLang="zh-CN" sz="1800">
+                <a:solidFill>
+                  <a:schemeClr val="tx1"/>
+                </a:solidFill>
+                <a:uFillTx/>
+              </a:rPr>
+              <a:t>Vuex </a:t>
+            </a:r>
+            <a:r>
+              <a:rPr lang="zh-CN" altLang="en-US" sz="1800">
+                <a:solidFill>
+                  <a:schemeClr val="tx1"/>
+                </a:solidFill>
+                <a:uFillTx/>
+              </a:rPr>
+              <a:t>保存用户信息</a:t>
+            </a:r>
+            <a:r>
+              <a:rPr lang="en-US" altLang="zh-CN" sz="1800">
+                <a:solidFill>
+                  <a:schemeClr val="tx1"/>
+                </a:solidFill>
+                <a:uFillTx/>
+              </a:rPr>
+              <a:t>,</a:t>
+            </a:r>
+            <a:r>
+              <a:rPr lang="zh-CN" altLang="en-US" sz="1800">
+                <a:solidFill>
+                  <a:schemeClr val="tx1"/>
+                </a:solidFill>
+                <a:uFillTx/>
+              </a:rPr>
+              <a:t>实现页面重新加载数据</a:t>
+            </a:r>
+            <a:endParaRPr lang="zh-CN" altLang="en-US" sz="1800">
+              <a:solidFill>
+                <a:schemeClr val="tx1"/>
+              </a:solidFill>
+              <a:uFillTx/>
+            </a:endParaRPr>
+          </a:p>
+        </p:txBody>
+      </p:sp>
+    </p:spTree>
+  </p:cSld>
+  <p:clrMapOvr>
+    <a:masterClrMapping/>
+  </p:clrMapOvr>
+</p:sld>
+</file>
+
+<file path=ppt/slides/slide31.xml><?xml version="1.0" encoding="utf-8"?>
+<p:sld xmlns:a="http://schemas.openxmlformats.org/drawingml/2006/main" xmlns:r="http://schemas.openxmlformats.org/officeDocument/2006/relationships" xmlns:p="http://schemas.openxmlformats.org/presentationml/2006/main">
+  <p:cSld>
+    <p:spTree>
+      <p:nvGrpSpPr>
+        <p:cNvPr id="1" name=""/>
+        <p:cNvGrpSpPr/>
+        <p:nvPr/>
+      </p:nvGrpSpPr>
+      <p:grpSpPr/>
+      <p:sp>
+        <p:nvSpPr>
+          <p:cNvPr id="3" name="内容占位符 2"/>
+          <p:cNvSpPr>
+            <a:spLocks noGrp="1"/>
+          </p:cNvSpPr>
+          <p:nvPr>
+            <p:ph idx="1"/>
+          </p:nvPr>
+        </p:nvSpPr>
+        <p:spPr/>
+        <p:txBody>
+          <a:bodyPr/>
+          <a:p>
+            <a:pPr indent="457200" fontAlgn="auto">
+              <a:lnSpc>
+                <a:spcPct val="200000"/>
+              </a:lnSpc>
+              <a:spcBef>
+                <a:spcPts val="0"/>
+              </a:spcBef>
+              <a:buNone/>
+            </a:pPr>
+            <a:r>
+              <a:rPr lang="zh-CN" altLang="en-US" sz="1800">
+                <a:solidFill>
+                  <a:schemeClr val="tx1"/>
+                </a:solidFill>
+                <a:uFillTx/>
+              </a:rPr>
+              <a:t>Vuex 是一个专为 Vue.js 应用程序开发的状态管理模式。它采用集中式存储管理应用的所有组件的状态，并以相应的规则保证状态以一种可预测的方式发生变化。</a:t>
+            </a:r>
+            <a:endParaRPr lang="zh-CN" altLang="en-US" sz="1800">
+              <a:solidFill>
+                <a:schemeClr val="tx1"/>
+              </a:solidFill>
+              <a:uFillTx/>
+            </a:endParaRPr>
+          </a:p>
+          <a:p>
+            <a:pPr indent="457200" fontAlgn="auto">
+              <a:lnSpc>
+                <a:spcPct val="200000"/>
+              </a:lnSpc>
+              <a:spcBef>
+                <a:spcPts val="0"/>
+              </a:spcBef>
+              <a:buNone/>
+            </a:pPr>
+            <a:r>
+              <a:rPr lang="en-US" altLang="zh-CN" sz="1800">
+                <a:solidFill>
+                  <a:schemeClr val="tx1"/>
+                </a:solidFill>
+                <a:uFillTx/>
+              </a:rPr>
+              <a:t>State:</a:t>
+            </a:r>
+            <a:r>
+              <a:rPr lang="zh-CN" altLang="en-US" sz="1800">
+                <a:solidFill>
+                  <a:schemeClr val="tx1"/>
+                </a:solidFill>
+                <a:uFillTx/>
+              </a:rPr>
+              <a:t>数据声明标识</a:t>
+            </a:r>
+            <a:endParaRPr lang="zh-CN" altLang="en-US" sz="1800">
+              <a:solidFill>
+                <a:schemeClr val="tx1"/>
+              </a:solidFill>
+              <a:uFillTx/>
+            </a:endParaRPr>
+          </a:p>
+          <a:p>
+            <a:pPr indent="457200" fontAlgn="auto">
+              <a:lnSpc>
+                <a:spcPct val="200000"/>
+              </a:lnSpc>
+              <a:spcBef>
+                <a:spcPts val="0"/>
+              </a:spcBef>
+              <a:buNone/>
+            </a:pPr>
+            <a:r>
+              <a:rPr lang="en-US" altLang="zh-CN" sz="1800">
+                <a:solidFill>
+                  <a:schemeClr val="tx1"/>
+                </a:solidFill>
+                <a:uFillTx/>
+              </a:rPr>
+              <a:t>Getter:</a:t>
+            </a:r>
+            <a:r>
+              <a:rPr lang="zh-CN" altLang="en-US" sz="1800">
+                <a:solidFill>
+                  <a:schemeClr val="tx1"/>
+                </a:solidFill>
+                <a:uFillTx/>
+              </a:rPr>
+              <a:t>获取器</a:t>
+            </a:r>
+            <a:endParaRPr lang="zh-CN" altLang="en-US" sz="1800">
+              <a:solidFill>
+                <a:schemeClr val="tx1"/>
+              </a:solidFill>
+              <a:uFillTx/>
+            </a:endParaRPr>
+          </a:p>
+          <a:p>
+            <a:pPr indent="457200" fontAlgn="auto">
+              <a:lnSpc>
+                <a:spcPct val="200000"/>
+              </a:lnSpc>
+              <a:spcBef>
+                <a:spcPts val="0"/>
+              </a:spcBef>
+              <a:buNone/>
+            </a:pPr>
+            <a:r>
+              <a:rPr lang="en-US" altLang="zh-CN" sz="1800">
+                <a:solidFill>
+                  <a:schemeClr val="tx1"/>
+                </a:solidFill>
+                <a:uFillTx/>
+              </a:rPr>
+              <a:t>Mutation:</a:t>
+            </a:r>
+            <a:r>
+              <a:rPr lang="zh-CN" altLang="en-US" sz="1800">
+                <a:solidFill>
+                  <a:schemeClr val="tx1"/>
+                </a:solidFill>
+                <a:uFillTx/>
+              </a:rPr>
+              <a:t>改变</a:t>
+            </a:r>
+            <a:r>
+              <a:rPr lang="en-US" altLang="zh-CN" sz="1800">
+                <a:solidFill>
+                  <a:schemeClr val="tx1"/>
+                </a:solidFill>
+                <a:uFillTx/>
+              </a:rPr>
+              <a:t>State</a:t>
+            </a:r>
+            <a:r>
+              <a:rPr lang="zh-CN" altLang="en-US" sz="1800">
+                <a:solidFill>
+                  <a:schemeClr val="tx1"/>
+                </a:solidFill>
+                <a:uFillTx/>
+              </a:rPr>
+              <a:t>内容 同步方式</a:t>
+            </a:r>
+            <a:endParaRPr lang="zh-CN" altLang="en-US" sz="1800">
+              <a:solidFill>
+                <a:schemeClr val="tx1"/>
+              </a:solidFill>
+              <a:uFillTx/>
+            </a:endParaRPr>
+          </a:p>
+          <a:p>
+            <a:pPr indent="457200" fontAlgn="auto">
+              <a:lnSpc>
+                <a:spcPct val="200000"/>
+              </a:lnSpc>
+              <a:spcBef>
+                <a:spcPts val="0"/>
+              </a:spcBef>
+              <a:buNone/>
+            </a:pPr>
+            <a:r>
+              <a:rPr lang="en-US" altLang="zh-CN" sz="1800">
+                <a:solidFill>
+                  <a:schemeClr val="tx1"/>
+                </a:solidFill>
+                <a:uFillTx/>
+              </a:rPr>
+              <a:t>Action: </a:t>
+            </a:r>
+            <a:r>
+              <a:rPr lang="zh-CN" altLang="en-US" sz="1800">
+                <a:solidFill>
+                  <a:schemeClr val="tx1"/>
+                </a:solidFill>
+                <a:uFillTx/>
+              </a:rPr>
+              <a:t>调用</a:t>
+            </a:r>
+            <a:r>
+              <a:rPr lang="en-US" altLang="zh-CN" sz="1800">
+                <a:uFillTx/>
+                <a:sym typeface="+mn-ea"/>
+              </a:rPr>
+              <a:t>Mutation</a:t>
+            </a:r>
+            <a:r>
+              <a:rPr lang="zh-CN" altLang="en-US" sz="1800">
+                <a:solidFill>
+                  <a:schemeClr val="tx1"/>
+                </a:solidFill>
+                <a:uFillTx/>
+              </a:rPr>
+              <a:t> </a:t>
+            </a:r>
+            <a:r>
+              <a:rPr lang="zh-CN" altLang="en-US" sz="1800">
+                <a:uFillTx/>
+                <a:sym typeface="+mn-ea"/>
+              </a:rPr>
+              <a:t>改变</a:t>
+            </a:r>
+            <a:r>
+              <a:rPr lang="en-US" altLang="zh-CN" sz="1800">
+                <a:uFillTx/>
+                <a:sym typeface="+mn-ea"/>
+              </a:rPr>
+              <a:t>State </a:t>
+            </a:r>
+            <a:r>
+              <a:rPr lang="zh-CN" altLang="en-US" sz="1800">
+                <a:uFillTx/>
+                <a:sym typeface="+mn-ea"/>
+              </a:rPr>
+              <a:t>异步方式</a:t>
+            </a:r>
+            <a:endParaRPr lang="zh-CN" altLang="en-US" sz="1800">
+              <a:solidFill>
+                <a:schemeClr val="tx1"/>
+              </a:solidFill>
+              <a:uFillTx/>
+              <a:sym typeface="+mn-ea"/>
+            </a:endParaRPr>
+          </a:p>
+          <a:p>
+            <a:pPr indent="457200" fontAlgn="auto">
+              <a:lnSpc>
+                <a:spcPct val="200000"/>
+              </a:lnSpc>
+              <a:spcBef>
+                <a:spcPts val="0"/>
+              </a:spcBef>
+              <a:buNone/>
+            </a:pPr>
+            <a:r>
+              <a:rPr lang="en-US" altLang="zh-CN" sz="1800">
+                <a:solidFill>
+                  <a:schemeClr val="tx1"/>
+                </a:solidFill>
+                <a:uFillTx/>
+              </a:rPr>
+              <a:t>Module:分割模块</a:t>
+            </a:r>
+            <a:endParaRPr lang="en-US" altLang="zh-CN" sz="1800">
+              <a:solidFill>
+                <a:schemeClr val="tx1"/>
+              </a:solidFill>
+              <a:uFillTx/>
+            </a:endParaRPr>
+          </a:p>
+        </p:txBody>
+      </p:sp>
+    </p:spTree>
+  </p:cSld>
+  <p:clrMapOvr>
+    <a:masterClrMapping/>
+  </p:clrMapOvr>
+</p:sld>
+</file>
+
+<file path=ppt/slides/slide32.xml><?xml version="1.0" encoding="utf-8"?>
+<p:sld xmlns:a="http://schemas.openxmlformats.org/drawingml/2006/main" xmlns:r="http://schemas.openxmlformats.org/officeDocument/2006/relationships" xmlns:p="http://schemas.openxmlformats.org/presentationml/2006/main">
+  <p:cSld>
+    <p:spTree>
+      <p:nvGrpSpPr>
+        <p:cNvPr id="1" name=""/>
+        <p:cNvGrpSpPr/>
+        <p:nvPr/>
+      </p:nvGrpSpPr>
+      <p:grpSpPr/>
+      <p:sp>
+        <p:nvSpPr>
+          <p:cNvPr id="3" name="内容占位符 2"/>
+          <p:cNvSpPr>
+            <a:spLocks noGrp="1"/>
+          </p:cNvSpPr>
+          <p:nvPr>
+            <p:ph idx="1"/>
+          </p:nvPr>
+        </p:nvSpPr>
+        <p:spPr>
+          <a:xfrm>
+            <a:off x="611505" y="1125220"/>
+            <a:ext cx="8229600" cy="4525963"/>
+          </a:xfrm>
+        </p:spPr>
+        <p:txBody>
+          <a:bodyPr/>
+          <a:p>
+            <a:pPr marL="0" indent="457200" fontAlgn="auto">
+              <a:lnSpc>
+                <a:spcPct val="150000"/>
+              </a:lnSpc>
+              <a:spcBef>
+                <a:spcPts val="0"/>
+              </a:spcBef>
+              <a:buNone/>
+            </a:pPr>
+            <a:r>
+              <a:rPr lang="zh-CN" altLang="en-US" sz="2400">
+                <a:solidFill>
+                  <a:schemeClr val="tx1"/>
+                </a:solidFill>
+                <a:uFillTx/>
+              </a:rPr>
+              <a:t>Router 结合Vuex 实现认证和授权</a:t>
+            </a:r>
+            <a:endParaRPr lang="zh-CN" altLang="en-US" sz="2400">
+              <a:solidFill>
+                <a:schemeClr val="tx1"/>
+              </a:solidFill>
+              <a:uFillTx/>
+            </a:endParaRPr>
+          </a:p>
+          <a:p>
+            <a:pPr marL="0" indent="457200" fontAlgn="auto">
+              <a:lnSpc>
+                <a:spcPct val="200000"/>
+              </a:lnSpc>
+              <a:spcBef>
+                <a:spcPts val="0"/>
+              </a:spcBef>
+              <a:buNone/>
+            </a:pPr>
+            <a:r>
+              <a:rPr lang="zh-CN" altLang="en-US" sz="1800">
+                <a:solidFill>
+                  <a:schemeClr val="tx1"/>
+                </a:solidFill>
+                <a:uFillTx/>
+              </a:rPr>
+              <a:t>思路: 对公共页面方法默认加载,权限页面进行动态加载.未获取到用户信息,进行获取,返回401状态,跳转到登录页</a:t>
+            </a:r>
+            <a:r>
+              <a:rPr lang="zh-CN" altLang="en-US" sz="1800">
+                <a:uFillTx/>
+              </a:rPr>
+              <a:t>.</a:t>
+            </a:r>
+            <a:endParaRPr lang="zh-CN" altLang="en-US" sz="1800">
+              <a:uFillTx/>
+            </a:endParaRPr>
+          </a:p>
+          <a:p>
+            <a:pPr marL="0" indent="457200" fontAlgn="auto">
+              <a:lnSpc>
+                <a:spcPct val="200000"/>
+              </a:lnSpc>
+              <a:spcBef>
+                <a:spcPts val="0"/>
+              </a:spcBef>
+              <a:buNone/>
+            </a:pPr>
+            <a:r>
+              <a:rPr lang="zh-CN" altLang="en-US" sz="1800">
+                <a:uFillTx/>
+              </a:rPr>
+              <a:t>利用</a:t>
+            </a:r>
+            <a:r>
+              <a:rPr lang="en-US" altLang="zh-CN" sz="1800">
+                <a:uFillTx/>
+              </a:rPr>
+              <a:t>:router.beforeEach((to, from, next) =&gt; {})</a:t>
+            </a:r>
+            <a:endParaRPr lang="en-US" altLang="zh-CN" sz="1800">
+              <a:uFillTx/>
+            </a:endParaRPr>
+          </a:p>
+          <a:p>
+            <a:pPr marL="0" indent="457200" fontAlgn="auto">
+              <a:lnSpc>
+                <a:spcPct val="200000"/>
+              </a:lnSpc>
+              <a:spcBef>
+                <a:spcPts val="0"/>
+              </a:spcBef>
+              <a:buNone/>
+            </a:pPr>
+            <a:r>
+              <a:rPr lang="en-US" altLang="zh-CN" sz="1800">
+                <a:uFillTx/>
+              </a:rPr>
+              <a:t>	 store.commit('', data)</a:t>
+            </a:r>
+            <a:endParaRPr lang="en-US" altLang="zh-CN" sz="1800">
+              <a:uFillTx/>
+            </a:endParaRPr>
+          </a:p>
+          <a:p>
+            <a:pPr marL="0" indent="457200" fontAlgn="auto">
+              <a:lnSpc>
+                <a:spcPct val="200000"/>
+              </a:lnSpc>
+              <a:spcBef>
+                <a:spcPts val="0"/>
+              </a:spcBef>
+              <a:buNone/>
+            </a:pPr>
+            <a:endParaRPr lang="zh-CN" altLang="en-US" sz="1800">
+              <a:uFillTx/>
+            </a:endParaRPr>
+          </a:p>
+        </p:txBody>
+      </p:sp>
+    </p:spTree>
+  </p:cSld>
+  <p:clrMapOvr>
+    <a:masterClrMapping/>
+  </p:clrMapOvr>
+</p:sld>
+</file>
+
+<file path=ppt/slides/slide33.xml><?xml version="1.0" encoding="utf-8"?>
+<p:sld xmlns:a="http://schemas.openxmlformats.org/drawingml/2006/main" xmlns:r="http://schemas.openxmlformats.org/officeDocument/2006/relationships" xmlns:p="http://schemas.openxmlformats.org/presentationml/2006/main">
+  <p:cSld>
+    <p:spTree>
+      <p:nvGrpSpPr>
+        <p:cNvPr id="1" name=""/>
+        <p:cNvGrpSpPr/>
+        <p:nvPr/>
+      </p:nvGrpSpPr>
       <p:grpSpPr>
         <a:xfrm>
           <a:off x="0" y="0"/>
@@ -18748,7 +19702,7 @@
               <a:solidFill>
                 <a:srgbClr val="C4261D"/>
               </a:solidFill>
-              <a:sym typeface="Arial" panose="020B0604020202020204" pitchFamily="34" charset="0"/>
+              <a:sym typeface="Arial" pitchFamily="34" charset="0"/>
             </a:endParaRPr>
           </a:p>
         </p:txBody>
@@ -18818,7 +19772,7 @@
               <a:solidFill>
                 <a:srgbClr val="C4261D"/>
               </a:solidFill>
-              <a:sym typeface="Arial" panose="020B0604020202020204" pitchFamily="34" charset="0"/>
+              <a:sym typeface="Arial" pitchFamily="34" charset="0"/>
             </a:endParaRPr>
           </a:p>
         </p:txBody>
@@ -19101,7 +20055,7 @@
               <a:solidFill>
                 <a:srgbClr val="C4261D"/>
               </a:solidFill>
-              <a:sym typeface="Arial" panose="020B0604020202020204" pitchFamily="34" charset="0"/>
+              <a:sym typeface="Arial" pitchFamily="34" charset="0"/>
             </a:endParaRPr>
           </a:p>
         </p:txBody>
@@ -19171,7 +20125,7 @@
               <a:solidFill>
                 <a:srgbClr val="C4261D"/>
               </a:solidFill>
-              <a:sym typeface="Arial" panose="020B0604020202020204" pitchFamily="34" charset="0"/>
+              <a:sym typeface="Arial" pitchFamily="34" charset="0"/>
             </a:endParaRPr>
           </a:p>
         </p:txBody>
@@ -19241,7 +20195,7 @@
               <a:solidFill>
                 <a:srgbClr val="C4261D"/>
               </a:solidFill>
-              <a:sym typeface="Arial" panose="020B0604020202020204" pitchFamily="34" charset="0"/>
+              <a:sym typeface="Arial" pitchFamily="34" charset="0"/>
             </a:endParaRPr>
           </a:p>
         </p:txBody>
@@ -19441,7 +20395,7 @@
         <p:spPr>
           <a:xfrm>
             <a:off x="1259840" y="1557020"/>
-            <a:ext cx="6788785" cy="2377440"/>
+            <a:ext cx="6788785" cy="2834640"/>
           </a:xfrm>
           <a:prstGeom prst="rect">
             <a:avLst/>
@@ -19455,26 +20409,46 @@
           <a:p>
             <a:pPr indent="457200" fontAlgn="auto">
               <a:lnSpc>
-                <a:spcPct val="150000"/>
+                <a:spcPct val="200000"/>
               </a:lnSpc>
             </a:pPr>
             <a:r>
-              <a:rPr lang="zh-CN" altLang="en-US" sz="2000"/>
+              <a:rPr lang="zh-CN" altLang="en-US">
+                <a:solidFill>
+                  <a:schemeClr val="tx1"/>
+                </a:solidFill>
+                <a:uFillTx/>
+              </a:rPr>
               <a:t>Spring Security是基于spring的应用程序提供声明式安全保护的安全性框架，它提供了完整的安全性解决方案，能够在web请求级别和方法调用级别</a:t>
             </a:r>
-            <a:endParaRPr lang="zh-CN" altLang="en-US" sz="2000"/>
+            <a:endParaRPr lang="zh-CN" altLang="en-US">
+              <a:solidFill>
+                <a:schemeClr val="tx1"/>
+              </a:solidFill>
+              <a:uFillTx/>
+            </a:endParaRPr>
           </a:p>
           <a:p>
             <a:pPr indent="457200" fontAlgn="auto">
               <a:lnSpc>
-                <a:spcPct val="150000"/>
+                <a:spcPct val="200000"/>
               </a:lnSpc>
             </a:pPr>
             <a:r>
-              <a:rPr lang="zh-CN" altLang="en-US" sz="2000"/>
+              <a:rPr lang="zh-CN" altLang="en-US">
+                <a:solidFill>
+                  <a:schemeClr val="tx1"/>
+                </a:solidFill>
+                <a:uFillTx/>
+              </a:rPr>
               <a:t>处理身份证验证和授权．它充分使用了依赖注入和面向切面的技术．</a:t>
             </a:r>
-            <a:endParaRPr lang="zh-CN" altLang="en-US" sz="2000"/>
+            <a:endParaRPr lang="zh-CN" altLang="en-US">
+              <a:solidFill>
+                <a:schemeClr val="tx1"/>
+              </a:solidFill>
+              <a:uFillTx/>
+            </a:endParaRPr>
           </a:p>
         </p:txBody>
       </p:sp>
@@ -19703,7 +20677,7 @@
         <p:spPr>
           <a:xfrm>
             <a:off x="1331595" y="1772920"/>
-            <a:ext cx="6788785" cy="2834640"/>
+            <a:ext cx="6788785" cy="3749040"/>
           </a:xfrm>
           <a:prstGeom prst="rect">
             <a:avLst/>
@@ -19717,7 +20691,7 @@
           <a:p>
             <a:pPr indent="457200" fontAlgn="auto">
               <a:lnSpc>
-                <a:spcPct val="150000"/>
+                <a:spcPct val="200000"/>
               </a:lnSpc>
             </a:pPr>
             <a:r>
@@ -20251,6 +21225,8 @@
       </a:bgFillStyleLst>
     </a:fmtScheme>
   </a:themeElements>
+  <a:objectDefaults/>
+  <a:extraClrSchemeLst/>
   <a:extLst>
     <a:ext uri="{05A4C25C-085E-4340-85A3-A5531E510DB2}">
       <thm15:themeFamily xmlns:thm15="http://schemas.microsoft.com/office/thememl/2012/main" name="Office Theme" id="{62F939B6-93AF-4DB8-9C6B-D6C7DFDC589F}" vid="{4A3C46E8-61CC-4603-A589-7422A47A8E4A}"/>
